--- a/Capstone_Project_2/Capstone_Project_2.pptx
+++ b/Capstone_Project_2/Capstone_Project_2.pptx
@@ -6,7 +6,7 @@
     <p:sldMasterId id="2147483660" r:id="rId2"/>
   </p:sldMasterIdLst>
   <p:notesMasterIdLst>
-    <p:notesMasterId r:id="rId22"/>
+    <p:notesMasterId r:id="rId24"/>
   </p:notesMasterIdLst>
   <p:sldIdLst>
     <p:sldId id="258" r:id="rId3"/>
@@ -15,19 +15,21 @@
     <p:sldId id="277" r:id="rId6"/>
     <p:sldId id="271" r:id="rId7"/>
     <p:sldId id="272" r:id="rId8"/>
-    <p:sldId id="276" r:id="rId9"/>
-    <p:sldId id="273" r:id="rId10"/>
-    <p:sldId id="278" r:id="rId11"/>
-    <p:sldId id="279" r:id="rId12"/>
-    <p:sldId id="274" r:id="rId13"/>
-    <p:sldId id="280" r:id="rId14"/>
-    <p:sldId id="281" r:id="rId15"/>
-    <p:sldId id="275" r:id="rId16"/>
-    <p:sldId id="282" r:id="rId17"/>
-    <p:sldId id="283" r:id="rId18"/>
-    <p:sldId id="285" r:id="rId19"/>
-    <p:sldId id="286" r:id="rId20"/>
-    <p:sldId id="287" r:id="rId21"/>
+    <p:sldId id="288" r:id="rId9"/>
+    <p:sldId id="276" r:id="rId10"/>
+    <p:sldId id="273" r:id="rId11"/>
+    <p:sldId id="278" r:id="rId12"/>
+    <p:sldId id="279" r:id="rId13"/>
+    <p:sldId id="274" r:id="rId14"/>
+    <p:sldId id="280" r:id="rId15"/>
+    <p:sldId id="281" r:id="rId16"/>
+    <p:sldId id="275" r:id="rId17"/>
+    <p:sldId id="282" r:id="rId18"/>
+    <p:sldId id="283" r:id="rId19"/>
+    <p:sldId id="285" r:id="rId20"/>
+    <p:sldId id="286" r:id="rId21"/>
+    <p:sldId id="287" r:id="rId22"/>
+    <p:sldId id="289" r:id="rId23"/>
   </p:sldIdLst>
   <p:sldSz cx="12192000" cy="6858000"/>
   <p:notesSz cx="6858000" cy="9144000"/>
@@ -673,7 +675,7 @@
           <a:p>
             <a:fld id="{E0746DE6-3336-457D-A091-FA20AC1C536E}" type="slidenum">
               <a:rPr lang="en-US" smtClean="0"/>
-              <a:t>8</a:t>
+              <a:t>7</a:t>
             </a:fld>
             <a:endParaRPr lang="en-US"/>
           </a:p>
@@ -682,7 +684,7 @@
     </p:spTree>
     <p:extLst>
       <p:ext uri="{BB962C8B-B14F-4D97-AF65-F5344CB8AC3E}">
-        <p14:creationId xmlns:p14="http://schemas.microsoft.com/office/powerpoint/2010/main" val="350067020"/>
+        <p14:creationId xmlns:p14="http://schemas.microsoft.com/office/powerpoint/2010/main" val="560573721"/>
       </p:ext>
     </p:extLst>
   </p:cSld>
@@ -757,7 +759,7 @@
           <a:p>
             <a:fld id="{E0746DE6-3336-457D-A091-FA20AC1C536E}" type="slidenum">
               <a:rPr lang="en-US" smtClean="0"/>
-              <a:t>10</a:t>
+              <a:t>9</a:t>
             </a:fld>
             <a:endParaRPr lang="en-US"/>
           </a:p>
@@ -766,7 +768,7 @@
     </p:spTree>
     <p:extLst>
       <p:ext uri="{BB962C8B-B14F-4D97-AF65-F5344CB8AC3E}">
-        <p14:creationId xmlns:p14="http://schemas.microsoft.com/office/powerpoint/2010/main" val="2201472940"/>
+        <p14:creationId xmlns:p14="http://schemas.microsoft.com/office/powerpoint/2010/main" val="350067020"/>
       </p:ext>
     </p:extLst>
   </p:cSld>
@@ -841,7 +843,91 @@
           <a:p>
             <a:fld id="{E0746DE6-3336-457D-A091-FA20AC1C536E}" type="slidenum">
               <a:rPr lang="en-US" smtClean="0"/>
-              <a:t>16</a:t>
+              <a:t>11</a:t>
+            </a:fld>
+            <a:endParaRPr lang="en-US"/>
+          </a:p>
+        </p:txBody>
+      </p:sp>
+    </p:spTree>
+    <p:extLst>
+      <p:ext uri="{BB962C8B-B14F-4D97-AF65-F5344CB8AC3E}">
+        <p14:creationId xmlns:p14="http://schemas.microsoft.com/office/powerpoint/2010/main" val="2201472940"/>
+      </p:ext>
+    </p:extLst>
+  </p:cSld>
+  <p:clrMapOvr>
+    <a:masterClrMapping/>
+  </p:clrMapOvr>
+</p:notes>
+</file>
+
+<file path=ppt/notesSlides/notesSlide5.xml><?xml version="1.0" encoding="utf-8"?>
+<p:notes xmlns:a="http://schemas.openxmlformats.org/drawingml/2006/main" xmlns:r="http://schemas.openxmlformats.org/officeDocument/2006/relationships" xmlns:p="http://schemas.openxmlformats.org/presentationml/2006/main">
+  <p:cSld>
+    <p:spTree>
+      <p:nvGrpSpPr>
+        <p:cNvPr id="1" name=""/>
+        <p:cNvGrpSpPr/>
+        <p:nvPr/>
+      </p:nvGrpSpPr>
+      <p:grpSpPr>
+        <a:xfrm>
+          <a:off x="0" y="0"/>
+          <a:ext cx="0" cy="0"/>
+          <a:chOff x="0" y="0"/>
+          <a:chExt cx="0" cy="0"/>
+        </a:xfrm>
+      </p:grpSpPr>
+      <p:sp>
+        <p:nvSpPr>
+          <p:cNvPr id="2" name="Slide Image Placeholder 1"/>
+          <p:cNvSpPr>
+            <a:spLocks noGrp="1" noRot="1" noChangeAspect="1"/>
+          </p:cNvSpPr>
+          <p:nvPr>
+            <p:ph type="sldImg"/>
+          </p:nvPr>
+        </p:nvSpPr>
+        <p:spPr/>
+      </p:sp>
+      <p:sp>
+        <p:nvSpPr>
+          <p:cNvPr id="3" name="Notes Placeholder 2"/>
+          <p:cNvSpPr>
+            <a:spLocks noGrp="1"/>
+          </p:cNvSpPr>
+          <p:nvPr>
+            <p:ph type="body" idx="1"/>
+          </p:nvPr>
+        </p:nvSpPr>
+        <p:spPr/>
+        <p:txBody>
+          <a:bodyPr/>
+          <a:lstStyle/>
+          <a:p>
+            <a:endParaRPr lang="en-CH" dirty="0"/>
+          </a:p>
+        </p:txBody>
+      </p:sp>
+      <p:sp>
+        <p:nvSpPr>
+          <p:cNvPr id="4" name="Slide Number Placeholder 3"/>
+          <p:cNvSpPr>
+            <a:spLocks noGrp="1"/>
+          </p:cNvSpPr>
+          <p:nvPr>
+            <p:ph type="sldNum" sz="quarter" idx="10"/>
+          </p:nvPr>
+        </p:nvSpPr>
+        <p:spPr/>
+        <p:txBody>
+          <a:bodyPr/>
+          <a:lstStyle/>
+          <a:p>
+            <a:fld id="{E0746DE6-3336-457D-A091-FA20AC1C536E}" type="slidenum">
+              <a:rPr lang="en-US" smtClean="0"/>
+              <a:t>17</a:t>
             </a:fld>
             <a:endParaRPr lang="en-US"/>
           </a:p>
@@ -5754,14 +5840,6 @@
 <file path=ppt/slides/slide10.xml><?xml version="1.0" encoding="utf-8"?>
 <p:sld xmlns:a="http://schemas.openxmlformats.org/drawingml/2006/main" xmlns:r="http://schemas.openxmlformats.org/officeDocument/2006/relationships" xmlns:p="http://schemas.openxmlformats.org/presentationml/2006/main">
   <p:cSld>
-    <p:bg>
-      <p:bgPr>
-        <a:solidFill>
-          <a:schemeClr val="bg1"/>
-        </a:solidFill>
-        <a:effectLst/>
-      </p:bgPr>
-    </p:bg>
     <p:spTree>
       <p:nvGrpSpPr>
         <p:cNvPr id="1" name=""/>
@@ -5781,7 +5859,7 @@
           <p:cNvPr id="2" name="Title 1">
             <a:extLst>
               <a:ext uri="{FF2B5EF4-FFF2-40B4-BE49-F238E27FC236}">
-                <a16:creationId xmlns:a16="http://schemas.microsoft.com/office/drawing/2014/main" id="{0C2910F2-FCC5-4A3B-8150-C21B3253C332}"/>
+                <a16:creationId xmlns:a16="http://schemas.microsoft.com/office/drawing/2014/main" id="{19842FE8-F241-4344-948F-DE5FF00A7A0B}"/>
               </a:ext>
             </a:extLst>
           </p:cNvPr>
@@ -5794,37 +5872,24 @@
         </p:nvSpPr>
         <p:spPr>
           <a:xfrm>
-            <a:off x="648929" y="629267"/>
-            <a:ext cx="3505495" cy="763116"/>
-          </a:xfrm>
-        </p:spPr>
-        <p:txBody>
-          <a:bodyPr vert="horz" lIns="91440" tIns="45720" rIns="91440" bIns="45720" rtlCol="0" anchor="ctr">
-            <a:normAutofit/>
+            <a:off x="838200" y="680664"/>
+            <a:ext cx="10515600" cy="822263"/>
+          </a:xfrm>
+        </p:spPr>
+        <p:txBody>
+          <a:bodyPr>
+            <a:normAutofit fontScale="90000"/>
           </a:bodyPr>
           <a:lstStyle/>
           <a:p>
             <a:r>
-              <a:rPr lang="en-US" sz="2800" dirty="0">
-                <a:solidFill>
-                  <a:schemeClr val="tx1"/>
-                </a:solidFill>
-                <a:latin typeface="+mj-lt"/>
-                <a:cs typeface="+mj-cs"/>
-              </a:rPr>
-              <a:t>Results</a:t>
-            </a:r>
-            <a:r>
-              <a:rPr lang="en-US" sz="4400" kern="1200" dirty="0">
-                <a:solidFill>
-                  <a:schemeClr val="tx1"/>
-                </a:solidFill>
-                <a:latin typeface="+mj-lt"/>
-                <a:ea typeface="+mj-ea"/>
-                <a:cs typeface="+mj-cs"/>
-              </a:rPr>
-              <a:t> </a:t>
-            </a:r>
+              <a:rPr lang="en-CH" sz="3100" dirty="0"/>
+              <a:t>Key steps</a:t>
+            </a:r>
+            <a:br>
+              <a:rPr lang="en-CH" dirty="0"/>
+            </a:br>
+            <a:endParaRPr lang="en-CH" dirty="0"/>
           </a:p>
         </p:txBody>
       </p:sp>
@@ -5833,7 +5898,7 @@
           <p:cNvPr id="3" name="Content Placeholder 2">
             <a:extLst>
               <a:ext uri="{FF2B5EF4-FFF2-40B4-BE49-F238E27FC236}">
-                <a16:creationId xmlns:a16="http://schemas.microsoft.com/office/drawing/2014/main" id="{FD232952-5CFE-4E7D-A138-0F07C62E432D}"/>
+                <a16:creationId xmlns:a16="http://schemas.microsoft.com/office/drawing/2014/main" id="{67D53DE0-71A7-462D-A2A6-42CC0D7E825F}"/>
               </a:ext>
             </a:extLst>
           </p:cNvPr>
@@ -5846,252 +5911,249 @@
         </p:nvSpPr>
         <p:spPr>
           <a:xfrm>
-            <a:off x="648931" y="2438400"/>
-            <a:ext cx="3505494" cy="3785419"/>
-          </a:xfrm>
-        </p:spPr>
-        <p:txBody>
-          <a:bodyPr vert="horz" lIns="91440" tIns="45720" rIns="91440" bIns="45720" rtlCol="0">
-            <a:normAutofit/>
+            <a:off x="838200" y="1625936"/>
+            <a:ext cx="10515600" cy="4351338"/>
+          </a:xfrm>
+        </p:spPr>
+        <p:txBody>
+          <a:bodyPr>
+            <a:normAutofit fontScale="70000" lnSpcReduction="20000"/>
           </a:bodyPr>
           <a:lstStyle/>
           <a:p>
-            <a:r>
-              <a:rPr lang="en-US" sz="2000" dirty="0">
-                <a:solidFill>
-                  <a:schemeClr val="tx1"/>
-                </a:solidFill>
-                <a:latin typeface="+mn-lt"/>
-                <a:cs typeface="+mn-cs"/>
-              </a:rPr>
-              <a:t>The train accuracy varies from 87 to 94%</a:t>
-            </a:r>
-          </a:p>
-          <a:p>
-            <a:r>
-              <a:rPr lang="en-US" sz="2000" dirty="0">
-                <a:solidFill>
-                  <a:schemeClr val="tx1"/>
-                </a:solidFill>
-                <a:latin typeface="+mn-lt"/>
-                <a:cs typeface="+mn-cs"/>
-              </a:rPr>
-              <a:t>The test accuracy varies from 63 to 90%</a:t>
-            </a:r>
-          </a:p>
-          <a:p>
-            <a:r>
-              <a:rPr lang="en-US" sz="2000" dirty="0">
-                <a:solidFill>
-                  <a:schemeClr val="tx1"/>
-                </a:solidFill>
-                <a:latin typeface="+mn-lt"/>
-                <a:cs typeface="+mn-cs"/>
-              </a:rPr>
-              <a:t>The room with the worst results is kitchen</a:t>
-            </a:r>
-          </a:p>
-          <a:p>
-            <a:r>
-              <a:rPr lang="en-US" sz="2000" dirty="0">
-                <a:solidFill>
-                  <a:schemeClr val="tx1"/>
-                </a:solidFill>
-                <a:latin typeface="+mn-lt"/>
-                <a:cs typeface="+mn-cs"/>
-              </a:rPr>
-              <a:t>The room with the best results is bedroom </a:t>
-            </a:r>
-          </a:p>
-        </p:txBody>
-      </p:sp>
-      <p:sp>
-        <p:nvSpPr>
-          <p:cNvPr id="10" name="Rectangle 9">
-            <a:extLst>
-              <a:ext uri="{FF2B5EF4-FFF2-40B4-BE49-F238E27FC236}">
-                <a16:creationId xmlns:a16="http://schemas.microsoft.com/office/drawing/2014/main" id="{5E39A796-BE83-48B1-B33F-35C4A32AAB57}"/>
-              </a:ext>
-              <a:ext uri="{C183D7F6-B498-43B3-948B-1728B52AA6E4}">
-                <adec:decorative xmlns:adec="http://schemas.microsoft.com/office/drawing/2017/decorative" val="1"/>
-              </a:ext>
-            </a:extLst>
-          </p:cNvPr>
-          <p:cNvSpPr>
-            <a:spLocks noGrp="1" noRot="1" noChangeAspect="1" noMove="1" noResize="1" noEditPoints="1" noAdjustHandles="1" noChangeArrowheads="1" noChangeShapeType="1" noTextEdit="1"/>
-          </p:cNvSpPr>
-          <p:nvPr>
-            <p:extLst>
-              <p:ext uri="{386F3935-93C4-4BCD-93E2-E3B085C9AB24}">
-                <p16:designElem xmlns:p16="http://schemas.microsoft.com/office/powerpoint/2015/main" val="1"/>
-              </p:ext>
-            </p:extLst>
-          </p:nvPr>
-        </p:nvSpPr>
-        <p:spPr>
-          <a:xfrm>
-            <a:off x="4639056" y="0"/>
-            <a:ext cx="7552944" cy="6858000"/>
-          </a:xfrm>
-          <a:prstGeom prst="rect">
-            <a:avLst/>
-          </a:prstGeom>
-          <a:solidFill>
-            <a:srgbClr val="C8CACA"/>
-          </a:solidFill>
-          <a:ln>
-            <a:noFill/>
-          </a:ln>
-        </p:spPr>
-        <p:style>
-          <a:lnRef idx="2">
-            <a:schemeClr val="accent1">
-              <a:shade val="50000"/>
-            </a:schemeClr>
-          </a:lnRef>
-          <a:fillRef idx="1">
-            <a:schemeClr val="accent1"/>
-          </a:fillRef>
-          <a:effectRef idx="0">
-            <a:schemeClr val="accent1"/>
-          </a:effectRef>
-          <a:fontRef idx="minor">
-            <a:schemeClr val="lt1"/>
-          </a:fontRef>
-        </p:style>
-        <p:txBody>
-          <a:bodyPr rtlCol="0" anchor="ctr"/>
-          <a:lstStyle/>
-          <a:p>
-            <a:pPr algn="ctr"/>
-            <a:endParaRPr lang="en-US"/>
-          </a:p>
-        </p:txBody>
-      </p:sp>
-      <p:sp>
-        <p:nvSpPr>
-          <p:cNvPr id="12" name="Rounded Rectangle 9">
-            <a:extLst>
-              <a:ext uri="{FF2B5EF4-FFF2-40B4-BE49-F238E27FC236}">
-                <a16:creationId xmlns:a16="http://schemas.microsoft.com/office/drawing/2014/main" id="{72F84B47-E267-4194-8194-831DB7B5547F}"/>
-              </a:ext>
-              <a:ext uri="{C183D7F6-B498-43B3-948B-1728B52AA6E4}">
-                <adec:decorative xmlns:adec="http://schemas.microsoft.com/office/drawing/2017/decorative" val="1"/>
-              </a:ext>
-            </a:extLst>
-          </p:cNvPr>
-          <p:cNvSpPr>
-            <a:spLocks noGrp="1" noRot="1" noChangeAspect="1" noMove="1" noResize="1" noEditPoints="1" noAdjustHandles="1" noChangeArrowheads="1" noChangeShapeType="1" noTextEdit="1"/>
-          </p:cNvSpPr>
-          <p:nvPr>
-            <p:extLst>
-              <p:ext uri="{386F3935-93C4-4BCD-93E2-E3B085C9AB24}">
-                <p16:designElem xmlns:p16="http://schemas.microsoft.com/office/powerpoint/2015/main" val="1"/>
-              </p:ext>
-            </p:extLst>
-          </p:nvPr>
-        </p:nvSpPr>
-        <p:spPr>
-          <a:xfrm>
-            <a:off x="5123688" y="484632"/>
-            <a:ext cx="6584098" cy="5739187"/>
-          </a:xfrm>
-          <a:prstGeom prst="roundRect">
-            <a:avLst>
-              <a:gd name="adj" fmla="val 0"/>
-            </a:avLst>
-          </a:prstGeom>
-          <a:solidFill>
-            <a:srgbClr val="FFFFFF"/>
-          </a:solidFill>
-          <a:ln w="9525">
-            <a:solidFill>
-              <a:srgbClr val="C8CACA"/>
-            </a:solidFill>
-          </a:ln>
-          <a:effectLst>
-            <a:outerShdw blurRad="57150" dist="19050" dir="5400000" algn="t" rotWithShape="0">
-              <a:prstClr val="black">
-                <a:alpha val="63000"/>
-              </a:prstClr>
-            </a:outerShdw>
-          </a:effectLst>
-        </p:spPr>
-        <p:style>
-          <a:lnRef idx="2">
-            <a:schemeClr val="accent1">
-              <a:shade val="50000"/>
-            </a:schemeClr>
-          </a:lnRef>
-          <a:fillRef idx="1">
-            <a:schemeClr val="accent1"/>
-          </a:fillRef>
-          <a:effectRef idx="0">
-            <a:schemeClr val="accent1"/>
-          </a:effectRef>
-          <a:fontRef idx="minor">
-            <a:schemeClr val="lt1"/>
-          </a:fontRef>
-        </p:style>
-        <p:txBody>
-          <a:bodyPr rtlCol="0" anchor="ctr"/>
-          <a:lstStyle/>
-          <a:p>
-            <a:pPr algn="ctr"/>
-            <a:endParaRPr lang="en-US"/>
-          </a:p>
-        </p:txBody>
-      </p:sp>
-      <p:pic>
-        <p:nvPicPr>
-          <p:cNvPr id="5" name="Picture 4">
-            <a:extLst>
-              <a:ext uri="{FF2B5EF4-FFF2-40B4-BE49-F238E27FC236}">
-                <a16:creationId xmlns:a16="http://schemas.microsoft.com/office/drawing/2014/main" id="{143F3733-E59D-4AA4-958B-9EB85B24E22A}"/>
-              </a:ext>
-            </a:extLst>
-          </p:cNvPr>
-          <p:cNvPicPr/>
-          <p:nvPr/>
-        </p:nvPicPr>
-        <p:blipFill>
-          <a:blip r:embed="rId3"/>
-          <a:stretch>
-            <a:fillRect/>
-          </a:stretch>
-        </p:blipFill>
-        <p:spPr>
-          <a:xfrm>
-            <a:off x="5608319" y="1907152"/>
-            <a:ext cx="5614835" cy="2890477"/>
-          </a:xfrm>
-          <a:prstGeom prst="rect">
-            <a:avLst/>
-          </a:prstGeom>
-          <a:solidFill>
-            <a:srgbClr val="FFFFFF">
-              <a:shade val="85000"/>
-            </a:srgbClr>
-          </a:solidFill>
-          <a:effectLst/>
-          <a:scene3d>
-            <a:camera prst="orthographicFront"/>
-            <a:lightRig rig="twoPt" dir="t">
-              <a:rot lat="0" lon="0" rev="7200000"/>
-            </a:lightRig>
-          </a:scene3d>
-          <a:sp3d>
-            <a:bevelT w="25400" h="19050"/>
-            <a:contourClr>
-              <a:srgbClr val="FFFFFF"/>
-            </a:contourClr>
-          </a:sp3d>
-        </p:spPr>
-      </p:pic>
+            <a:pPr marL="0" indent="0">
+              <a:buNone/>
+            </a:pPr>
+            <a:r>
+              <a:rPr lang="en-US" sz="2000" u="sng" dirty="0"/>
+              <a:t>Scope</a:t>
+            </a:r>
+          </a:p>
+          <a:p>
+            <a:pPr marL="0" indent="0">
+              <a:buNone/>
+            </a:pPr>
+            <a:r>
+              <a:rPr lang="en-US" sz="2000" dirty="0"/>
+              <a:t>	</a:t>
+            </a:r>
+            <a:r>
+              <a:rPr lang="en-CH" sz="2000" dirty="0"/>
+              <a:t>We want to </a:t>
+            </a:r>
+            <a:r>
+              <a:rPr lang="en-US" sz="2000" dirty="0"/>
+              <a:t>estimate</a:t>
+            </a:r>
+            <a:r>
+              <a:rPr lang="en-CH" sz="2000" dirty="0"/>
+              <a:t> the </a:t>
+            </a:r>
+            <a:r>
+              <a:rPr lang="en-CH" sz="2000" b="1" dirty="0"/>
+              <a:t>w</a:t>
+            </a:r>
+            <a:r>
+              <a:rPr lang="en-CH" sz="2000" dirty="0"/>
+              <a:t> and</a:t>
+            </a:r>
+            <a:r>
+              <a:rPr lang="en-CH" sz="2000" b="1" dirty="0"/>
+              <a:t> </a:t>
+            </a:r>
+            <a:r>
+              <a:rPr lang="en-US" sz="2000" b="1" dirty="0"/>
+              <a:t>b</a:t>
+            </a:r>
+            <a:r>
+              <a:rPr lang="en-CH" sz="2000" b="1" dirty="0"/>
+              <a:t> </a:t>
+            </a:r>
+            <a:r>
+              <a:rPr lang="en-US" sz="2000" b="1" dirty="0"/>
+              <a:t>(</a:t>
+            </a:r>
+            <a:r>
+              <a:rPr lang="en-US" sz="2000" dirty="0"/>
+              <a:t>weights and bias respectively)</a:t>
+            </a:r>
+            <a:r>
+              <a:rPr lang="en-CH" sz="2000" dirty="0"/>
+              <a:t> that minimize the cost function. First we initialize </a:t>
+            </a:r>
+            <a:r>
+              <a:rPr lang="en-US" sz="2000" dirty="0"/>
+              <a:t>them 	then recalculate them in order to minimize some loss (or cost) function we have defined.</a:t>
+            </a:r>
+            <a:endParaRPr lang="en-US" sz="2000" u="sng" dirty="0"/>
+          </a:p>
+          <a:p>
+            <a:pPr marL="0" indent="0">
+              <a:buNone/>
+            </a:pPr>
+            <a:r>
+              <a:rPr lang="en-US" sz="2000" u="sng" dirty="0"/>
+              <a:t>Step 1: </a:t>
+            </a:r>
+            <a:r>
+              <a:rPr lang="en-CH" sz="2000" u="sng" dirty="0"/>
+              <a:t>Initialize the parameters of the model</a:t>
+            </a:r>
+            <a:endParaRPr lang="en-US" sz="2000" u="sng" dirty="0"/>
+          </a:p>
+          <a:p>
+            <a:pPr marL="0" indent="0">
+              <a:buNone/>
+            </a:pPr>
+            <a:r>
+              <a:rPr lang="en-US" sz="2000" dirty="0"/>
+              <a:t>	Firstly we </a:t>
+            </a:r>
+            <a:r>
+              <a:rPr lang="en-CH" sz="2000" dirty="0"/>
+              <a:t>initialize the </a:t>
+            </a:r>
+            <a:r>
+              <a:rPr lang="en-US" sz="2000" dirty="0"/>
+              <a:t>weights and bias to some random values (or zeros)</a:t>
+            </a:r>
+            <a:endParaRPr lang="en-US" sz="2000" u="sng" dirty="0"/>
+          </a:p>
+          <a:p>
+            <a:pPr marL="0" indent="0">
+              <a:buNone/>
+            </a:pPr>
+            <a:r>
+              <a:rPr lang="en-US" sz="2000" u="sng" dirty="0"/>
+              <a:t>Step 2: </a:t>
+            </a:r>
+            <a:r>
+              <a:rPr lang="en-CH" sz="2000" u="sng" dirty="0"/>
+              <a:t>Forward propagation </a:t>
+            </a:r>
+            <a:endParaRPr lang="en-CH" sz="2000" dirty="0"/>
+          </a:p>
+          <a:p>
+            <a:pPr marL="0" indent="0">
+              <a:buNone/>
+            </a:pPr>
+            <a:r>
+              <a:rPr lang="en-US" sz="2000" dirty="0"/>
+              <a:t>	Generate predictions using the parameters, that is we apply the weights and bias in our activation function to make our 	estimation </a:t>
+            </a:r>
+            <a:r>
+              <a:rPr lang="en-US" sz="2000" dirty="0" err="1"/>
+              <a:t>Y_hat</a:t>
+            </a:r>
+            <a:endParaRPr lang="en-US" sz="2000" u="sng" dirty="0"/>
+          </a:p>
+          <a:p>
+            <a:pPr marL="0" indent="0">
+              <a:buNone/>
+            </a:pPr>
+            <a:r>
+              <a:rPr lang="en-US" sz="2000" u="sng" dirty="0"/>
+              <a:t>Step 3: Gradient descent</a:t>
+            </a:r>
+          </a:p>
+          <a:p>
+            <a:pPr marL="0" indent="0">
+              <a:buNone/>
+            </a:pPr>
+            <a:r>
+              <a:rPr lang="en-US" sz="2000" dirty="0"/>
+              <a:t>	Calculate the gradients by taking the derivative of the cost function on w and b</a:t>
+            </a:r>
+            <a:endParaRPr lang="en-US" sz="2000" u="sng" dirty="0"/>
+          </a:p>
+          <a:p>
+            <a:pPr marL="0" indent="0">
+              <a:buNone/>
+            </a:pPr>
+            <a:r>
+              <a:rPr lang="en-US" sz="2000" u="sng" dirty="0"/>
+              <a:t>Step 4: Backward propagation</a:t>
+            </a:r>
+          </a:p>
+          <a:p>
+            <a:pPr marL="0" indent="0">
+              <a:buNone/>
+            </a:pPr>
+            <a:r>
+              <a:rPr lang="en-US" sz="2000" dirty="0"/>
+              <a:t>	Apply our gradients in a backward manner to calculate the new weights and bias</a:t>
+            </a:r>
+          </a:p>
+          <a:p>
+            <a:pPr marL="0" indent="0">
+              <a:buNone/>
+            </a:pPr>
+            <a:r>
+              <a:rPr lang="en-CH" sz="2000" u="sng" dirty="0"/>
+              <a:t>Use the learned parameters to make predictions (on the test set)</a:t>
+            </a:r>
+            <a:endParaRPr lang="en-US" sz="2000" u="sng" dirty="0"/>
+          </a:p>
+          <a:p>
+            <a:pPr marL="0" indent="0">
+              <a:buNone/>
+            </a:pPr>
+            <a:r>
+              <a:rPr lang="en-US" sz="2000" dirty="0"/>
+              <a:t>	Apply steps 2 – 4 for as many iterations we want</a:t>
+            </a:r>
+          </a:p>
+          <a:p>
+            <a:pPr marL="0" indent="0">
+              <a:buNone/>
+            </a:pPr>
+            <a:r>
+              <a:rPr lang="en-US" sz="2000" u="sng" dirty="0"/>
+              <a:t>Step 5: Prediction accuracy</a:t>
+            </a:r>
+          </a:p>
+          <a:p>
+            <a:pPr marL="0" indent="0">
+              <a:buNone/>
+            </a:pPr>
+            <a:r>
+              <a:rPr lang="en-US" sz="2000" dirty="0"/>
+              <a:t>	Apply the final weights and bias to our test set and calculate the accuracy metrics</a:t>
+            </a:r>
+          </a:p>
+          <a:p>
+            <a:endParaRPr lang="en-CH" dirty="0"/>
+          </a:p>
+          <a:p>
+            <a:pPr marL="0" indent="0">
+              <a:buNone/>
+            </a:pPr>
+            <a:endParaRPr lang="en-US" b="1" u="sng" dirty="0"/>
+          </a:p>
+          <a:p>
+            <a:pPr marL="0" indent="0">
+              <a:buNone/>
+            </a:pPr>
+            <a:endParaRPr lang="en-US" b="1" u="sng" dirty="0"/>
+          </a:p>
+          <a:p>
+            <a:pPr marL="0" indent="0">
+              <a:buNone/>
+            </a:pPr>
+            <a:endParaRPr lang="en-CH" b="1" dirty="0"/>
+          </a:p>
+          <a:p>
+            <a:pPr marL="0" indent="0">
+              <a:buNone/>
+            </a:pPr>
+            <a:endParaRPr lang="en-CH" u="sng" dirty="0"/>
+          </a:p>
+        </p:txBody>
+      </p:sp>
     </p:spTree>
     <p:extLst>
       <p:ext uri="{BB962C8B-B14F-4D97-AF65-F5344CB8AC3E}">
-        <p14:creationId xmlns:p14="http://schemas.microsoft.com/office/powerpoint/2010/main" val="1944056501"/>
+        <p14:creationId xmlns:p14="http://schemas.microsoft.com/office/powerpoint/2010/main" val="2985016368"/>
       </p:ext>
     </p:extLst>
   </p:cSld>
@@ -6128,10 +6190,139 @@
       </p:grpSpPr>
       <p:sp>
         <p:nvSpPr>
-          <p:cNvPr id="9" name="Rectangle 8">
+          <p:cNvPr id="2" name="Title 1">
             <a:extLst>
               <a:ext uri="{FF2B5EF4-FFF2-40B4-BE49-F238E27FC236}">
-                <a16:creationId xmlns:a16="http://schemas.microsoft.com/office/drawing/2014/main" id="{6753252F-4873-4F63-801D-CC719279A7D5}"/>
+                <a16:creationId xmlns:a16="http://schemas.microsoft.com/office/drawing/2014/main" id="{0C2910F2-FCC5-4A3B-8150-C21B3253C332}"/>
+              </a:ext>
+            </a:extLst>
+          </p:cNvPr>
+          <p:cNvSpPr>
+            <a:spLocks noGrp="1"/>
+          </p:cNvSpPr>
+          <p:nvPr>
+            <p:ph type="title"/>
+          </p:nvPr>
+        </p:nvSpPr>
+        <p:spPr>
+          <a:xfrm>
+            <a:off x="648929" y="629267"/>
+            <a:ext cx="3505495" cy="763116"/>
+          </a:xfrm>
+        </p:spPr>
+        <p:txBody>
+          <a:bodyPr vert="horz" lIns="91440" tIns="45720" rIns="91440" bIns="45720" rtlCol="0" anchor="ctr">
+            <a:normAutofit/>
+          </a:bodyPr>
+          <a:lstStyle/>
+          <a:p>
+            <a:r>
+              <a:rPr lang="en-US" sz="2800" dirty="0">
+                <a:solidFill>
+                  <a:schemeClr val="tx1"/>
+                </a:solidFill>
+                <a:latin typeface="+mj-lt"/>
+                <a:cs typeface="+mj-cs"/>
+              </a:rPr>
+              <a:t>Results</a:t>
+            </a:r>
+            <a:r>
+              <a:rPr lang="en-US" sz="4400" kern="1200" dirty="0">
+                <a:solidFill>
+                  <a:schemeClr val="tx1"/>
+                </a:solidFill>
+                <a:latin typeface="+mj-lt"/>
+                <a:ea typeface="+mj-ea"/>
+                <a:cs typeface="+mj-cs"/>
+              </a:rPr>
+              <a:t> </a:t>
+            </a:r>
+          </a:p>
+        </p:txBody>
+      </p:sp>
+      <p:sp>
+        <p:nvSpPr>
+          <p:cNvPr id="3" name="Content Placeholder 2">
+            <a:extLst>
+              <a:ext uri="{FF2B5EF4-FFF2-40B4-BE49-F238E27FC236}">
+                <a16:creationId xmlns:a16="http://schemas.microsoft.com/office/drawing/2014/main" id="{FD232952-5CFE-4E7D-A138-0F07C62E432D}"/>
+              </a:ext>
+            </a:extLst>
+          </p:cNvPr>
+          <p:cNvSpPr>
+            <a:spLocks noGrp="1"/>
+          </p:cNvSpPr>
+          <p:nvPr>
+            <p:ph idx="1"/>
+          </p:nvPr>
+        </p:nvSpPr>
+        <p:spPr>
+          <a:xfrm>
+            <a:off x="648930" y="1907152"/>
+            <a:ext cx="3505494" cy="3785419"/>
+          </a:xfrm>
+        </p:spPr>
+        <p:txBody>
+          <a:bodyPr vert="horz" lIns="91440" tIns="45720" rIns="91440" bIns="45720" rtlCol="0">
+            <a:normAutofit/>
+          </a:bodyPr>
+          <a:lstStyle/>
+          <a:p>
+            <a:r>
+              <a:rPr lang="en-US" sz="2000" dirty="0">
+                <a:solidFill>
+                  <a:schemeClr val="tx1"/>
+                </a:solidFill>
+                <a:latin typeface="+mn-lt"/>
+                <a:cs typeface="+mn-cs"/>
+              </a:rPr>
+              <a:t>The train accuracy varies from 87 to 94%</a:t>
+            </a:r>
+          </a:p>
+          <a:p>
+            <a:r>
+              <a:rPr lang="en-US" sz="2000" dirty="0">
+                <a:solidFill>
+                  <a:schemeClr val="tx1"/>
+                </a:solidFill>
+                <a:latin typeface="+mn-lt"/>
+                <a:cs typeface="+mn-cs"/>
+              </a:rPr>
+              <a:t>The test accuracy varies from 63 to 90%</a:t>
+            </a:r>
+          </a:p>
+          <a:p>
+            <a:r>
+              <a:rPr lang="en-US" sz="2000" dirty="0">
+                <a:solidFill>
+                  <a:schemeClr val="tx1"/>
+                </a:solidFill>
+                <a:latin typeface="+mn-lt"/>
+                <a:cs typeface="+mn-cs"/>
+              </a:rPr>
+              <a:t>The room with the worst results is kitchen</a:t>
+            </a:r>
+          </a:p>
+          <a:p>
+            <a:r>
+              <a:rPr lang="en-US" sz="2000" dirty="0">
+                <a:solidFill>
+                  <a:schemeClr val="tx1"/>
+                </a:solidFill>
+                <a:latin typeface="+mn-lt"/>
+                <a:cs typeface="+mn-cs"/>
+              </a:rPr>
+              <a:t>The room with the best results is bedroom </a:t>
+            </a:r>
+          </a:p>
+        </p:txBody>
+      </p:sp>
+      <p:sp>
+        <p:nvSpPr>
+          <p:cNvPr id="10" name="Rectangle 9">
+            <a:extLst>
+              <a:ext uri="{FF2B5EF4-FFF2-40B4-BE49-F238E27FC236}">
+                <a16:creationId xmlns:a16="http://schemas.microsoft.com/office/drawing/2014/main" id="{5E39A796-BE83-48B1-B33F-35C4A32AAB57}"/>
               </a:ext>
               <a:ext uri="{C183D7F6-B498-43B3-948B-1728B52AA6E4}">
                 <adec:decorative xmlns:adec="http://schemas.microsoft.com/office/drawing/2017/decorative" val="1"/>
@@ -6151,14 +6342,14 @@
         </p:nvSpPr>
         <p:spPr>
           <a:xfrm>
-            <a:off x="0" y="0"/>
-            <a:ext cx="12192000" cy="6858000"/>
+            <a:off x="4639056" y="0"/>
+            <a:ext cx="7552944" cy="6858000"/>
           </a:xfrm>
           <a:prstGeom prst="rect">
             <a:avLst/>
           </a:prstGeom>
           <a:solidFill>
-            <a:srgbClr val="FFFFFF"/>
+            <a:srgbClr val="C8CACA"/>
           </a:solidFill>
           <a:ln>
             <a:noFill/>
@@ -6191,10 +6382,10 @@
       </p:sp>
       <p:sp>
         <p:nvSpPr>
-          <p:cNvPr id="11" name="Rectangle 10">
+          <p:cNvPr id="12" name="Rounded Rectangle 9">
             <a:extLst>
               <a:ext uri="{FF2B5EF4-FFF2-40B4-BE49-F238E27FC236}">
-                <a16:creationId xmlns:a16="http://schemas.microsoft.com/office/drawing/2014/main" id="{047C8CCB-F95D-4249-92DD-651249D3535A}"/>
+                <a16:creationId xmlns:a16="http://schemas.microsoft.com/office/drawing/2014/main" id="{72F84B47-E267-4194-8194-831DB7B5547F}"/>
               </a:ext>
               <a:ext uri="{C183D7F6-B498-43B3-948B-1728B52AA6E4}">
                 <adec:decorative xmlns:adec="http://schemas.microsoft.com/office/drawing/2017/decorative" val="1"/>
@@ -6214,18 +6405,29 @@
         </p:nvSpPr>
         <p:spPr>
           <a:xfrm>
-            <a:off x="0" y="0"/>
-            <a:ext cx="2013557" cy="6858000"/>
-          </a:xfrm>
-          <a:prstGeom prst="rect">
-            <a:avLst/>
+            <a:off x="5123688" y="484632"/>
+            <a:ext cx="6584098" cy="5739187"/>
+          </a:xfrm>
+          <a:prstGeom prst="roundRect">
+            <a:avLst>
+              <a:gd name="adj" fmla="val 0"/>
+            </a:avLst>
           </a:prstGeom>
           <a:solidFill>
-            <a:srgbClr val="7F7F7F"/>
+            <a:srgbClr val="FFFFFF"/>
           </a:solidFill>
-          <a:ln>
-            <a:noFill/>
+          <a:ln w="9525">
+            <a:solidFill>
+              <a:srgbClr val="C8CACA"/>
+            </a:solidFill>
           </a:ln>
+          <a:effectLst>
+            <a:outerShdw blurRad="57150" dist="19050" dir="5400000" algn="t" rotWithShape="0">
+              <a:prstClr val="black">
+                <a:alpha val="63000"/>
+              </a:prstClr>
+            </a:outerShdw>
+          </a:effectLst>
         </p:spPr>
         <p:style>
           <a:lnRef idx="2">
@@ -6252,113 +6454,56 @@
           </a:p>
         </p:txBody>
       </p:sp>
-      <p:sp>
-        <p:nvSpPr>
-          <p:cNvPr id="2" name="Title 1">
+      <p:pic>
+        <p:nvPicPr>
+          <p:cNvPr id="5" name="Picture 4">
             <a:extLst>
               <a:ext uri="{FF2B5EF4-FFF2-40B4-BE49-F238E27FC236}">
-                <a16:creationId xmlns:a16="http://schemas.microsoft.com/office/drawing/2014/main" id="{B396D212-E045-4AF3-8008-3E16B2C890B6}"/>
+                <a16:creationId xmlns:a16="http://schemas.microsoft.com/office/drawing/2014/main" id="{143F3733-E59D-4AA4-958B-9EB85B24E22A}"/>
               </a:ext>
             </a:extLst>
           </p:cNvPr>
-          <p:cNvSpPr>
-            <a:spLocks noGrp="1"/>
-          </p:cNvSpPr>
-          <p:nvPr>
-            <p:ph type="title"/>
-          </p:nvPr>
-        </p:nvSpPr>
-        <p:spPr>
-          <a:xfrm>
-            <a:off x="640080" y="2074363"/>
-            <a:ext cx="2752354" cy="2709275"/>
-          </a:xfrm>
-          <a:prstGeom prst="ellipse">
-            <a:avLst/>
-          </a:prstGeom>
-          <a:solidFill>
-            <a:srgbClr val="262626"/>
-          </a:solidFill>
-          <a:ln w="174625" cmpd="thinThick">
-            <a:solidFill>
-              <a:srgbClr val="262626"/>
-            </a:solidFill>
-          </a:ln>
-        </p:spPr>
-        <p:txBody>
-          <a:bodyPr vert="horz" lIns="91440" tIns="45720" rIns="91440" bIns="45720" rtlCol="0" anchor="ctr">
-            <a:noAutofit/>
-          </a:bodyPr>
-          <a:lstStyle/>
-          <a:p>
-            <a:pPr algn="ctr"/>
-            <a:r>
-              <a:rPr lang="en-US" sz="2800" dirty="0">
-                <a:solidFill>
-                  <a:schemeClr val="bg1"/>
-                </a:solidFill>
-                <a:latin typeface="+mj-lt"/>
-                <a:cs typeface="+mj-cs"/>
-              </a:rPr>
-              <a:t>Neural Network with hidden layer </a:t>
-            </a:r>
-            <a:br>
-              <a:rPr lang="en-US" sz="2800" b="1" kern="1200" dirty="0">
-                <a:solidFill>
-                  <a:srgbClr val="FFFFFF"/>
-                </a:solidFill>
-                <a:latin typeface="+mj-lt"/>
-                <a:ea typeface="+mj-ea"/>
-                <a:cs typeface="+mj-cs"/>
-              </a:rPr>
-            </a:br>
-            <a:endParaRPr lang="en-US" sz="2800" kern="1200" dirty="0">
-              <a:solidFill>
-                <a:srgbClr val="FFFFFF"/>
-              </a:solidFill>
-              <a:latin typeface="+mj-lt"/>
-              <a:ea typeface="+mj-ea"/>
-              <a:cs typeface="+mj-cs"/>
-            </a:endParaRPr>
-          </a:p>
-        </p:txBody>
-      </p:sp>
-      <p:pic>
-        <p:nvPicPr>
-          <p:cNvPr id="4" name="Content Placeholder 3">
-            <a:extLst>
-              <a:ext uri="{FF2B5EF4-FFF2-40B4-BE49-F238E27FC236}">
-                <a16:creationId xmlns:a16="http://schemas.microsoft.com/office/drawing/2014/main" id="{0B13BC39-8951-40F8-9353-6209379909D7}"/>
-              </a:ext>
-            </a:extLst>
-          </p:cNvPr>
-          <p:cNvPicPr>
-            <a:picLocks noGrp="1"/>
-          </p:cNvPicPr>
-          <p:nvPr>
-            <p:ph idx="1"/>
-          </p:nvPr>
+          <p:cNvPicPr/>
+          <p:nvPr/>
         </p:nvPicPr>
         <p:blipFill>
-          <a:blip r:embed="rId2"/>
+          <a:blip r:embed="rId3"/>
           <a:stretch>
             <a:fillRect/>
           </a:stretch>
         </p:blipFill>
         <p:spPr>
           <a:xfrm>
-            <a:off x="4312170" y="961812"/>
-            <a:ext cx="6641059" cy="4930987"/>
+            <a:off x="5608319" y="1907152"/>
+            <a:ext cx="5614835" cy="2890477"/>
           </a:xfrm>
           <a:prstGeom prst="rect">
             <a:avLst/>
           </a:prstGeom>
+          <a:solidFill>
+            <a:srgbClr val="FFFFFF">
+              <a:shade val="85000"/>
+            </a:srgbClr>
+          </a:solidFill>
+          <a:effectLst/>
+          <a:scene3d>
+            <a:camera prst="orthographicFront"/>
+            <a:lightRig rig="twoPt" dir="t">
+              <a:rot lat="0" lon="0" rev="7200000"/>
+            </a:lightRig>
+          </a:scene3d>
+          <a:sp3d>
+            <a:bevelT w="25400" h="19050"/>
+            <a:contourClr>
+              <a:srgbClr val="FFFFFF"/>
+            </a:contourClr>
+          </a:sp3d>
         </p:spPr>
       </p:pic>
     </p:spTree>
     <p:extLst>
       <p:ext uri="{BB962C8B-B14F-4D97-AF65-F5344CB8AC3E}">
-        <p14:creationId xmlns:p14="http://schemas.microsoft.com/office/powerpoint/2010/main" val="4046599499"/>
+        <p14:creationId xmlns:p14="http://schemas.microsoft.com/office/powerpoint/2010/main" val="1944056501"/>
       </p:ext>
     </p:extLst>
   </p:cSld>
@@ -6369,223 +6514,6 @@
 </file>
 
 <file path=ppt/slides/slide12.xml><?xml version="1.0" encoding="utf-8"?>
-<p:sld xmlns:a="http://schemas.openxmlformats.org/drawingml/2006/main" xmlns:r="http://schemas.openxmlformats.org/officeDocument/2006/relationships" xmlns:p="http://schemas.openxmlformats.org/presentationml/2006/main">
-  <p:cSld>
-    <p:spTree>
-      <p:nvGrpSpPr>
-        <p:cNvPr id="1" name=""/>
-        <p:cNvGrpSpPr/>
-        <p:nvPr/>
-      </p:nvGrpSpPr>
-      <p:grpSpPr>
-        <a:xfrm>
-          <a:off x="0" y="0"/>
-          <a:ext cx="0" cy="0"/>
-          <a:chOff x="0" y="0"/>
-          <a:chExt cx="0" cy="0"/>
-        </a:xfrm>
-      </p:grpSpPr>
-      <p:sp>
-        <p:nvSpPr>
-          <p:cNvPr id="2" name="Title 1">
-            <a:extLst>
-              <a:ext uri="{FF2B5EF4-FFF2-40B4-BE49-F238E27FC236}">
-                <a16:creationId xmlns:a16="http://schemas.microsoft.com/office/drawing/2014/main" id="{849A8D3B-D8D9-4E45-A313-14C095A026BC}"/>
-              </a:ext>
-            </a:extLst>
-          </p:cNvPr>
-          <p:cNvSpPr>
-            <a:spLocks noGrp="1"/>
-          </p:cNvSpPr>
-          <p:nvPr>
-            <p:ph type="title"/>
-          </p:nvPr>
-        </p:nvSpPr>
-        <p:spPr/>
-        <p:txBody>
-          <a:bodyPr/>
-          <a:lstStyle/>
-          <a:p>
-            <a:r>
-              <a:rPr lang="en-US" sz="2800" dirty="0">
-                <a:solidFill>
-                  <a:schemeClr val="tx1"/>
-                </a:solidFill>
-                <a:latin typeface="+mj-lt"/>
-                <a:cs typeface="+mj-cs"/>
-              </a:rPr>
-              <a:t>Analysis</a:t>
-            </a:r>
-            <a:r>
-              <a:rPr lang="en-US" dirty="0"/>
-              <a:t> </a:t>
-            </a:r>
-            <a:endParaRPr lang="en-CH" dirty="0"/>
-          </a:p>
-        </p:txBody>
-      </p:sp>
-      <p:sp>
-        <p:nvSpPr>
-          <p:cNvPr id="3" name="Content Placeholder 2">
-            <a:extLst>
-              <a:ext uri="{FF2B5EF4-FFF2-40B4-BE49-F238E27FC236}">
-                <a16:creationId xmlns:a16="http://schemas.microsoft.com/office/drawing/2014/main" id="{E4C2A37B-433E-4D34-A8A2-429222D33AC7}"/>
-              </a:ext>
-            </a:extLst>
-          </p:cNvPr>
-          <p:cNvSpPr>
-            <a:spLocks noGrp="1"/>
-          </p:cNvSpPr>
-          <p:nvPr>
-            <p:ph idx="1"/>
-          </p:nvPr>
-        </p:nvSpPr>
-        <p:spPr/>
-        <p:txBody>
-          <a:bodyPr/>
-          <a:lstStyle/>
-          <a:p>
-            <a:pPr marL="0" indent="0">
-              <a:buNone/>
-            </a:pPr>
-            <a:r>
-              <a:rPr lang="en-US" dirty="0"/>
-              <a:t>A</a:t>
-            </a:r>
-            <a:r>
-              <a:rPr lang="en-CH" dirty="0"/>
-              <a:t> neural network is a collection of neurons connected by synapses.</a:t>
-            </a:r>
-            <a:endParaRPr lang="en-US" dirty="0"/>
-          </a:p>
-          <a:p>
-            <a:pPr marL="0" indent="0">
-              <a:buNone/>
-            </a:pPr>
-            <a:r>
-              <a:rPr lang="en-CH" dirty="0"/>
-              <a:t>This collection is organized into three main layers: the input layer, the hidden layer, and the output layer. </a:t>
-            </a:r>
-            <a:endParaRPr lang="en-US" dirty="0"/>
-          </a:p>
-          <a:p>
-            <a:pPr marL="0" indent="0">
-              <a:buNone/>
-            </a:pPr>
-            <a:r>
-              <a:rPr lang="en-US" dirty="0"/>
-              <a:t>We</a:t>
-            </a:r>
-            <a:r>
-              <a:rPr lang="en-CH" dirty="0"/>
-              <a:t> can have many hidden layers</a:t>
-            </a:r>
-            <a:r>
-              <a:rPr lang="en-US" dirty="0"/>
-              <a:t>, in our analysis we will add one hidden layer with </a:t>
-            </a:r>
-            <a:r>
-              <a:rPr lang="en-CH" dirty="0"/>
-              <a:t>5 neurons.</a:t>
-            </a:r>
-            <a:endParaRPr lang="en-US" dirty="0"/>
-          </a:p>
-          <a:p>
-            <a:pPr marL="0" indent="0">
-              <a:buNone/>
-            </a:pPr>
-            <a:endParaRPr lang="en-US" dirty="0"/>
-          </a:p>
-          <a:p>
-            <a:pPr marL="0" indent="0">
-              <a:buNone/>
-            </a:pPr>
-            <a:r>
-              <a:rPr lang="en-US" altLang="en-CH" dirty="0"/>
-              <a:t>In  logistic regression we had:</a:t>
-            </a:r>
-          </a:p>
-          <a:p>
-            <a:pPr marL="0" lvl="0" indent="0" fontAlgn="base">
-              <a:spcAft>
-                <a:spcPct val="0"/>
-              </a:spcAft>
-              <a:buNone/>
-            </a:pPr>
-            <a:r>
-              <a:rPr lang="en-US" altLang="en-CH" dirty="0"/>
-              <a:t>X1  \  X2   ==&gt;  z = XW + B ==&gt; a = Sigmoid(z) ==&gt; l(</a:t>
-            </a:r>
-            <a:r>
-              <a:rPr lang="en-US" altLang="en-CH" dirty="0" err="1"/>
-              <a:t>a,Y</a:t>
-            </a:r>
-            <a:r>
-              <a:rPr lang="en-US" altLang="en-CH" dirty="0"/>
-              <a:t>)X3  / </a:t>
-            </a:r>
-          </a:p>
-          <a:p>
-            <a:pPr marL="0" lvl="0" indent="0" fontAlgn="base">
-              <a:spcAft>
-                <a:spcPct val="0"/>
-              </a:spcAft>
-              <a:buNone/>
-            </a:pPr>
-            <a:r>
-              <a:rPr lang="en-US" altLang="en-CH" dirty="0"/>
-              <a:t>In neural networks with one layer we will have:</a:t>
-            </a:r>
-          </a:p>
-          <a:p>
-            <a:pPr marL="0" lvl="0" indent="0" fontAlgn="base">
-              <a:spcAft>
-                <a:spcPct val="0"/>
-              </a:spcAft>
-              <a:buNone/>
-            </a:pPr>
-            <a:r>
-              <a:rPr lang="en-US" altLang="en-CH" dirty="0"/>
-              <a:t>X1  \  X2   =&gt;  z1 = XW1 + B1 =&gt; a1 = Sigmoid(a1) =&gt; z2 = a1W2 + B2 =&gt; a2 = Sigmoid(z2) =&gt; l(a2,Y)X3  / </a:t>
-            </a:r>
-          </a:p>
-          <a:p>
-            <a:endParaRPr lang="en-US" dirty="0"/>
-          </a:p>
-          <a:p>
-            <a:pPr marL="0" indent="0">
-              <a:buNone/>
-            </a:pPr>
-            <a:r>
-              <a:rPr lang="en-US" dirty="0"/>
-              <a:t>The activation function for the hidden layer is tanh and the activation function for the output will again be a sigmoid.</a:t>
-            </a:r>
-          </a:p>
-          <a:p>
-            <a:endParaRPr lang="en-US" dirty="0"/>
-          </a:p>
-          <a:p>
-            <a:pPr marL="0" indent="0">
-              <a:buNone/>
-            </a:pPr>
-            <a:endParaRPr lang="en-CH" dirty="0"/>
-          </a:p>
-        </p:txBody>
-      </p:sp>
-    </p:spTree>
-    <p:extLst>
-      <p:ext uri="{BB962C8B-B14F-4D97-AF65-F5344CB8AC3E}">
-        <p14:creationId xmlns:p14="http://schemas.microsoft.com/office/powerpoint/2010/main" val="3207198573"/>
-      </p:ext>
-    </p:extLst>
-  </p:cSld>
-  <p:clrMapOvr>
-    <a:masterClrMapping/>
-  </p:clrMapOvr>
-</p:sld>
-</file>
-
-<file path=ppt/slides/slide13.xml><?xml version="1.0" encoding="utf-8"?>
 <p:sld xmlns:a="http://schemas.openxmlformats.org/drawingml/2006/main" xmlns:r="http://schemas.openxmlformats.org/officeDocument/2006/relationships" xmlns:p="http://schemas.openxmlformats.org/presentationml/2006/main">
   <p:cSld>
     <p:bg>
@@ -6612,10 +6540,10 @@
       </p:grpSpPr>
       <p:sp>
         <p:nvSpPr>
-          <p:cNvPr id="12" name="Rectangle 11">
+          <p:cNvPr id="9" name="Rectangle 8">
             <a:extLst>
               <a:ext uri="{FF2B5EF4-FFF2-40B4-BE49-F238E27FC236}">
-                <a16:creationId xmlns:a16="http://schemas.microsoft.com/office/drawing/2014/main" id="{867D4867-5BA7-4462-B2F6-A23F4A622AA7}"/>
+                <a16:creationId xmlns:a16="http://schemas.microsoft.com/office/drawing/2014/main" id="{6753252F-4873-4F63-801D-CC719279A7D5}"/>
               </a:ext>
               <a:ext uri="{C183D7F6-B498-43B3-948B-1728B52AA6E4}">
                 <adec:decorative xmlns:adec="http://schemas.microsoft.com/office/drawing/2017/decorative" val="1"/>
@@ -6636,30 +6564,29 @@
         <p:spPr>
           <a:xfrm>
             <a:off x="0" y="0"/>
-            <a:ext cx="4654296" cy="6858000"/>
+            <a:ext cx="12192000" cy="6858000"/>
           </a:xfrm>
           <a:prstGeom prst="rect">
             <a:avLst/>
           </a:prstGeom>
           <a:solidFill>
-            <a:schemeClr val="tx1">
-              <a:lumMod val="75000"/>
-              <a:lumOff val="25000"/>
-            </a:schemeClr>
+            <a:srgbClr val="FFFFFF"/>
           </a:solidFill>
           <a:ln>
             <a:noFill/>
           </a:ln>
         </p:spPr>
         <p:style>
-          <a:lnRef idx="0">
-            <a:scrgbClr r="0" g="0" b="0"/>
+          <a:lnRef idx="2">
+            <a:schemeClr val="accent1">
+              <a:shade val="50000"/>
+            </a:schemeClr>
           </a:lnRef>
-          <a:fillRef idx="0">
-            <a:scrgbClr r="0" g="0" b="0"/>
+          <a:fillRef idx="1">
+            <a:schemeClr val="accent1"/>
           </a:fillRef>
           <a:effectRef idx="0">
-            <a:scrgbClr r="0" g="0" b="0"/>
+            <a:schemeClr val="accent1"/>
           </a:effectRef>
           <a:fontRef idx="minor">
             <a:schemeClr val="lt1"/>
@@ -6676,10 +6603,73 @@
       </p:sp>
       <p:sp>
         <p:nvSpPr>
+          <p:cNvPr id="11" name="Rectangle 10">
+            <a:extLst>
+              <a:ext uri="{FF2B5EF4-FFF2-40B4-BE49-F238E27FC236}">
+                <a16:creationId xmlns:a16="http://schemas.microsoft.com/office/drawing/2014/main" id="{047C8CCB-F95D-4249-92DD-651249D3535A}"/>
+              </a:ext>
+              <a:ext uri="{C183D7F6-B498-43B3-948B-1728B52AA6E4}">
+                <adec:decorative xmlns:adec="http://schemas.microsoft.com/office/drawing/2017/decorative" val="1"/>
+              </a:ext>
+            </a:extLst>
+          </p:cNvPr>
+          <p:cNvSpPr>
+            <a:spLocks noGrp="1" noRot="1" noChangeAspect="1" noMove="1" noResize="1" noEditPoints="1" noAdjustHandles="1" noChangeArrowheads="1" noChangeShapeType="1" noTextEdit="1"/>
+          </p:cNvSpPr>
+          <p:nvPr>
+            <p:extLst>
+              <p:ext uri="{386F3935-93C4-4BCD-93E2-E3B085C9AB24}">
+                <p16:designElem xmlns:p16="http://schemas.microsoft.com/office/powerpoint/2015/main" val="1"/>
+              </p:ext>
+            </p:extLst>
+          </p:nvPr>
+        </p:nvSpPr>
+        <p:spPr>
+          <a:xfrm>
+            <a:off x="0" y="0"/>
+            <a:ext cx="2013557" cy="6858000"/>
+          </a:xfrm>
+          <a:prstGeom prst="rect">
+            <a:avLst/>
+          </a:prstGeom>
+          <a:solidFill>
+            <a:srgbClr val="7F7F7F"/>
+          </a:solidFill>
+          <a:ln>
+            <a:noFill/>
+          </a:ln>
+        </p:spPr>
+        <p:style>
+          <a:lnRef idx="2">
+            <a:schemeClr val="accent1">
+              <a:shade val="50000"/>
+            </a:schemeClr>
+          </a:lnRef>
+          <a:fillRef idx="1">
+            <a:schemeClr val="accent1"/>
+          </a:fillRef>
+          <a:effectRef idx="0">
+            <a:schemeClr val="accent1"/>
+          </a:effectRef>
+          <a:fontRef idx="minor">
+            <a:schemeClr val="lt1"/>
+          </a:fontRef>
+        </p:style>
+        <p:txBody>
+          <a:bodyPr rtlCol="0" anchor="ctr"/>
+          <a:lstStyle/>
+          <a:p>
+            <a:pPr algn="ctr"/>
+            <a:endParaRPr lang="en-US"/>
+          </a:p>
+        </p:txBody>
+      </p:sp>
+      <p:sp>
+        <p:nvSpPr>
           <p:cNvPr id="2" name="Title 1">
             <a:extLst>
               <a:ext uri="{FF2B5EF4-FFF2-40B4-BE49-F238E27FC236}">
-                <a16:creationId xmlns:a16="http://schemas.microsoft.com/office/drawing/2014/main" id="{F6C6869D-145A-4BAD-9E11-C921F5FB436B}"/>
+                <a16:creationId xmlns:a16="http://schemas.microsoft.com/office/drawing/2014/main" id="{B396D212-E045-4AF3-8008-3E16B2C890B6}"/>
               </a:ext>
             </a:extLst>
           </p:cNvPr>
@@ -6692,167 +6682,74 @@
         </p:nvSpPr>
         <p:spPr>
           <a:xfrm>
-            <a:off x="643467" y="643467"/>
-            <a:ext cx="3363974" cy="1597315"/>
-          </a:xfrm>
-          <a:noFill/>
-          <a:ln w="19050">
+            <a:off x="640080" y="2074363"/>
+            <a:ext cx="2752354" cy="2709275"/>
+          </a:xfrm>
+          <a:prstGeom prst="ellipse">
+            <a:avLst/>
+          </a:prstGeom>
+          <a:solidFill>
+            <a:srgbClr val="262626"/>
+          </a:solidFill>
+          <a:ln w="174625" cmpd="thinThick">
             <a:solidFill>
-              <a:schemeClr val="bg1"/>
+              <a:srgbClr val="262626"/>
             </a:solidFill>
           </a:ln>
         </p:spPr>
         <p:txBody>
-          <a:bodyPr vert="horz" wrap="square" lIns="91440" tIns="45720" rIns="91440" bIns="45720" rtlCol="0" anchor="ctr">
-            <a:normAutofit/>
+          <a:bodyPr vert="horz" lIns="91440" tIns="45720" rIns="91440" bIns="45720" rtlCol="0" anchor="ctr">
+            <a:noAutofit/>
           </a:bodyPr>
           <a:lstStyle/>
           <a:p>
             <a:pPr algn="ctr"/>
             <a:r>
-              <a:rPr lang="en-US" sz="2800" kern="1200" dirty="0">
+              <a:rPr lang="en-US" sz="2800" dirty="0">
                 <a:solidFill>
                   <a:schemeClr val="bg1"/>
+                </a:solidFill>
+                <a:latin typeface="+mj-lt"/>
+                <a:cs typeface="+mj-cs"/>
+              </a:rPr>
+              <a:t>Neural Network with hidden layer </a:t>
+            </a:r>
+            <a:br>
+              <a:rPr lang="en-US" sz="2800" b="1" kern="1200" dirty="0">
+                <a:solidFill>
+                  <a:srgbClr val="FFFFFF"/>
                 </a:solidFill>
                 <a:latin typeface="+mj-lt"/>
                 <a:ea typeface="+mj-ea"/>
                 <a:cs typeface="+mj-cs"/>
               </a:rPr>
-              <a:t>Results </a:t>
-            </a:r>
-          </a:p>
-        </p:txBody>
-      </p:sp>
-      <p:sp>
-        <p:nvSpPr>
-          <p:cNvPr id="6" name="Content Placeholder 5">
+            </a:br>
+            <a:endParaRPr lang="en-US" sz="2800" kern="1200" dirty="0">
+              <a:solidFill>
+                <a:srgbClr val="FFFFFF"/>
+              </a:solidFill>
+              <a:latin typeface="+mj-lt"/>
+              <a:ea typeface="+mj-ea"/>
+              <a:cs typeface="+mj-cs"/>
+            </a:endParaRPr>
+          </a:p>
+        </p:txBody>
+      </p:sp>
+      <p:pic>
+        <p:nvPicPr>
+          <p:cNvPr id="4" name="Content Placeholder 3">
             <a:extLst>
               <a:ext uri="{FF2B5EF4-FFF2-40B4-BE49-F238E27FC236}">
-                <a16:creationId xmlns:a16="http://schemas.microsoft.com/office/drawing/2014/main" id="{17D7C5A5-0392-4193-9CA9-B9F67E5D1225}"/>
+                <a16:creationId xmlns:a16="http://schemas.microsoft.com/office/drawing/2014/main" id="{0B13BC39-8951-40F8-9353-6209379909D7}"/>
               </a:ext>
             </a:extLst>
           </p:cNvPr>
-          <p:cNvSpPr>
-            <a:spLocks noGrp="1"/>
-          </p:cNvSpPr>
+          <p:cNvPicPr>
+            <a:picLocks noGrp="1"/>
+          </p:cNvPicPr>
           <p:nvPr>
             <p:ph idx="1"/>
           </p:nvPr>
-        </p:nvSpPr>
-        <p:spPr>
-          <a:xfrm>
-            <a:off x="643468" y="2638044"/>
-            <a:ext cx="3363974" cy="3415622"/>
-          </a:xfrm>
-        </p:spPr>
-        <p:txBody>
-          <a:bodyPr vert="horz" lIns="91440" tIns="45720" rIns="91440" bIns="45720" rtlCol="0">
-            <a:normAutofit/>
-          </a:bodyPr>
-          <a:lstStyle/>
-          <a:p>
-            <a:endParaRPr lang="en-US" dirty="0">
-              <a:solidFill>
-                <a:schemeClr val="bg1"/>
-              </a:solidFill>
-              <a:latin typeface="+mn-lt"/>
-              <a:cs typeface="+mn-cs"/>
-            </a:endParaRPr>
-          </a:p>
-          <a:p>
-            <a:pPr marL="0" indent="0">
-              <a:buNone/>
-            </a:pPr>
-            <a:r>
-              <a:rPr lang="en-US" dirty="0">
-                <a:solidFill>
-                  <a:schemeClr val="bg1"/>
-                </a:solidFill>
-                <a:latin typeface="+mn-lt"/>
-                <a:cs typeface="+mn-cs"/>
-              </a:rPr>
-              <a:t>The results are almost identical with the ones from logistic regression with n hidden layer.</a:t>
-            </a:r>
-          </a:p>
-          <a:p>
-            <a:endParaRPr lang="en-US" dirty="0">
-              <a:solidFill>
-                <a:schemeClr val="bg1"/>
-              </a:solidFill>
-              <a:latin typeface="+mn-lt"/>
-              <a:cs typeface="+mn-cs"/>
-            </a:endParaRPr>
-          </a:p>
-          <a:p>
-            <a:r>
-              <a:rPr lang="en-US" dirty="0">
-                <a:solidFill>
-                  <a:schemeClr val="bg1"/>
-                </a:solidFill>
-                <a:latin typeface="+mn-lt"/>
-                <a:cs typeface="+mn-cs"/>
-              </a:rPr>
-              <a:t>The train accuracy varies from 87 to 94%</a:t>
-            </a:r>
-          </a:p>
-          <a:p>
-            <a:r>
-              <a:rPr lang="en-US" dirty="0">
-                <a:solidFill>
-                  <a:schemeClr val="bg1"/>
-                </a:solidFill>
-                <a:latin typeface="+mn-lt"/>
-                <a:cs typeface="+mn-cs"/>
-              </a:rPr>
-              <a:t>The test accuracy varies from 63 to 90%</a:t>
-            </a:r>
-          </a:p>
-          <a:p>
-            <a:r>
-              <a:rPr lang="en-US" dirty="0">
-                <a:solidFill>
-                  <a:schemeClr val="bg1"/>
-                </a:solidFill>
-                <a:latin typeface="+mn-lt"/>
-                <a:cs typeface="+mn-cs"/>
-              </a:rPr>
-              <a:t>The room with the worst results is kitchen</a:t>
-            </a:r>
-          </a:p>
-          <a:p>
-            <a:r>
-              <a:rPr lang="en-US" dirty="0">
-                <a:solidFill>
-                  <a:schemeClr val="bg1"/>
-                </a:solidFill>
-                <a:latin typeface="+mn-lt"/>
-                <a:cs typeface="+mn-cs"/>
-              </a:rPr>
-              <a:t>The room with the best results is bedroom </a:t>
-            </a:r>
-          </a:p>
-          <a:p>
-            <a:endParaRPr lang="en-US" dirty="0">
-              <a:solidFill>
-                <a:schemeClr val="bg1"/>
-              </a:solidFill>
-              <a:latin typeface="+mn-lt"/>
-              <a:cs typeface="+mn-cs"/>
-            </a:endParaRPr>
-          </a:p>
-        </p:txBody>
-      </p:sp>
-      <p:pic>
-        <p:nvPicPr>
-          <p:cNvPr id="7" name="Picture 6">
-            <a:extLst>
-              <a:ext uri="{FF2B5EF4-FFF2-40B4-BE49-F238E27FC236}">
-                <a16:creationId xmlns:a16="http://schemas.microsoft.com/office/drawing/2014/main" id="{5A6516F1-45C0-4F65-9CC4-A9C16582E8E3}"/>
-              </a:ext>
-            </a:extLst>
-          </p:cNvPr>
-          <p:cNvPicPr/>
-          <p:nvPr/>
         </p:nvPicPr>
         <p:blipFill>
           <a:blip r:embed="rId2"/>
@@ -6862,35 +6759,235 @@
         </p:blipFill>
         <p:spPr>
           <a:xfrm>
-            <a:off x="5297763" y="1739641"/>
-            <a:ext cx="6250769" cy="3217851"/>
+            <a:off x="4312170" y="961812"/>
+            <a:ext cx="6641059" cy="4930987"/>
           </a:xfrm>
           <a:prstGeom prst="rect">
             <a:avLst/>
           </a:prstGeom>
-          <a:solidFill>
-            <a:srgbClr val="FFFFFF">
-              <a:shade val="85000"/>
-            </a:srgbClr>
-          </a:solidFill>
-          <a:scene3d>
-            <a:camera prst="orthographicFront"/>
-            <a:lightRig rig="twoPt" dir="t">
-              <a:rot lat="0" lon="0" rev="7200000"/>
-            </a:lightRig>
-          </a:scene3d>
-          <a:sp3d>
-            <a:bevelT w="25400" h="19050"/>
-            <a:contourClr>
-              <a:srgbClr val="FFFFFF"/>
-            </a:contourClr>
-          </a:sp3d>
         </p:spPr>
       </p:pic>
     </p:spTree>
     <p:extLst>
       <p:ext uri="{BB962C8B-B14F-4D97-AF65-F5344CB8AC3E}">
-        <p14:creationId xmlns:p14="http://schemas.microsoft.com/office/powerpoint/2010/main" val="2571664530"/>
+        <p14:creationId xmlns:p14="http://schemas.microsoft.com/office/powerpoint/2010/main" val="4046599499"/>
+      </p:ext>
+    </p:extLst>
+  </p:cSld>
+  <p:clrMapOvr>
+    <a:masterClrMapping/>
+  </p:clrMapOvr>
+</p:sld>
+</file>
+
+<file path=ppt/slides/slide13.xml><?xml version="1.0" encoding="utf-8"?>
+<p:sld xmlns:a="http://schemas.openxmlformats.org/drawingml/2006/main" xmlns:r="http://schemas.openxmlformats.org/officeDocument/2006/relationships" xmlns:p="http://schemas.openxmlformats.org/presentationml/2006/main">
+  <p:cSld>
+    <p:spTree>
+      <p:nvGrpSpPr>
+        <p:cNvPr id="1" name=""/>
+        <p:cNvGrpSpPr/>
+        <p:nvPr/>
+      </p:nvGrpSpPr>
+      <p:grpSpPr>
+        <a:xfrm>
+          <a:off x="0" y="0"/>
+          <a:ext cx="0" cy="0"/>
+          <a:chOff x="0" y="0"/>
+          <a:chExt cx="0" cy="0"/>
+        </a:xfrm>
+      </p:grpSpPr>
+      <p:sp>
+        <p:nvSpPr>
+          <p:cNvPr id="2" name="Title 1">
+            <a:extLst>
+              <a:ext uri="{FF2B5EF4-FFF2-40B4-BE49-F238E27FC236}">
+                <a16:creationId xmlns:a16="http://schemas.microsoft.com/office/drawing/2014/main" id="{849A8D3B-D8D9-4E45-A313-14C095A026BC}"/>
+              </a:ext>
+            </a:extLst>
+          </p:cNvPr>
+          <p:cNvSpPr>
+            <a:spLocks noGrp="1"/>
+          </p:cNvSpPr>
+          <p:nvPr>
+            <p:ph type="title"/>
+          </p:nvPr>
+        </p:nvSpPr>
+        <p:spPr/>
+        <p:txBody>
+          <a:bodyPr/>
+          <a:lstStyle/>
+          <a:p>
+            <a:r>
+              <a:rPr lang="en-US" sz="2800" dirty="0">
+                <a:solidFill>
+                  <a:schemeClr val="tx1"/>
+                </a:solidFill>
+                <a:latin typeface="+mj-lt"/>
+                <a:cs typeface="+mj-cs"/>
+              </a:rPr>
+              <a:t>Analysis</a:t>
+            </a:r>
+            <a:r>
+              <a:rPr lang="en-US" dirty="0"/>
+              <a:t> </a:t>
+            </a:r>
+            <a:endParaRPr lang="en-CH" dirty="0"/>
+          </a:p>
+        </p:txBody>
+      </p:sp>
+      <p:sp>
+        <p:nvSpPr>
+          <p:cNvPr id="3" name="Content Placeholder 2">
+            <a:extLst>
+              <a:ext uri="{FF2B5EF4-FFF2-40B4-BE49-F238E27FC236}">
+                <a16:creationId xmlns:a16="http://schemas.microsoft.com/office/drawing/2014/main" id="{E4C2A37B-433E-4D34-A8A2-429222D33AC7}"/>
+              </a:ext>
+            </a:extLst>
+          </p:cNvPr>
+          <p:cNvSpPr>
+            <a:spLocks noGrp="1"/>
+          </p:cNvSpPr>
+          <p:nvPr>
+            <p:ph idx="1"/>
+          </p:nvPr>
+        </p:nvSpPr>
+        <p:spPr/>
+        <p:txBody>
+          <a:bodyPr/>
+          <a:lstStyle/>
+          <a:p>
+            <a:pPr marL="0" indent="0">
+              <a:buNone/>
+            </a:pPr>
+            <a:r>
+              <a:rPr lang="en-US" dirty="0"/>
+              <a:t>A</a:t>
+            </a:r>
+            <a:r>
+              <a:rPr lang="en-CH" dirty="0"/>
+              <a:t> neural network is a collection of neurons connected by synapses.</a:t>
+            </a:r>
+            <a:endParaRPr lang="en-US" dirty="0"/>
+          </a:p>
+          <a:p>
+            <a:pPr marL="0" indent="0">
+              <a:buNone/>
+            </a:pPr>
+            <a:r>
+              <a:rPr lang="en-CH" dirty="0"/>
+              <a:t>This collection is organized into three main layers: the input layer, the hidden layer, and the output layer. </a:t>
+            </a:r>
+            <a:endParaRPr lang="en-US" dirty="0"/>
+          </a:p>
+          <a:p>
+            <a:pPr marL="0" indent="0">
+              <a:buNone/>
+            </a:pPr>
+            <a:r>
+              <a:rPr lang="en-US" dirty="0"/>
+              <a:t>We</a:t>
+            </a:r>
+            <a:r>
+              <a:rPr lang="en-CH" dirty="0"/>
+              <a:t> can have many hidden layers</a:t>
+            </a:r>
+            <a:r>
+              <a:rPr lang="en-US" dirty="0"/>
+              <a:t>, in our analysis we will add one hidden layer with </a:t>
+            </a:r>
+            <a:r>
+              <a:rPr lang="en-CH" dirty="0"/>
+              <a:t>5 neurons.</a:t>
+            </a:r>
+            <a:endParaRPr lang="en-US" dirty="0"/>
+          </a:p>
+          <a:p>
+            <a:pPr marL="0" indent="0">
+              <a:buNone/>
+            </a:pPr>
+            <a:endParaRPr lang="en-US" dirty="0"/>
+          </a:p>
+          <a:p>
+            <a:pPr marL="0" indent="0">
+              <a:buNone/>
+            </a:pPr>
+            <a:r>
+              <a:rPr lang="en-US" altLang="en-CH" dirty="0"/>
+              <a:t>In  logistic regression we had:</a:t>
+            </a:r>
+          </a:p>
+          <a:p>
+            <a:pPr marL="0" lvl="0" indent="0" fontAlgn="base">
+              <a:spcAft>
+                <a:spcPct val="0"/>
+              </a:spcAft>
+              <a:buNone/>
+            </a:pPr>
+            <a:r>
+              <a:rPr lang="en-US" altLang="en-CH" dirty="0"/>
+              <a:t>X1  \  X2   ==&gt;  z = XW + B ==&gt; a = Sigmoid(z) ==&gt; l(</a:t>
+            </a:r>
+            <a:r>
+              <a:rPr lang="en-US" altLang="en-CH" dirty="0" err="1"/>
+              <a:t>a,Y</a:t>
+            </a:r>
+            <a:r>
+              <a:rPr lang="en-US" altLang="en-CH" dirty="0"/>
+              <a:t>)X3  / </a:t>
+            </a:r>
+          </a:p>
+          <a:p>
+            <a:pPr marL="0" lvl="0" indent="0" fontAlgn="base">
+              <a:spcAft>
+                <a:spcPct val="0"/>
+              </a:spcAft>
+              <a:buNone/>
+            </a:pPr>
+            <a:r>
+              <a:rPr lang="en-US" altLang="en-CH" dirty="0"/>
+              <a:t>In neural networks with one layer we will have:</a:t>
+            </a:r>
+          </a:p>
+          <a:p>
+            <a:pPr marL="0" lvl="0" indent="0" fontAlgn="base">
+              <a:spcAft>
+                <a:spcPct val="0"/>
+              </a:spcAft>
+              <a:buNone/>
+            </a:pPr>
+            <a:r>
+              <a:rPr lang="en-US" altLang="en-CH" dirty="0"/>
+              <a:t>X1  \  X2   =&gt;  z1 = XW1 + B1 =&gt; a1 = Sigmoid(a1) =&gt; z2 = a1W2 + B2 =&gt; a2 = Sigmoid(z2) =&gt; l(a2,Y)X3  / </a:t>
+            </a:r>
+          </a:p>
+          <a:p>
+            <a:endParaRPr lang="en-US" dirty="0"/>
+          </a:p>
+          <a:p>
+            <a:pPr marL="0" indent="0">
+              <a:buNone/>
+            </a:pPr>
+            <a:r>
+              <a:rPr lang="en-US" dirty="0"/>
+              <a:t>The activation function for the hidden layer is tanh and the activation function for the output will again be a sigmoid.</a:t>
+            </a:r>
+          </a:p>
+          <a:p>
+            <a:endParaRPr lang="en-US" dirty="0"/>
+          </a:p>
+          <a:p>
+            <a:pPr marL="0" indent="0">
+              <a:buNone/>
+            </a:pPr>
+            <a:endParaRPr lang="en-CH" dirty="0"/>
+          </a:p>
+        </p:txBody>
+      </p:sp>
+    </p:spTree>
+    <p:extLst>
+      <p:ext uri="{BB962C8B-B14F-4D97-AF65-F5344CB8AC3E}">
+        <p14:creationId xmlns:p14="http://schemas.microsoft.com/office/powerpoint/2010/main" val="3207198573"/>
       </p:ext>
     </p:extLst>
   </p:cSld>
@@ -6927,10 +7024,74 @@
       </p:grpSpPr>
       <p:sp>
         <p:nvSpPr>
+          <p:cNvPr id="12" name="Rectangle 11">
+            <a:extLst>
+              <a:ext uri="{FF2B5EF4-FFF2-40B4-BE49-F238E27FC236}">
+                <a16:creationId xmlns:a16="http://schemas.microsoft.com/office/drawing/2014/main" id="{867D4867-5BA7-4462-B2F6-A23F4A622AA7}"/>
+              </a:ext>
+              <a:ext uri="{C183D7F6-B498-43B3-948B-1728B52AA6E4}">
+                <adec:decorative xmlns:adec="http://schemas.microsoft.com/office/drawing/2017/decorative" val="1"/>
+              </a:ext>
+            </a:extLst>
+          </p:cNvPr>
+          <p:cNvSpPr>
+            <a:spLocks noGrp="1" noRot="1" noChangeAspect="1" noMove="1" noResize="1" noEditPoints="1" noAdjustHandles="1" noChangeArrowheads="1" noChangeShapeType="1" noTextEdit="1"/>
+          </p:cNvSpPr>
+          <p:nvPr>
+            <p:extLst>
+              <p:ext uri="{386F3935-93C4-4BCD-93E2-E3B085C9AB24}">
+                <p16:designElem xmlns:p16="http://schemas.microsoft.com/office/powerpoint/2015/main" val="1"/>
+              </p:ext>
+            </p:extLst>
+          </p:nvPr>
+        </p:nvSpPr>
+        <p:spPr>
+          <a:xfrm>
+            <a:off x="0" y="0"/>
+            <a:ext cx="4654296" cy="6858000"/>
+          </a:xfrm>
+          <a:prstGeom prst="rect">
+            <a:avLst/>
+          </a:prstGeom>
+          <a:solidFill>
+            <a:schemeClr val="tx1">
+              <a:lumMod val="75000"/>
+              <a:lumOff val="25000"/>
+            </a:schemeClr>
+          </a:solidFill>
+          <a:ln>
+            <a:noFill/>
+          </a:ln>
+        </p:spPr>
+        <p:style>
+          <a:lnRef idx="0">
+            <a:scrgbClr r="0" g="0" b="0"/>
+          </a:lnRef>
+          <a:fillRef idx="0">
+            <a:scrgbClr r="0" g="0" b="0"/>
+          </a:fillRef>
+          <a:effectRef idx="0">
+            <a:scrgbClr r="0" g="0" b="0"/>
+          </a:effectRef>
+          <a:fontRef idx="minor">
+            <a:schemeClr val="lt1"/>
+          </a:fontRef>
+        </p:style>
+        <p:txBody>
+          <a:bodyPr rtlCol="0" anchor="ctr"/>
+          <a:lstStyle/>
+          <a:p>
+            <a:pPr algn="ctr"/>
+            <a:endParaRPr lang="en-US"/>
+          </a:p>
+        </p:txBody>
+      </p:sp>
+      <p:sp>
+        <p:nvSpPr>
           <p:cNvPr id="2" name="Title 1">
             <a:extLst>
               <a:ext uri="{FF2B5EF4-FFF2-40B4-BE49-F238E27FC236}">
-                <a16:creationId xmlns:a16="http://schemas.microsoft.com/office/drawing/2014/main" id="{DB0804F3-8A4B-4B43-8309-1D89EAD448A9}"/>
+                <a16:creationId xmlns:a16="http://schemas.microsoft.com/office/drawing/2014/main" id="{F6C6869D-145A-4BAD-9E11-C921F5FB436B}"/>
               </a:ext>
             </a:extLst>
           </p:cNvPr>
@@ -6943,118 +7104,205 @@
         </p:nvSpPr>
         <p:spPr>
           <a:xfrm>
-            <a:off x="838200" y="365125"/>
-            <a:ext cx="10515600" cy="1325563"/>
-          </a:xfrm>
-        </p:spPr>
-        <p:txBody>
-          <a:bodyPr vert="horz" lIns="91440" tIns="45720" rIns="91440" bIns="45720" rtlCol="0" anchor="ctr">
+            <a:off x="643467" y="643467"/>
+            <a:ext cx="3363974" cy="1597315"/>
+          </a:xfrm>
+          <a:noFill/>
+          <a:ln w="19050">
+            <a:solidFill>
+              <a:schemeClr val="bg1"/>
+            </a:solidFill>
+          </a:ln>
+        </p:spPr>
+        <p:txBody>
+          <a:bodyPr vert="horz" wrap="square" lIns="91440" tIns="45720" rIns="91440" bIns="45720" rtlCol="0" anchor="ctr">
             <a:normAutofit/>
           </a:bodyPr>
           <a:lstStyle/>
           <a:p>
-            <a:r>
-              <a:rPr lang="en-US" sz="2800" dirty="0">
-                <a:solidFill>
-                  <a:schemeClr val="tx1"/>
+            <a:pPr algn="ctr"/>
+            <a:r>
+              <a:rPr lang="en-US" sz="2800" kern="1200" dirty="0">
+                <a:solidFill>
+                  <a:schemeClr val="bg1"/>
                 </a:solidFill>
                 <a:latin typeface="+mj-lt"/>
+                <a:ea typeface="+mj-ea"/>
                 <a:cs typeface="+mj-cs"/>
               </a:rPr>
-              <a:t>Convolution</a:t>
-            </a:r>
-            <a:r>
-              <a:rPr lang="en-US" sz="2800" b="1" dirty="0">
-                <a:solidFill>
-                  <a:schemeClr val="tx1"/>
-                </a:solidFill>
-                <a:latin typeface="+mj-lt"/>
-                <a:cs typeface="+mj-cs"/>
-              </a:rPr>
-              <a:t> </a:t>
-            </a:r>
-            <a:r>
-              <a:rPr lang="en-US" sz="2800" dirty="0">
-                <a:solidFill>
-                  <a:schemeClr val="tx1"/>
-                </a:solidFill>
-                <a:latin typeface="+mj-lt"/>
-                <a:cs typeface="+mj-cs"/>
-              </a:rPr>
-              <a:t>Neural</a:t>
-            </a:r>
-            <a:r>
-              <a:rPr lang="en-US" sz="2800" b="1" dirty="0">
-                <a:solidFill>
-                  <a:schemeClr val="tx1"/>
-                </a:solidFill>
-                <a:latin typeface="+mj-lt"/>
-                <a:cs typeface="+mj-cs"/>
-              </a:rPr>
-              <a:t> </a:t>
-            </a:r>
-            <a:r>
-              <a:rPr lang="en-US" sz="2800" dirty="0">
-                <a:solidFill>
-                  <a:schemeClr val="tx1"/>
-                </a:solidFill>
-                <a:latin typeface="+mj-lt"/>
-                <a:cs typeface="+mj-cs"/>
-              </a:rPr>
-              <a:t>networks</a:t>
-            </a:r>
-            <a:br>
-              <a:rPr lang="en-US" sz="2800" b="1" dirty="0">
-                <a:solidFill>
-                  <a:schemeClr val="tx1"/>
-                </a:solidFill>
-                <a:latin typeface="+mj-lt"/>
-                <a:cs typeface="+mj-cs"/>
-              </a:rPr>
-            </a:br>
-            <a:endParaRPr lang="en-US" sz="2800" dirty="0">
-              <a:solidFill>
-                <a:schemeClr val="tx1"/>
-              </a:solidFill>
-              <a:latin typeface="+mj-lt"/>
-              <a:cs typeface="+mj-cs"/>
-            </a:endParaRPr>
-          </a:p>
-        </p:txBody>
-      </p:sp>
-      <p:pic>
-        <p:nvPicPr>
-          <p:cNvPr id="7" name="Content Placeholder 3">
+              <a:t>Results </a:t>
+            </a:r>
+          </a:p>
+        </p:txBody>
+      </p:sp>
+      <p:sp>
+        <p:nvSpPr>
+          <p:cNvPr id="6" name="Content Placeholder 5">
             <a:extLst>
               <a:ext uri="{FF2B5EF4-FFF2-40B4-BE49-F238E27FC236}">
-                <a16:creationId xmlns:a16="http://schemas.microsoft.com/office/drawing/2014/main" id="{DAE51D0E-79E4-4E1A-B2C5-C573F27E7B8C}"/>
+                <a16:creationId xmlns:a16="http://schemas.microsoft.com/office/drawing/2014/main" id="{17D7C5A5-0392-4193-9CA9-B9F67E5D1225}"/>
               </a:ext>
             </a:extLst>
           </p:cNvPr>
-          <p:cNvPicPr>
-            <a:picLocks/>
-          </p:cNvPicPr>
+          <p:cNvSpPr>
+            <a:spLocks noGrp="1"/>
+          </p:cNvSpPr>
+          <p:nvPr>
+            <p:ph idx="1"/>
+          </p:nvPr>
+        </p:nvSpPr>
+        <p:spPr>
+          <a:xfrm>
+            <a:off x="643468" y="2638044"/>
+            <a:ext cx="3363974" cy="3415622"/>
+          </a:xfrm>
+        </p:spPr>
+        <p:txBody>
+          <a:bodyPr vert="horz" lIns="91440" tIns="45720" rIns="91440" bIns="45720" rtlCol="0">
+            <a:normAutofit/>
+          </a:bodyPr>
+          <a:lstStyle/>
+          <a:p>
+            <a:endParaRPr lang="en-US" dirty="0">
+              <a:solidFill>
+                <a:schemeClr val="bg1"/>
+              </a:solidFill>
+              <a:latin typeface="+mn-lt"/>
+              <a:cs typeface="+mn-cs"/>
+            </a:endParaRPr>
+          </a:p>
+          <a:p>
+            <a:pPr marL="0" indent="0">
+              <a:buNone/>
+            </a:pPr>
+            <a:r>
+              <a:rPr lang="en-US" dirty="0">
+                <a:solidFill>
+                  <a:schemeClr val="bg1"/>
+                </a:solidFill>
+                <a:latin typeface="+mn-lt"/>
+                <a:cs typeface="+mn-cs"/>
+              </a:rPr>
+              <a:t>The results are almost identical with the ones from logistic regression with n hidden layer.</a:t>
+            </a:r>
+          </a:p>
+          <a:p>
+            <a:endParaRPr lang="en-US" dirty="0">
+              <a:solidFill>
+                <a:schemeClr val="bg1"/>
+              </a:solidFill>
+              <a:latin typeface="+mn-lt"/>
+              <a:cs typeface="+mn-cs"/>
+            </a:endParaRPr>
+          </a:p>
+          <a:p>
+            <a:r>
+              <a:rPr lang="en-US" dirty="0">
+                <a:solidFill>
+                  <a:schemeClr val="bg1"/>
+                </a:solidFill>
+                <a:latin typeface="+mn-lt"/>
+                <a:cs typeface="+mn-cs"/>
+              </a:rPr>
+              <a:t>The train accuracy varies from 87 to 94%</a:t>
+            </a:r>
+          </a:p>
+          <a:p>
+            <a:r>
+              <a:rPr lang="en-US" dirty="0">
+                <a:solidFill>
+                  <a:schemeClr val="bg1"/>
+                </a:solidFill>
+                <a:latin typeface="+mn-lt"/>
+                <a:cs typeface="+mn-cs"/>
+              </a:rPr>
+              <a:t>The test accuracy varies from 63 to 90%</a:t>
+            </a:r>
+          </a:p>
+          <a:p>
+            <a:r>
+              <a:rPr lang="en-US" dirty="0">
+                <a:solidFill>
+                  <a:schemeClr val="bg1"/>
+                </a:solidFill>
+                <a:latin typeface="+mn-lt"/>
+                <a:cs typeface="+mn-cs"/>
+              </a:rPr>
+              <a:t>The room with the worst results is kitchen</a:t>
+            </a:r>
+          </a:p>
+          <a:p>
+            <a:r>
+              <a:rPr lang="en-US" dirty="0">
+                <a:solidFill>
+                  <a:schemeClr val="bg1"/>
+                </a:solidFill>
+                <a:latin typeface="+mn-lt"/>
+                <a:cs typeface="+mn-cs"/>
+              </a:rPr>
+              <a:t>The room with the best results is bedroom </a:t>
+            </a:r>
+          </a:p>
+          <a:p>
+            <a:endParaRPr lang="en-US" dirty="0">
+              <a:solidFill>
+                <a:schemeClr val="bg1"/>
+              </a:solidFill>
+              <a:latin typeface="+mn-lt"/>
+              <a:cs typeface="+mn-cs"/>
+            </a:endParaRPr>
+          </a:p>
+        </p:txBody>
+      </p:sp>
+      <p:pic>
+        <p:nvPicPr>
+          <p:cNvPr id="7" name="Picture 6">
+            <a:extLst>
+              <a:ext uri="{FF2B5EF4-FFF2-40B4-BE49-F238E27FC236}">
+                <a16:creationId xmlns:a16="http://schemas.microsoft.com/office/drawing/2014/main" id="{5A6516F1-45C0-4F65-9CC4-A9C16582E8E3}"/>
+              </a:ext>
+            </a:extLst>
+          </p:cNvPr>
+          <p:cNvPicPr/>
           <p:nvPr/>
         </p:nvPicPr>
-        <p:blipFill rotWithShape="1">
+        <p:blipFill>
           <a:blip r:embed="rId2"/>
-          <a:srcRect l="4260" r="18943" b="1"/>
-          <a:stretch/>
+          <a:stretch>
+            <a:fillRect/>
+          </a:stretch>
         </p:blipFill>
         <p:spPr>
           <a:xfrm>
-            <a:off x="828675" y="1825626"/>
-            <a:ext cx="10525125" cy="4351338"/>
+            <a:off x="5297763" y="1739641"/>
+            <a:ext cx="6250769" cy="3217851"/>
           </a:xfrm>
           <a:prstGeom prst="rect">
             <a:avLst/>
           </a:prstGeom>
+          <a:solidFill>
+            <a:srgbClr val="FFFFFF">
+              <a:shade val="85000"/>
+            </a:srgbClr>
+          </a:solidFill>
+          <a:scene3d>
+            <a:camera prst="orthographicFront"/>
+            <a:lightRig rig="twoPt" dir="t">
+              <a:rot lat="0" lon="0" rev="7200000"/>
+            </a:lightRig>
+          </a:scene3d>
+          <a:sp3d>
+            <a:bevelT w="25400" h="19050"/>
+            <a:contourClr>
+              <a:srgbClr val="FFFFFF"/>
+            </a:contourClr>
+          </a:sp3d>
         </p:spPr>
       </p:pic>
     </p:spTree>
     <p:extLst>
       <p:ext uri="{BB962C8B-B14F-4D97-AF65-F5344CB8AC3E}">
-        <p14:creationId xmlns:p14="http://schemas.microsoft.com/office/powerpoint/2010/main" val="2431950824"/>
+        <p14:creationId xmlns:p14="http://schemas.microsoft.com/office/powerpoint/2010/main" val="2571664530"/>
       </p:ext>
     </p:extLst>
   </p:cSld>
@@ -7094,7 +7342,7 @@
           <p:cNvPr id="2" name="Title 1">
             <a:extLst>
               <a:ext uri="{FF2B5EF4-FFF2-40B4-BE49-F238E27FC236}">
-                <a16:creationId xmlns:a16="http://schemas.microsoft.com/office/drawing/2014/main" id="{8716EB97-475D-4CAD-A6F0-021891EB5E0E}"/>
+                <a16:creationId xmlns:a16="http://schemas.microsoft.com/office/drawing/2014/main" id="{DB0804F3-8A4B-4B43-8309-1D89EAD448A9}"/>
               </a:ext>
             </a:extLst>
           </p:cNvPr>
@@ -7107,8 +7355,8 @@
         </p:nvSpPr>
         <p:spPr>
           <a:xfrm>
-            <a:off x="648929" y="0"/>
-            <a:ext cx="4944152" cy="1622321"/>
+            <a:off x="838200" y="365125"/>
+            <a:ext cx="10515600" cy="1325563"/>
           </a:xfrm>
         </p:spPr>
         <p:txBody>
@@ -7125,245 +7373,100 @@
                 <a:latin typeface="+mj-lt"/>
                 <a:cs typeface="+mj-cs"/>
               </a:rPr>
-              <a:t>Method </a:t>
-            </a:r>
-            <a:endParaRPr lang="en-US" sz="2800" kern="1200" dirty="0">
+              <a:t>Convolution</a:t>
+            </a:r>
+            <a:r>
+              <a:rPr lang="en-US" sz="2800" b="1" dirty="0">
+                <a:solidFill>
+                  <a:schemeClr val="tx1"/>
+                </a:solidFill>
+                <a:latin typeface="+mj-lt"/>
+                <a:cs typeface="+mj-cs"/>
+              </a:rPr>
+              <a:t> </a:t>
+            </a:r>
+            <a:r>
+              <a:rPr lang="en-US" sz="2800" dirty="0">
+                <a:solidFill>
+                  <a:schemeClr val="tx1"/>
+                </a:solidFill>
+                <a:latin typeface="+mj-lt"/>
+                <a:cs typeface="+mj-cs"/>
+              </a:rPr>
+              <a:t>Neural</a:t>
+            </a:r>
+            <a:r>
+              <a:rPr lang="en-US" sz="2800" b="1" dirty="0">
+                <a:solidFill>
+                  <a:schemeClr val="tx1"/>
+                </a:solidFill>
+                <a:latin typeface="+mj-lt"/>
+                <a:cs typeface="+mj-cs"/>
+              </a:rPr>
+              <a:t> </a:t>
+            </a:r>
+            <a:r>
+              <a:rPr lang="en-US" sz="2800" dirty="0">
+                <a:solidFill>
+                  <a:schemeClr val="tx1"/>
+                </a:solidFill>
+                <a:latin typeface="+mj-lt"/>
+                <a:cs typeface="+mj-cs"/>
+              </a:rPr>
+              <a:t>networks</a:t>
+            </a:r>
+            <a:br>
+              <a:rPr lang="en-US" sz="2800" b="1" dirty="0">
+                <a:solidFill>
+                  <a:schemeClr val="tx1"/>
+                </a:solidFill>
+                <a:latin typeface="+mj-lt"/>
+                <a:cs typeface="+mj-cs"/>
+              </a:rPr>
+            </a:br>
+            <a:endParaRPr lang="en-US" sz="2800" dirty="0">
               <a:solidFill>
                 <a:schemeClr val="tx1"/>
               </a:solidFill>
               <a:latin typeface="+mj-lt"/>
-              <a:ea typeface="+mj-ea"/>
               <a:cs typeface="+mj-cs"/>
             </a:endParaRPr>
           </a:p>
         </p:txBody>
       </p:sp>
-      <p:sp>
-        <p:nvSpPr>
-          <p:cNvPr id="3" name="Content Placeholder 2">
+      <p:pic>
+        <p:nvPicPr>
+          <p:cNvPr id="7" name="Content Placeholder 3">
             <a:extLst>
               <a:ext uri="{FF2B5EF4-FFF2-40B4-BE49-F238E27FC236}">
-                <a16:creationId xmlns:a16="http://schemas.microsoft.com/office/drawing/2014/main" id="{32CBFDD7-3510-479A-B1F2-BC4BFA1294F5}"/>
-              </a:ext>
-            </a:extLst>
-          </p:cNvPr>
-          <p:cNvSpPr>
-            <a:spLocks noGrp="1"/>
-          </p:cNvSpPr>
-          <p:nvPr>
-            <p:ph idx="1"/>
-          </p:nvPr>
-        </p:nvSpPr>
-        <p:spPr>
-          <a:xfrm>
-            <a:off x="648930" y="1870364"/>
-            <a:ext cx="4944151" cy="4353455"/>
-          </a:xfrm>
-        </p:spPr>
-        <p:txBody>
-          <a:bodyPr vert="horz" lIns="91440" tIns="45720" rIns="91440" bIns="45720" rtlCol="0">
-            <a:normAutofit/>
-          </a:bodyPr>
-          <a:lstStyle/>
-          <a:p>
-            <a:pPr marL="0" indent="0" algn="just">
-              <a:buNone/>
-            </a:pPr>
-            <a:r>
-              <a:rPr lang="en-US" sz="1700" dirty="0">
-                <a:solidFill>
-                  <a:schemeClr val="tx1"/>
-                </a:solidFill>
-                <a:latin typeface="+mn-lt"/>
-                <a:cs typeface="+mn-cs"/>
-              </a:rPr>
-              <a:t>The convolution layer computes the output of neurons that are connected to local regions or receptive fields in the input, each computing a dot product between their weights and a small receptive field to which they are connected to in the input volume. Each computation leads to extraction of a feature map from the input image. As a result, we 'll get a single number that represents all the values in that window of the images. You use this layer to filtering: as the window moves over the image, you check for patterns in that section of the image. This works because of filters, which are multiplied by the values outputted by the convolution.</a:t>
-            </a:r>
-          </a:p>
-          <a:p>
-            <a:pPr marL="0"/>
-            <a:endParaRPr lang="en-US" sz="1700" dirty="0">
-              <a:solidFill>
-                <a:schemeClr val="tx1"/>
-              </a:solidFill>
-              <a:latin typeface="+mn-lt"/>
-              <a:cs typeface="+mn-cs"/>
-            </a:endParaRPr>
-          </a:p>
-        </p:txBody>
-      </p:sp>
-      <p:sp>
-        <p:nvSpPr>
-          <p:cNvPr id="18" name="Rectangle 17">
-            <a:extLst>
-              <a:ext uri="{FF2B5EF4-FFF2-40B4-BE49-F238E27FC236}">
-                <a16:creationId xmlns:a16="http://schemas.microsoft.com/office/drawing/2014/main" id="{46F7435D-E3DB-47B1-BA61-B00ACC83A9DE}"/>
-              </a:ext>
-              <a:ext uri="{C183D7F6-B498-43B3-948B-1728B52AA6E4}">
-                <adec:decorative xmlns:adec="http://schemas.microsoft.com/office/drawing/2017/decorative" val="1"/>
-              </a:ext>
-            </a:extLst>
-          </p:cNvPr>
-          <p:cNvSpPr>
-            <a:spLocks noGrp="1" noRot="1" noChangeAspect="1" noMove="1" noResize="1" noEditPoints="1" noAdjustHandles="1" noChangeArrowheads="1" noChangeShapeType="1" noTextEdit="1"/>
-          </p:cNvSpPr>
-          <p:nvPr>
-            <p:extLst>
-              <p:ext uri="{386F3935-93C4-4BCD-93E2-E3B085C9AB24}">
-                <p16:designElem xmlns:p16="http://schemas.microsoft.com/office/powerpoint/2015/main" val="1"/>
-              </p:ext>
-            </p:extLst>
-          </p:nvPr>
-        </p:nvSpPr>
-        <p:spPr>
-          <a:xfrm>
-            <a:off x="6092950" y="0"/>
-            <a:ext cx="6099050" cy="6858000"/>
-          </a:xfrm>
-          <a:prstGeom prst="rect">
-            <a:avLst/>
-          </a:prstGeom>
-          <a:solidFill>
-            <a:srgbClr val="C8CACA"/>
-          </a:solidFill>
-          <a:ln>
-            <a:noFill/>
-          </a:ln>
-        </p:spPr>
-        <p:style>
-          <a:lnRef idx="2">
-            <a:schemeClr val="accent1">
-              <a:shade val="50000"/>
-            </a:schemeClr>
-          </a:lnRef>
-          <a:fillRef idx="1">
-            <a:schemeClr val="accent1"/>
-          </a:fillRef>
-          <a:effectRef idx="0">
-            <a:schemeClr val="accent1"/>
-          </a:effectRef>
-          <a:fontRef idx="minor">
-            <a:schemeClr val="lt1"/>
-          </a:fontRef>
-        </p:style>
-        <p:txBody>
-          <a:bodyPr rtlCol="0" anchor="ctr"/>
-          <a:lstStyle/>
-          <a:p>
-            <a:pPr algn="ctr"/>
-            <a:endParaRPr lang="en-US"/>
-          </a:p>
-        </p:txBody>
-      </p:sp>
-      <p:sp>
-        <p:nvSpPr>
-          <p:cNvPr id="20" name="Rounded Rectangle 9">
-            <a:extLst>
-              <a:ext uri="{FF2B5EF4-FFF2-40B4-BE49-F238E27FC236}">
-                <a16:creationId xmlns:a16="http://schemas.microsoft.com/office/drawing/2014/main" id="{F263A0B5-F8C4-4116-809F-78A768EA79A6}"/>
-              </a:ext>
-              <a:ext uri="{C183D7F6-B498-43B3-948B-1728B52AA6E4}">
-                <adec:decorative xmlns:adec="http://schemas.microsoft.com/office/drawing/2017/decorative" val="1"/>
-              </a:ext>
-            </a:extLst>
-          </p:cNvPr>
-          <p:cNvSpPr>
-            <a:spLocks noGrp="1" noRot="1" noChangeAspect="1" noMove="1" noResize="1" noEditPoints="1" noAdjustHandles="1" noChangeArrowheads="1" noChangeShapeType="1" noTextEdit="1"/>
-          </p:cNvSpPr>
-          <p:nvPr>
-            <p:extLst>
-              <p:ext uri="{386F3935-93C4-4BCD-93E2-E3B085C9AB24}">
-                <p16:designElem xmlns:p16="http://schemas.microsoft.com/office/powerpoint/2015/main" val="1"/>
-              </p:ext>
-            </p:extLst>
-          </p:nvPr>
-        </p:nvSpPr>
-        <p:spPr>
-          <a:xfrm>
-            <a:off x="6577582" y="484632"/>
-            <a:ext cx="5130204" cy="5739187"/>
-          </a:xfrm>
-          <a:prstGeom prst="roundRect">
-            <a:avLst>
-              <a:gd name="adj" fmla="val 0"/>
-            </a:avLst>
-          </a:prstGeom>
-          <a:solidFill>
-            <a:srgbClr val="FFFFFF"/>
-          </a:solidFill>
-          <a:ln w="9525">
-            <a:solidFill>
-              <a:srgbClr val="C8CACA"/>
-            </a:solidFill>
-          </a:ln>
-          <a:effectLst>
-            <a:outerShdw blurRad="57150" dist="19050" dir="5400000" algn="t" rotWithShape="0">
-              <a:prstClr val="black">
-                <a:alpha val="63000"/>
-              </a:prstClr>
-            </a:outerShdw>
-          </a:effectLst>
-        </p:spPr>
-        <p:style>
-          <a:lnRef idx="2">
-            <a:schemeClr val="accent1">
-              <a:shade val="50000"/>
-            </a:schemeClr>
-          </a:lnRef>
-          <a:fillRef idx="1">
-            <a:schemeClr val="accent1"/>
-          </a:fillRef>
-          <a:effectRef idx="0">
-            <a:schemeClr val="accent1"/>
-          </a:effectRef>
-          <a:fontRef idx="minor">
-            <a:schemeClr val="lt1"/>
-          </a:fontRef>
-        </p:style>
-        <p:txBody>
-          <a:bodyPr rtlCol="0" anchor="ctr"/>
-          <a:lstStyle/>
-          <a:p>
-            <a:pPr algn="ctr"/>
-            <a:endParaRPr lang="en-US"/>
-          </a:p>
-        </p:txBody>
-      </p:sp>
-      <p:pic>
-        <p:nvPicPr>
-          <p:cNvPr id="4" name="Picture 3">
-            <a:extLst>
-              <a:ext uri="{FF2B5EF4-FFF2-40B4-BE49-F238E27FC236}">
-                <a16:creationId xmlns:a16="http://schemas.microsoft.com/office/drawing/2014/main" id="{867AA318-B6F5-4146-923B-126F45A8283E}"/>
+                <a16:creationId xmlns:a16="http://schemas.microsoft.com/office/drawing/2014/main" id="{DAE51D0E-79E4-4E1A-B2C5-C573F27E7B8C}"/>
               </a:ext>
             </a:extLst>
           </p:cNvPr>
           <p:cNvPicPr>
-            <a:picLocks noChangeAspect="1"/>
+            <a:picLocks/>
           </p:cNvPicPr>
           <p:nvPr/>
         </p:nvPicPr>
-        <p:blipFill>
+        <p:blipFill rotWithShape="1">
           <a:blip r:embed="rId2"/>
-          <a:stretch>
-            <a:fillRect/>
-          </a:stretch>
+          <a:srcRect l="4260" r="18943" b="1"/>
+          <a:stretch/>
         </p:blipFill>
         <p:spPr>
           <a:xfrm>
-            <a:off x="7060689" y="2172693"/>
-            <a:ext cx="4163991" cy="2363064"/>
+            <a:off x="828675" y="1825626"/>
+            <a:ext cx="10525125" cy="4351338"/>
           </a:xfrm>
           <a:prstGeom prst="rect">
             <a:avLst/>
           </a:prstGeom>
-          <a:effectLst/>
         </p:spPr>
       </p:pic>
     </p:spTree>
     <p:extLst>
       <p:ext uri="{BB962C8B-B14F-4D97-AF65-F5344CB8AC3E}">
-        <p14:creationId xmlns:p14="http://schemas.microsoft.com/office/powerpoint/2010/main" val="3865222980"/>
+        <p14:creationId xmlns:p14="http://schemas.microsoft.com/office/powerpoint/2010/main" val="2431950824"/>
       </p:ext>
     </p:extLst>
   </p:cSld>
@@ -7374,393 +7477,6 @@
 </file>
 
 <file path=ppt/slides/slide16.xml><?xml version="1.0" encoding="utf-8"?>
-<p:sld xmlns:a="http://schemas.openxmlformats.org/drawingml/2006/main" xmlns:r="http://schemas.openxmlformats.org/officeDocument/2006/relationships" xmlns:p="http://schemas.openxmlformats.org/presentationml/2006/main">
-  <p:cSld>
-    <p:spTree>
-      <p:nvGrpSpPr>
-        <p:cNvPr id="1" name=""/>
-        <p:cNvGrpSpPr/>
-        <p:nvPr/>
-      </p:nvGrpSpPr>
-      <p:grpSpPr>
-        <a:xfrm>
-          <a:off x="0" y="0"/>
-          <a:ext cx="0" cy="0"/>
-          <a:chOff x="0" y="0"/>
-          <a:chExt cx="0" cy="0"/>
-        </a:xfrm>
-      </p:grpSpPr>
-      <p:sp>
-        <p:nvSpPr>
-          <p:cNvPr id="2" name="Title 1">
-            <a:extLst>
-              <a:ext uri="{FF2B5EF4-FFF2-40B4-BE49-F238E27FC236}">
-                <a16:creationId xmlns:a16="http://schemas.microsoft.com/office/drawing/2014/main" id="{2747D681-E0DF-4087-838E-4D59431C6C83}"/>
-              </a:ext>
-            </a:extLst>
-          </p:cNvPr>
-          <p:cNvSpPr>
-            <a:spLocks noGrp="1"/>
-          </p:cNvSpPr>
-          <p:nvPr>
-            <p:ph type="title"/>
-          </p:nvPr>
-        </p:nvSpPr>
-        <p:spPr>
-          <a:xfrm>
-            <a:off x="834260" y="766088"/>
-            <a:ext cx="10515600" cy="466675"/>
-          </a:xfrm>
-        </p:spPr>
-        <p:txBody>
-          <a:bodyPr>
-            <a:noAutofit/>
-          </a:bodyPr>
-          <a:lstStyle/>
-          <a:p>
-            <a:r>
-              <a:rPr lang="en-CH" sz="2800" dirty="0">
-                <a:solidFill>
-                  <a:schemeClr val="tx1"/>
-                </a:solidFill>
-                <a:latin typeface="+mj-lt"/>
-                <a:cs typeface="+mj-cs"/>
-              </a:rPr>
-              <a:t>Architecture</a:t>
-            </a:r>
-            <a:r>
-              <a:rPr lang="en-CH" sz="2800" b="1" dirty="0"/>
-              <a:t> </a:t>
-            </a:r>
-            <a:r>
-              <a:rPr lang="en-CH" sz="2800" dirty="0">
-                <a:solidFill>
-                  <a:schemeClr val="tx1"/>
-                </a:solidFill>
-                <a:latin typeface="+mj-lt"/>
-                <a:cs typeface="+mj-cs"/>
-              </a:rPr>
-              <a:t>of</a:t>
-            </a:r>
-            <a:r>
-              <a:rPr lang="en-CH" sz="2800" b="1" dirty="0"/>
-              <a:t> </a:t>
-            </a:r>
-            <a:r>
-              <a:rPr lang="en-CH" sz="2800" dirty="0">
-                <a:solidFill>
-                  <a:schemeClr val="tx1"/>
-                </a:solidFill>
-                <a:latin typeface="+mj-lt"/>
-                <a:cs typeface="+mj-cs"/>
-              </a:rPr>
-              <a:t>the</a:t>
-            </a:r>
-            <a:r>
-              <a:rPr lang="en-CH" sz="2800" b="1" dirty="0"/>
-              <a:t> </a:t>
-            </a:r>
-            <a:r>
-              <a:rPr lang="en-CH" sz="2800" dirty="0">
-                <a:solidFill>
-                  <a:schemeClr val="tx1"/>
-                </a:solidFill>
-                <a:latin typeface="+mj-lt"/>
-                <a:cs typeface="+mj-cs"/>
-              </a:rPr>
-              <a:t>Model</a:t>
-            </a:r>
-            <a:br>
-              <a:rPr lang="en-CH" sz="2800" b="1" dirty="0"/>
-            </a:br>
-            <a:endParaRPr lang="en-CH" sz="2800" dirty="0"/>
-          </a:p>
-        </p:txBody>
-      </p:sp>
-      <p:sp>
-        <p:nvSpPr>
-          <p:cNvPr id="3" name="Content Placeholder 2">
-            <a:extLst>
-              <a:ext uri="{FF2B5EF4-FFF2-40B4-BE49-F238E27FC236}">
-                <a16:creationId xmlns:a16="http://schemas.microsoft.com/office/drawing/2014/main" id="{24C2927F-B4A2-4297-B620-BA4881373916}"/>
-              </a:ext>
-            </a:extLst>
-          </p:cNvPr>
-          <p:cNvSpPr>
-            <a:spLocks noGrp="1"/>
-          </p:cNvSpPr>
-          <p:nvPr>
-            <p:ph idx="1"/>
-          </p:nvPr>
-        </p:nvSpPr>
-        <p:spPr>
-          <a:xfrm>
-            <a:off x="838200" y="1677890"/>
-            <a:ext cx="10515600" cy="4351338"/>
-          </a:xfrm>
-        </p:spPr>
-        <p:txBody>
-          <a:bodyPr/>
-          <a:lstStyle/>
-          <a:p>
-            <a:pPr marL="0" indent="0">
-              <a:buNone/>
-            </a:pPr>
-            <a:r>
-              <a:rPr lang="en-CH" dirty="0"/>
-              <a:t> </a:t>
-            </a:r>
-          </a:p>
-          <a:p>
-            <a:pPr marL="0" indent="0">
-              <a:buNone/>
-            </a:pPr>
-            <a:r>
-              <a:rPr lang="en-CH" dirty="0"/>
-              <a:t>We will use three convolutional layers: </a:t>
-            </a:r>
-          </a:p>
-          <a:p>
-            <a:pPr marL="0" lvl="0" indent="0">
-              <a:buNone/>
-            </a:pPr>
-            <a:r>
-              <a:rPr lang="en-CH" dirty="0"/>
-              <a:t>The first layer will have 32-3 x 3 filters,</a:t>
-            </a:r>
-            <a:endParaRPr lang="en-US" dirty="0"/>
-          </a:p>
-          <a:p>
-            <a:pPr marL="0" lvl="0" indent="0">
-              <a:buNone/>
-            </a:pPr>
-            <a:r>
-              <a:rPr lang="en-CH" dirty="0"/>
-              <a:t>The second layer will have 64-3 x 3 filters and</a:t>
-            </a:r>
-            <a:endParaRPr lang="en-US" dirty="0"/>
-          </a:p>
-          <a:p>
-            <a:pPr marL="0" lvl="0" indent="0">
-              <a:buNone/>
-            </a:pPr>
-            <a:r>
-              <a:rPr lang="en-US" dirty="0"/>
-              <a:t>Th</a:t>
-            </a:r>
-            <a:r>
-              <a:rPr lang="en-CH" dirty="0"/>
-              <a:t>e third layer will have 128-3 x 3 filters.</a:t>
-            </a:r>
-          </a:p>
-          <a:p>
-            <a:pPr marL="0" indent="0">
-              <a:buNone/>
-            </a:pPr>
-            <a:r>
-              <a:rPr lang="en-CH" dirty="0"/>
-              <a:t>In addition, there are three max-pooling layers each of size 2 x 2</a:t>
-            </a:r>
-            <a:endParaRPr lang="en-US" dirty="0"/>
-          </a:p>
-          <a:p>
-            <a:pPr marL="0" indent="0">
-              <a:buNone/>
-            </a:pPr>
-            <a:endParaRPr lang="en-US" dirty="0"/>
-          </a:p>
-          <a:p>
-            <a:pPr marL="0" indent="0">
-              <a:buNone/>
-            </a:pPr>
-            <a:endParaRPr lang="en-US" dirty="0"/>
-          </a:p>
-          <a:p>
-            <a:pPr marL="0" indent="0">
-              <a:buNone/>
-            </a:pPr>
-            <a:endParaRPr lang="en-US" dirty="0"/>
-          </a:p>
-          <a:p>
-            <a:pPr marL="0" indent="0">
-              <a:buNone/>
-            </a:pPr>
-            <a:r>
-              <a:rPr lang="en-CH" dirty="0"/>
-              <a:t>Leaky </a:t>
-            </a:r>
-            <a:r>
-              <a:rPr lang="en-CH" dirty="0" err="1"/>
-              <a:t>ReLU</a:t>
-            </a:r>
-            <a:r>
-              <a:rPr lang="en-CH" dirty="0"/>
-              <a:t> </a:t>
-            </a:r>
-            <a:r>
-              <a:rPr lang="en-US" dirty="0"/>
-              <a:t>is used as </a:t>
-            </a:r>
-            <a:r>
-              <a:rPr lang="en-CH" dirty="0"/>
-              <a:t>the activation function</a:t>
-            </a:r>
-          </a:p>
-          <a:p>
-            <a:pPr marL="0" indent="0">
-              <a:buNone/>
-            </a:pPr>
-            <a:endParaRPr lang="en-US" dirty="0"/>
-          </a:p>
-          <a:p>
-            <a:pPr marL="0" indent="0">
-              <a:buNone/>
-            </a:pPr>
-            <a:endParaRPr lang="en-CH" dirty="0"/>
-          </a:p>
-        </p:txBody>
-      </p:sp>
-      <p:pic>
-        <p:nvPicPr>
-          <p:cNvPr id="4" name="Picture 3">
-            <a:extLst>
-              <a:ext uri="{FF2B5EF4-FFF2-40B4-BE49-F238E27FC236}">
-                <a16:creationId xmlns:a16="http://schemas.microsoft.com/office/drawing/2014/main" id="{1ADA7874-372F-4D4A-8C13-0EE1D34DF5BF}"/>
-              </a:ext>
-            </a:extLst>
-          </p:cNvPr>
-          <p:cNvPicPr/>
-          <p:nvPr/>
-        </p:nvPicPr>
-        <p:blipFill rotWithShape="1">
-          <a:blip r:embed="rId3"/>
-          <a:srcRect l="-5438" t="1254" r="-22" b="-1254"/>
-          <a:stretch/>
-        </p:blipFill>
-        <p:spPr>
-          <a:xfrm>
-            <a:off x="5936196" y="1914525"/>
-            <a:ext cx="6044522" cy="1657350"/>
-          </a:xfrm>
-          <a:prstGeom prst="rect">
-            <a:avLst/>
-          </a:prstGeom>
-        </p:spPr>
-      </p:pic>
-      <p:sp>
-        <p:nvSpPr>
-          <p:cNvPr id="5" name="Rectangle 4">
-            <a:extLst>
-              <a:ext uri="{FF2B5EF4-FFF2-40B4-BE49-F238E27FC236}">
-                <a16:creationId xmlns:a16="http://schemas.microsoft.com/office/drawing/2014/main" id="{81746550-9EED-4F31-8F40-E6764088BEB1}"/>
-              </a:ext>
-            </a:extLst>
-          </p:cNvPr>
-          <p:cNvSpPr/>
-          <p:nvPr/>
-        </p:nvSpPr>
-        <p:spPr>
-          <a:xfrm>
-            <a:off x="6442364" y="1995054"/>
-            <a:ext cx="1039091" cy="665019"/>
-          </a:xfrm>
-          <a:prstGeom prst="rect">
-            <a:avLst/>
-          </a:prstGeom>
-        </p:spPr>
-        <p:style>
-          <a:lnRef idx="2">
-            <a:schemeClr val="accent1">
-              <a:shade val="50000"/>
-            </a:schemeClr>
-          </a:lnRef>
-          <a:fillRef idx="1">
-            <a:schemeClr val="accent1"/>
-          </a:fillRef>
-          <a:effectRef idx="0">
-            <a:schemeClr val="accent1"/>
-          </a:effectRef>
-          <a:fontRef idx="minor">
-            <a:schemeClr val="lt1"/>
-          </a:fontRef>
-        </p:style>
-        <p:txBody>
-          <a:bodyPr rtlCol="0" anchor="ctr"/>
-          <a:lstStyle/>
-          <a:p>
-            <a:pPr algn="ctr"/>
-            <a:r>
-              <a:rPr lang="en-US" dirty="0"/>
-              <a:t>Input </a:t>
-            </a:r>
-            <a:endParaRPr lang="en-CH" dirty="0"/>
-          </a:p>
-        </p:txBody>
-      </p:sp>
-      <p:sp>
-        <p:nvSpPr>
-          <p:cNvPr id="6" name="Rectangle 5">
-            <a:extLst>
-              <a:ext uri="{FF2B5EF4-FFF2-40B4-BE49-F238E27FC236}">
-                <a16:creationId xmlns:a16="http://schemas.microsoft.com/office/drawing/2014/main" id="{3139DD33-4104-427E-8EC8-787395E104BE}"/>
-              </a:ext>
-            </a:extLst>
-          </p:cNvPr>
-          <p:cNvSpPr/>
-          <p:nvPr/>
-        </p:nvSpPr>
-        <p:spPr>
-          <a:xfrm>
-            <a:off x="6761019" y="2783464"/>
-            <a:ext cx="1039091" cy="665019"/>
-          </a:xfrm>
-          <a:prstGeom prst="rect">
-            <a:avLst/>
-          </a:prstGeom>
-        </p:spPr>
-        <p:style>
-          <a:lnRef idx="2">
-            <a:schemeClr val="accent1">
-              <a:shade val="50000"/>
-            </a:schemeClr>
-          </a:lnRef>
-          <a:fillRef idx="1">
-            <a:schemeClr val="accent1"/>
-          </a:fillRef>
-          <a:effectRef idx="0">
-            <a:schemeClr val="accent1"/>
-          </a:effectRef>
-          <a:fontRef idx="minor">
-            <a:schemeClr val="lt1"/>
-          </a:fontRef>
-        </p:style>
-        <p:txBody>
-          <a:bodyPr rtlCol="0" anchor="ctr"/>
-          <a:lstStyle/>
-          <a:p>
-            <a:pPr algn="ctr"/>
-            <a:r>
-              <a:rPr lang="en-US" dirty="0"/>
-              <a:t>Output </a:t>
-            </a:r>
-            <a:endParaRPr lang="en-CH" dirty="0"/>
-          </a:p>
-        </p:txBody>
-      </p:sp>
-    </p:spTree>
-    <p:extLst>
-      <p:ext uri="{BB962C8B-B14F-4D97-AF65-F5344CB8AC3E}">
-        <p14:creationId xmlns:p14="http://schemas.microsoft.com/office/powerpoint/2010/main" val="616259699"/>
-      </p:ext>
-    </p:extLst>
-  </p:cSld>
-  <p:clrMapOvr>
-    <a:masterClrMapping/>
-  </p:clrMapOvr>
-</p:sld>
-</file>
-
-<file path=ppt/slides/slide17.xml><?xml version="1.0" encoding="utf-8"?>
 <p:sld xmlns:a="http://schemas.openxmlformats.org/drawingml/2006/main" xmlns:r="http://schemas.openxmlformats.org/officeDocument/2006/relationships" xmlns:p="http://schemas.openxmlformats.org/presentationml/2006/main">
   <p:cSld>
     <p:bg>
@@ -7790,7 +7506,7 @@
           <p:cNvPr id="2" name="Title 1">
             <a:extLst>
               <a:ext uri="{FF2B5EF4-FFF2-40B4-BE49-F238E27FC236}">
-                <a16:creationId xmlns:a16="http://schemas.microsoft.com/office/drawing/2014/main" id="{7F72AE1B-DDF1-4CA6-A24E-D3F77149F9C7}"/>
+                <a16:creationId xmlns:a16="http://schemas.microsoft.com/office/drawing/2014/main" id="{8716EB97-475D-4CAD-A6F0-021891EB5E0E}"/>
               </a:ext>
             </a:extLst>
           </p:cNvPr>
@@ -7803,8 +7519,8 @@
         </p:nvSpPr>
         <p:spPr>
           <a:xfrm>
-            <a:off x="763229" y="495357"/>
-            <a:ext cx="3505495" cy="815070"/>
+            <a:off x="648929" y="0"/>
+            <a:ext cx="4944152" cy="1622321"/>
           </a:xfrm>
         </p:spPr>
         <p:txBody>
@@ -7814,16 +7530,23 @@
           <a:lstStyle/>
           <a:p>
             <a:r>
-              <a:rPr lang="en-US" sz="2800" kern="1200" dirty="0">
+              <a:rPr lang="en-US" sz="2800" dirty="0">
                 <a:solidFill>
                   <a:schemeClr val="tx1"/>
                 </a:solidFill>
                 <a:latin typeface="+mj-lt"/>
-                <a:ea typeface="+mj-ea"/>
                 <a:cs typeface="+mj-cs"/>
               </a:rPr>
-              <a:t>Results </a:t>
-            </a:r>
+              <a:t>Method </a:t>
+            </a:r>
+            <a:endParaRPr lang="en-US" sz="2800" kern="1200" dirty="0">
+              <a:solidFill>
+                <a:schemeClr val="tx1"/>
+              </a:solidFill>
+              <a:latin typeface="+mj-lt"/>
+              <a:ea typeface="+mj-ea"/>
+              <a:cs typeface="+mj-cs"/>
+            </a:endParaRPr>
           </a:p>
         </p:txBody>
       </p:sp>
@@ -7832,7 +7555,7 @@
           <p:cNvPr id="3" name="Content Placeholder 2">
             <a:extLst>
               <a:ext uri="{FF2B5EF4-FFF2-40B4-BE49-F238E27FC236}">
-                <a16:creationId xmlns:a16="http://schemas.microsoft.com/office/drawing/2014/main" id="{BE6F26E1-30B7-4E2E-AF94-99F51E33D829}"/>
+                <a16:creationId xmlns:a16="http://schemas.microsoft.com/office/drawing/2014/main" id="{32CBFDD7-3510-479A-B1F2-BC4BFA1294F5}"/>
               </a:ext>
             </a:extLst>
           </p:cNvPr>
@@ -7845,8 +7568,8 @@
         </p:nvSpPr>
         <p:spPr>
           <a:xfrm>
-            <a:off x="841663" y="1818416"/>
-            <a:ext cx="3312761" cy="4405404"/>
+            <a:off x="648930" y="1870364"/>
+            <a:ext cx="4944151" cy="4353455"/>
           </a:xfrm>
         </p:spPr>
         <p:txBody>
@@ -7855,72 +7578,6 @@
           </a:bodyPr>
           <a:lstStyle/>
           <a:p>
-            <a:pPr marL="0" indent="0">
-              <a:buNone/>
-            </a:pPr>
-            <a:r>
-              <a:rPr lang="en-US" sz="1700" dirty="0">
-                <a:solidFill>
-                  <a:schemeClr val="tx1"/>
-                </a:solidFill>
-                <a:latin typeface="+mn-lt"/>
-              </a:rPr>
-              <a:t>Model Evaluation:</a:t>
-            </a:r>
-          </a:p>
-          <a:p>
-            <a:pPr marL="0" indent="0">
-              <a:buNone/>
-            </a:pPr>
-            <a:r>
-              <a:rPr lang="en-US" sz="1700" dirty="0">
-                <a:solidFill>
-                  <a:schemeClr val="tx1"/>
-                </a:solidFill>
-                <a:latin typeface="+mn-lt"/>
-              </a:rPr>
-              <a:t>Test accuracy: 0.70</a:t>
-            </a:r>
-          </a:p>
-          <a:p>
-            <a:pPr marL="0" indent="0">
-              <a:buNone/>
-            </a:pPr>
-            <a:r>
-              <a:rPr lang="en-US" sz="1700" dirty="0">
-                <a:solidFill>
-                  <a:schemeClr val="tx1"/>
-                </a:solidFill>
-                <a:latin typeface="+mn-lt"/>
-              </a:rPr>
-              <a:t>Test loss: 1.2</a:t>
-            </a:r>
-          </a:p>
-          <a:p>
-            <a:pPr marL="0" indent="0">
-              <a:buNone/>
-            </a:pPr>
-            <a:endParaRPr lang="en-US" sz="1700" dirty="0">
-              <a:solidFill>
-                <a:schemeClr val="tx1"/>
-              </a:solidFill>
-              <a:latin typeface="+mn-lt"/>
-              <a:cs typeface="+mn-cs"/>
-            </a:endParaRPr>
-          </a:p>
-          <a:p>
-            <a:pPr marL="0" indent="0">
-              <a:buNone/>
-            </a:pPr>
-            <a:endParaRPr lang="en-US" sz="1700" dirty="0">
-              <a:solidFill>
-                <a:schemeClr val="tx1"/>
-              </a:solidFill>
-              <a:latin typeface="+mn-lt"/>
-              <a:cs typeface="+mn-cs"/>
-            </a:endParaRPr>
-          </a:p>
-          <a:p>
             <a:pPr marL="0" indent="0" algn="just">
               <a:buNone/>
             </a:pPr>
@@ -7932,22 +7589,7 @@
                 <a:latin typeface="+mn-lt"/>
                 <a:cs typeface="+mn-cs"/>
               </a:rPr>
-              <a:t>The model is overfitting.</a:t>
-            </a:r>
-          </a:p>
-          <a:p>
-            <a:pPr marL="0" indent="0" algn="just">
-              <a:buNone/>
-            </a:pPr>
-            <a:r>
-              <a:rPr lang="en-US" sz="1700" dirty="0">
-                <a:solidFill>
-                  <a:schemeClr val="tx1"/>
-                </a:solidFill>
-                <a:latin typeface="+mn-lt"/>
-                <a:cs typeface="+mn-cs"/>
-              </a:rPr>
-              <a:t>Overfitting gives an intuition that the network has memorized the training data very well but is not guaranteed to work on unseen data, and that is why there is a difference in the training and validation accuracy.</a:t>
+              <a:t>The convolution layer computes the output of neurons that are connected to local regions or receptive fields in the input, each computing a dot product between their weights and a small receptive field to which they are connected to in the input volume. Each computation leads to extraction of a feature map from the input image. As a result, we 'll get a single number that represents all the values in that window of the images. You use this layer to filtering: as the window moves over the image, you check for patterns in that section of the image. This works because of filters, which are multiplied by the values outputted by the convolution.</a:t>
             </a:r>
           </a:p>
           <a:p>
@@ -7964,10 +7606,10 @@
       </p:sp>
       <p:sp>
         <p:nvSpPr>
-          <p:cNvPr id="16" name="Rectangle 15">
+          <p:cNvPr id="18" name="Rectangle 17">
             <a:extLst>
               <a:ext uri="{FF2B5EF4-FFF2-40B4-BE49-F238E27FC236}">
-                <a16:creationId xmlns:a16="http://schemas.microsoft.com/office/drawing/2014/main" id="{5E39A796-BE83-48B1-B33F-35C4A32AAB57}"/>
+                <a16:creationId xmlns:a16="http://schemas.microsoft.com/office/drawing/2014/main" id="{46F7435D-E3DB-47B1-BA61-B00ACC83A9DE}"/>
               </a:ext>
               <a:ext uri="{C183D7F6-B498-43B3-948B-1728B52AA6E4}">
                 <adec:decorative xmlns:adec="http://schemas.microsoft.com/office/drawing/2017/decorative" val="1"/>
@@ -7987,8 +7629,8 @@
         </p:nvSpPr>
         <p:spPr>
           <a:xfrm>
-            <a:off x="4639056" y="0"/>
-            <a:ext cx="7552944" cy="6858000"/>
+            <a:off x="6092950" y="0"/>
+            <a:ext cx="6099050" cy="6858000"/>
           </a:xfrm>
           <a:prstGeom prst="rect">
             <a:avLst/>
@@ -8027,10 +7669,10 @@
       </p:sp>
       <p:sp>
         <p:nvSpPr>
-          <p:cNvPr id="18" name="Rounded Rectangle 9">
+          <p:cNvPr id="20" name="Rounded Rectangle 9">
             <a:extLst>
               <a:ext uri="{FF2B5EF4-FFF2-40B4-BE49-F238E27FC236}">
-                <a16:creationId xmlns:a16="http://schemas.microsoft.com/office/drawing/2014/main" id="{72F84B47-E267-4194-8194-831DB7B5547F}"/>
+                <a16:creationId xmlns:a16="http://schemas.microsoft.com/office/drawing/2014/main" id="{F263A0B5-F8C4-4116-809F-78A768EA79A6}"/>
               </a:ext>
               <a:ext uri="{C183D7F6-B498-43B3-948B-1728B52AA6E4}">
                 <adec:decorative xmlns:adec="http://schemas.microsoft.com/office/drawing/2017/decorative" val="1"/>
@@ -8050,8 +7692,8 @@
         </p:nvSpPr>
         <p:spPr>
           <a:xfrm>
-            <a:off x="5123688" y="484632"/>
-            <a:ext cx="6584098" cy="5739187"/>
+            <a:off x="6577582" y="484632"/>
+            <a:ext cx="5130204" cy="5739187"/>
           </a:xfrm>
           <a:prstGeom prst="roundRect">
             <a:avLst>
@@ -8104,11 +7746,13 @@
           <p:cNvPr id="4" name="Picture 3">
             <a:extLst>
               <a:ext uri="{FF2B5EF4-FFF2-40B4-BE49-F238E27FC236}">
-                <a16:creationId xmlns:a16="http://schemas.microsoft.com/office/drawing/2014/main" id="{57BD3FB7-D959-40BD-BE6C-382D10DC4314}"/>
+                <a16:creationId xmlns:a16="http://schemas.microsoft.com/office/drawing/2014/main" id="{867AA318-B6F5-4146-923B-126F45A8283E}"/>
               </a:ext>
             </a:extLst>
           </p:cNvPr>
-          <p:cNvPicPr/>
+          <p:cNvPicPr>
+            <a:picLocks noChangeAspect="1"/>
+          </p:cNvPicPr>
           <p:nvPr/>
         </p:nvPicPr>
         <p:blipFill>
@@ -8119,8 +7763,8 @@
         </p:blipFill>
         <p:spPr>
           <a:xfrm>
-            <a:off x="6685310" y="965595"/>
-            <a:ext cx="3460853" cy="4773591"/>
+            <a:off x="7060689" y="2172693"/>
+            <a:ext cx="4163991" cy="2363064"/>
           </a:xfrm>
           <a:prstGeom prst="rect">
             <a:avLst/>
@@ -8131,7 +7775,7 @@
     </p:spTree>
     <p:extLst>
       <p:ext uri="{BB962C8B-B14F-4D97-AF65-F5344CB8AC3E}">
-        <p14:creationId xmlns:p14="http://schemas.microsoft.com/office/powerpoint/2010/main" val="692351223"/>
+        <p14:creationId xmlns:p14="http://schemas.microsoft.com/office/powerpoint/2010/main" val="3865222980"/>
       </p:ext>
     </p:extLst>
   </p:cSld>
@@ -8141,7 +7785,7 @@
 </p:sld>
 </file>
 
-<file path=ppt/slides/slide18.xml><?xml version="1.0" encoding="utf-8"?>
+<file path=ppt/slides/slide17.xml><?xml version="1.0" encoding="utf-8"?>
 <p:sld xmlns:a="http://schemas.openxmlformats.org/drawingml/2006/main" xmlns:r="http://schemas.openxmlformats.org/officeDocument/2006/relationships" xmlns:p="http://schemas.openxmlformats.org/presentationml/2006/main">
   <p:cSld>
     <p:spTree>
@@ -8163,7 +7807,7 @@
           <p:cNvPr id="2" name="Title 1">
             <a:extLst>
               <a:ext uri="{FF2B5EF4-FFF2-40B4-BE49-F238E27FC236}">
-                <a16:creationId xmlns:a16="http://schemas.microsoft.com/office/drawing/2014/main" id="{8D4E5DDB-4D99-422E-8971-14B54F636B54}"/>
+                <a16:creationId xmlns:a16="http://schemas.microsoft.com/office/drawing/2014/main" id="{2747D681-E0DF-4087-838E-4D59431C6C83}"/>
               </a:ext>
             </a:extLst>
           </p:cNvPr>
@@ -8174,7 +7818,12 @@
             <p:ph type="title"/>
           </p:nvPr>
         </p:nvSpPr>
-        <p:spPr/>
+        <p:spPr>
+          <a:xfrm>
+            <a:off x="834260" y="766088"/>
+            <a:ext cx="10515600" cy="466675"/>
+          </a:xfrm>
+        </p:spPr>
         <p:txBody>
           <a:bodyPr>
             <a:noAutofit/>
@@ -8189,7 +7838,7 @@
                 <a:latin typeface="+mj-lt"/>
                 <a:cs typeface="+mj-cs"/>
               </a:rPr>
-              <a:t>Adding</a:t>
+              <a:t>Architecture</a:t>
             </a:r>
             <a:r>
               <a:rPr lang="en-CH" sz="2800" b="1" dirty="0"/>
@@ -8203,21 +7852,7 @@
                 <a:latin typeface="+mj-lt"/>
                 <a:cs typeface="+mj-cs"/>
               </a:rPr>
-              <a:t>Dropout</a:t>
-            </a:r>
-            <a:r>
-              <a:rPr lang="en-CH" sz="2800" b="1" dirty="0"/>
-              <a:t> </a:t>
-            </a:r>
-            <a:r>
-              <a:rPr lang="en-CH" sz="2800" dirty="0">
-                <a:solidFill>
-                  <a:schemeClr val="tx1"/>
-                </a:solidFill>
-                <a:latin typeface="+mj-lt"/>
-                <a:cs typeface="+mj-cs"/>
-              </a:rPr>
-              <a:t>into</a:t>
+              <a:t>of</a:t>
             </a:r>
             <a:r>
               <a:rPr lang="en-CH" sz="2800" b="1" dirty="0"/>
@@ -8245,53 +7880,7 @@
                 <a:latin typeface="+mj-lt"/>
                 <a:cs typeface="+mj-cs"/>
               </a:rPr>
-              <a:t>Network</a:t>
-            </a:r>
-            <a:r>
-              <a:rPr lang="en-US" sz="2800" b="1" dirty="0"/>
-              <a:t> </a:t>
-            </a:r>
-            <a:r>
-              <a:rPr lang="en-US" sz="2800" dirty="0">
-                <a:solidFill>
-                  <a:schemeClr val="tx1"/>
-                </a:solidFill>
-                <a:latin typeface="+mj-lt"/>
-                <a:cs typeface="+mj-cs"/>
-              </a:rPr>
-              <a:t>to</a:t>
-            </a:r>
-            <a:r>
-              <a:rPr lang="en-US" sz="2800" b="1" dirty="0"/>
-              <a:t> </a:t>
-            </a:r>
-            <a:r>
-              <a:rPr lang="en-US" sz="2800" dirty="0">
-                <a:solidFill>
-                  <a:schemeClr val="tx1"/>
-                </a:solidFill>
-                <a:latin typeface="+mj-lt"/>
-                <a:cs typeface="+mj-cs"/>
-              </a:rPr>
-              <a:t>overcome</a:t>
-            </a:r>
-            <a:r>
-              <a:rPr lang="en-US" sz="2800" b="1" dirty="0"/>
-              <a:t> </a:t>
-            </a:r>
-            <a:r>
-              <a:rPr lang="en-US" sz="2800" dirty="0">
-                <a:solidFill>
-                  <a:schemeClr val="tx1"/>
-                </a:solidFill>
-                <a:latin typeface="+mj-lt"/>
-                <a:cs typeface="+mj-cs"/>
-              </a:rPr>
-              <a:t>overfitting</a:t>
-            </a:r>
-            <a:r>
-              <a:rPr lang="en-US" sz="2800" b="1" dirty="0"/>
-              <a:t> </a:t>
+              <a:t>Model</a:t>
             </a:r>
             <a:br>
               <a:rPr lang="en-CH" sz="2800" b="1" dirty="0"/>
@@ -8305,7 +7894,7 @@
           <p:cNvPr id="3" name="Content Placeholder 2">
             <a:extLst>
               <a:ext uri="{FF2B5EF4-FFF2-40B4-BE49-F238E27FC236}">
-                <a16:creationId xmlns:a16="http://schemas.microsoft.com/office/drawing/2014/main" id="{362027A7-D313-428C-8B75-F50D2BBE9D37}"/>
+                <a16:creationId xmlns:a16="http://schemas.microsoft.com/office/drawing/2014/main" id="{24C2927F-B4A2-4297-B620-BA4881373916}"/>
               </a:ext>
             </a:extLst>
           </p:cNvPr>
@@ -8318,171 +7907,643 @@
         </p:nvSpPr>
         <p:spPr>
           <a:xfrm>
-            <a:off x="834260" y="1677890"/>
+            <a:off x="838200" y="1677890"/>
             <a:ext cx="10515600" cy="4351338"/>
           </a:xfrm>
         </p:spPr>
         <p:txBody>
           <a:bodyPr/>
           <a:lstStyle/>
+          <a:p>
+            <a:pPr marL="0" indent="0">
+              <a:buNone/>
+            </a:pPr>
+            <a:r>
+              <a:rPr lang="en-CH" dirty="0"/>
+              <a:t> </a:t>
+            </a:r>
+          </a:p>
+          <a:p>
+            <a:pPr marL="0" indent="0">
+              <a:buNone/>
+            </a:pPr>
+            <a:r>
+              <a:rPr lang="en-CH" dirty="0"/>
+              <a:t>We will use three convolutional layers: </a:t>
+            </a:r>
+          </a:p>
+          <a:p>
+            <a:pPr marL="0" lvl="0" indent="0">
+              <a:buNone/>
+            </a:pPr>
+            <a:r>
+              <a:rPr lang="en-CH" dirty="0"/>
+              <a:t>The first layer will have 32-3 x 3 filters,</a:t>
+            </a:r>
+            <a:endParaRPr lang="en-US" dirty="0"/>
+          </a:p>
+          <a:p>
+            <a:pPr marL="0" lvl="0" indent="0">
+              <a:buNone/>
+            </a:pPr>
+            <a:r>
+              <a:rPr lang="en-CH" dirty="0"/>
+              <a:t>The second layer will have 64-3 x 3 filters and</a:t>
+            </a:r>
+            <a:endParaRPr lang="en-US" dirty="0"/>
+          </a:p>
+          <a:p>
+            <a:pPr marL="0" lvl="0" indent="0">
+              <a:buNone/>
+            </a:pPr>
+            <a:r>
+              <a:rPr lang="en-US" dirty="0"/>
+              <a:t>Th</a:t>
+            </a:r>
+            <a:r>
+              <a:rPr lang="en-CH" dirty="0"/>
+              <a:t>e third layer will have 128-3 x 3 filters.</a:t>
+            </a:r>
+          </a:p>
+          <a:p>
+            <a:pPr marL="0" indent="0">
+              <a:buNone/>
+            </a:pPr>
+            <a:r>
+              <a:rPr lang="en-CH" dirty="0"/>
+              <a:t>In addition, there are three max-pooling layers each of size 2 x 2</a:t>
+            </a:r>
+            <a:endParaRPr lang="en-US" dirty="0"/>
+          </a:p>
+          <a:p>
+            <a:pPr marL="0" indent="0">
+              <a:buNone/>
+            </a:pPr>
+            <a:endParaRPr lang="en-US" dirty="0"/>
+          </a:p>
+          <a:p>
+            <a:pPr marL="0" indent="0">
+              <a:buNone/>
+            </a:pPr>
+            <a:endParaRPr lang="en-US" dirty="0"/>
+          </a:p>
+          <a:p>
+            <a:pPr marL="0" indent="0">
+              <a:buNone/>
+            </a:pPr>
+            <a:endParaRPr lang="en-US" dirty="0"/>
+          </a:p>
+          <a:p>
+            <a:pPr marL="0" indent="0">
+              <a:buNone/>
+            </a:pPr>
+            <a:r>
+              <a:rPr lang="en-CH" dirty="0"/>
+              <a:t>Leaky </a:t>
+            </a:r>
+            <a:r>
+              <a:rPr lang="en-CH" dirty="0" err="1"/>
+              <a:t>ReLU</a:t>
+            </a:r>
+            <a:r>
+              <a:rPr lang="en-CH" dirty="0"/>
+              <a:t> </a:t>
+            </a:r>
+            <a:r>
+              <a:rPr lang="en-US" dirty="0"/>
+              <a:t>is used as </a:t>
+            </a:r>
+            <a:r>
+              <a:rPr lang="en-CH" dirty="0"/>
+              <a:t>the activation function</a:t>
+            </a:r>
+          </a:p>
+          <a:p>
+            <a:pPr marL="0" indent="0">
+              <a:buNone/>
+            </a:pPr>
+            <a:endParaRPr lang="en-US" dirty="0"/>
+          </a:p>
+          <a:p>
+            <a:pPr marL="0" indent="0">
+              <a:buNone/>
+            </a:pPr>
+            <a:endParaRPr lang="en-CH" dirty="0"/>
+          </a:p>
+        </p:txBody>
+      </p:sp>
+      <p:pic>
+        <p:nvPicPr>
+          <p:cNvPr id="4" name="Picture 3">
+            <a:extLst>
+              <a:ext uri="{FF2B5EF4-FFF2-40B4-BE49-F238E27FC236}">
+                <a16:creationId xmlns:a16="http://schemas.microsoft.com/office/drawing/2014/main" id="{1ADA7874-372F-4D4A-8C13-0EE1D34DF5BF}"/>
+              </a:ext>
+            </a:extLst>
+          </p:cNvPr>
+          <p:cNvPicPr/>
+          <p:nvPr/>
+        </p:nvPicPr>
+        <p:blipFill rotWithShape="1">
+          <a:blip r:embed="rId3"/>
+          <a:srcRect l="-5438" t="1254" r="-22" b="-1254"/>
+          <a:stretch/>
+        </p:blipFill>
+        <p:spPr>
+          <a:xfrm>
+            <a:off x="5936196" y="1914525"/>
+            <a:ext cx="6044522" cy="1657350"/>
+          </a:xfrm>
+          <a:prstGeom prst="rect">
+            <a:avLst/>
+          </a:prstGeom>
+        </p:spPr>
+      </p:pic>
+      <p:sp>
+        <p:nvSpPr>
+          <p:cNvPr id="5" name="Rectangle 4">
+            <a:extLst>
+              <a:ext uri="{FF2B5EF4-FFF2-40B4-BE49-F238E27FC236}">
+                <a16:creationId xmlns:a16="http://schemas.microsoft.com/office/drawing/2014/main" id="{81746550-9EED-4F31-8F40-E6764088BEB1}"/>
+              </a:ext>
+            </a:extLst>
+          </p:cNvPr>
+          <p:cNvSpPr/>
+          <p:nvPr/>
+        </p:nvSpPr>
+        <p:spPr>
+          <a:xfrm>
+            <a:off x="6442364" y="1995054"/>
+            <a:ext cx="1039091" cy="665019"/>
+          </a:xfrm>
+          <a:prstGeom prst="rect">
+            <a:avLst/>
+          </a:prstGeom>
+        </p:spPr>
+        <p:style>
+          <a:lnRef idx="2">
+            <a:schemeClr val="accent1">
+              <a:shade val="50000"/>
+            </a:schemeClr>
+          </a:lnRef>
+          <a:fillRef idx="1">
+            <a:schemeClr val="accent1"/>
+          </a:fillRef>
+          <a:effectRef idx="0">
+            <a:schemeClr val="accent1"/>
+          </a:effectRef>
+          <a:fontRef idx="minor">
+            <a:schemeClr val="lt1"/>
+          </a:fontRef>
+        </p:style>
+        <p:txBody>
+          <a:bodyPr rtlCol="0" anchor="ctr"/>
+          <a:lstStyle/>
+          <a:p>
+            <a:pPr algn="ctr"/>
+            <a:r>
+              <a:rPr lang="en-US" dirty="0"/>
+              <a:t>Input </a:t>
+            </a:r>
+            <a:endParaRPr lang="en-CH" dirty="0"/>
+          </a:p>
+        </p:txBody>
+      </p:sp>
+      <p:sp>
+        <p:nvSpPr>
+          <p:cNvPr id="6" name="Rectangle 5">
+            <a:extLst>
+              <a:ext uri="{FF2B5EF4-FFF2-40B4-BE49-F238E27FC236}">
+                <a16:creationId xmlns:a16="http://schemas.microsoft.com/office/drawing/2014/main" id="{3139DD33-4104-427E-8EC8-787395E104BE}"/>
+              </a:ext>
+            </a:extLst>
+          </p:cNvPr>
+          <p:cNvSpPr/>
+          <p:nvPr/>
+        </p:nvSpPr>
+        <p:spPr>
+          <a:xfrm>
+            <a:off x="6761019" y="2783464"/>
+            <a:ext cx="1039091" cy="665019"/>
+          </a:xfrm>
+          <a:prstGeom prst="rect">
+            <a:avLst/>
+          </a:prstGeom>
+        </p:spPr>
+        <p:style>
+          <a:lnRef idx="2">
+            <a:schemeClr val="accent1">
+              <a:shade val="50000"/>
+            </a:schemeClr>
+          </a:lnRef>
+          <a:fillRef idx="1">
+            <a:schemeClr val="accent1"/>
+          </a:fillRef>
+          <a:effectRef idx="0">
+            <a:schemeClr val="accent1"/>
+          </a:effectRef>
+          <a:fontRef idx="minor">
+            <a:schemeClr val="lt1"/>
+          </a:fontRef>
+        </p:style>
+        <p:txBody>
+          <a:bodyPr rtlCol="0" anchor="ctr"/>
+          <a:lstStyle/>
+          <a:p>
+            <a:pPr algn="ctr"/>
+            <a:r>
+              <a:rPr lang="en-US" dirty="0"/>
+              <a:t>Output </a:t>
+            </a:r>
+            <a:endParaRPr lang="en-CH" dirty="0"/>
+          </a:p>
+        </p:txBody>
+      </p:sp>
+    </p:spTree>
+    <p:extLst>
+      <p:ext uri="{BB962C8B-B14F-4D97-AF65-F5344CB8AC3E}">
+        <p14:creationId xmlns:p14="http://schemas.microsoft.com/office/powerpoint/2010/main" val="616259699"/>
+      </p:ext>
+    </p:extLst>
+  </p:cSld>
+  <p:clrMapOvr>
+    <a:masterClrMapping/>
+  </p:clrMapOvr>
+</p:sld>
+</file>
+
+<file path=ppt/slides/slide18.xml><?xml version="1.0" encoding="utf-8"?>
+<p:sld xmlns:a="http://schemas.openxmlformats.org/drawingml/2006/main" xmlns:r="http://schemas.openxmlformats.org/officeDocument/2006/relationships" xmlns:p="http://schemas.openxmlformats.org/presentationml/2006/main">
+  <p:cSld>
+    <p:bg>
+      <p:bgPr>
+        <a:solidFill>
+          <a:schemeClr val="bg1"/>
+        </a:solidFill>
+        <a:effectLst/>
+      </p:bgPr>
+    </p:bg>
+    <p:spTree>
+      <p:nvGrpSpPr>
+        <p:cNvPr id="1" name=""/>
+        <p:cNvGrpSpPr/>
+        <p:nvPr/>
+      </p:nvGrpSpPr>
+      <p:grpSpPr>
+        <a:xfrm>
+          <a:off x="0" y="0"/>
+          <a:ext cx="0" cy="0"/>
+          <a:chOff x="0" y="0"/>
+          <a:chExt cx="0" cy="0"/>
+        </a:xfrm>
+      </p:grpSpPr>
+      <p:sp>
+        <p:nvSpPr>
+          <p:cNvPr id="2" name="Title 1">
+            <a:extLst>
+              <a:ext uri="{FF2B5EF4-FFF2-40B4-BE49-F238E27FC236}">
+                <a16:creationId xmlns:a16="http://schemas.microsoft.com/office/drawing/2014/main" id="{7F72AE1B-DDF1-4CA6-A24E-D3F77149F9C7}"/>
+              </a:ext>
+            </a:extLst>
+          </p:cNvPr>
+          <p:cNvSpPr>
+            <a:spLocks noGrp="1"/>
+          </p:cNvSpPr>
+          <p:nvPr>
+            <p:ph type="title"/>
+          </p:nvPr>
+        </p:nvSpPr>
+        <p:spPr>
+          <a:xfrm>
+            <a:off x="763229" y="495357"/>
+            <a:ext cx="3505495" cy="815070"/>
+          </a:xfrm>
+        </p:spPr>
+        <p:txBody>
+          <a:bodyPr vert="horz" lIns="91440" tIns="45720" rIns="91440" bIns="45720" rtlCol="0" anchor="ctr">
+            <a:normAutofit/>
+          </a:bodyPr>
+          <a:lstStyle/>
+          <a:p>
+            <a:r>
+              <a:rPr lang="en-US" sz="2800" kern="1200" dirty="0">
+                <a:solidFill>
+                  <a:schemeClr val="tx1"/>
+                </a:solidFill>
+                <a:latin typeface="+mj-lt"/>
+                <a:ea typeface="+mj-ea"/>
+                <a:cs typeface="+mj-cs"/>
+              </a:rPr>
+              <a:t>Results </a:t>
+            </a:r>
+          </a:p>
+        </p:txBody>
+      </p:sp>
+      <p:sp>
+        <p:nvSpPr>
+          <p:cNvPr id="3" name="Content Placeholder 2">
+            <a:extLst>
+              <a:ext uri="{FF2B5EF4-FFF2-40B4-BE49-F238E27FC236}">
+                <a16:creationId xmlns:a16="http://schemas.microsoft.com/office/drawing/2014/main" id="{BE6F26E1-30B7-4E2E-AF94-99F51E33D829}"/>
+              </a:ext>
+            </a:extLst>
+          </p:cNvPr>
+          <p:cNvSpPr>
+            <a:spLocks noGrp="1"/>
+          </p:cNvSpPr>
+          <p:nvPr>
+            <p:ph idx="1"/>
+          </p:nvPr>
+        </p:nvSpPr>
+        <p:spPr>
+          <a:xfrm>
+            <a:off x="841663" y="1818416"/>
+            <a:ext cx="3312761" cy="4405404"/>
+          </a:xfrm>
+        </p:spPr>
+        <p:txBody>
+          <a:bodyPr vert="horz" lIns="91440" tIns="45720" rIns="91440" bIns="45720" rtlCol="0">
+            <a:normAutofit/>
+          </a:bodyPr>
+          <a:lstStyle/>
+          <a:p>
+            <a:pPr marL="0" indent="0">
+              <a:buNone/>
+            </a:pPr>
+            <a:r>
+              <a:rPr lang="en-US" sz="1700" dirty="0">
+                <a:solidFill>
+                  <a:schemeClr val="tx1"/>
+                </a:solidFill>
+                <a:latin typeface="+mn-lt"/>
+              </a:rPr>
+              <a:t>Model Evaluation:</a:t>
+            </a:r>
+          </a:p>
+          <a:p>
+            <a:pPr marL="0" indent="0">
+              <a:buNone/>
+            </a:pPr>
+            <a:r>
+              <a:rPr lang="en-US" sz="1700" dirty="0">
+                <a:solidFill>
+                  <a:schemeClr val="tx1"/>
+                </a:solidFill>
+                <a:latin typeface="+mn-lt"/>
+              </a:rPr>
+              <a:t>Test accuracy: 0.70</a:t>
+            </a:r>
+          </a:p>
+          <a:p>
+            <a:pPr marL="0" indent="0">
+              <a:buNone/>
+            </a:pPr>
+            <a:r>
+              <a:rPr lang="en-US" sz="1700" dirty="0">
+                <a:solidFill>
+                  <a:schemeClr val="tx1"/>
+                </a:solidFill>
+                <a:latin typeface="+mn-lt"/>
+              </a:rPr>
+              <a:t>Test loss: 1.2</a:t>
+            </a:r>
+          </a:p>
+          <a:p>
+            <a:pPr marL="0" indent="0">
+              <a:buNone/>
+            </a:pPr>
+            <a:endParaRPr lang="en-US" sz="1700" dirty="0">
+              <a:solidFill>
+                <a:schemeClr val="tx1"/>
+              </a:solidFill>
+              <a:latin typeface="+mn-lt"/>
+              <a:cs typeface="+mn-cs"/>
+            </a:endParaRPr>
+          </a:p>
+          <a:p>
+            <a:pPr marL="0" indent="0">
+              <a:buNone/>
+            </a:pPr>
+            <a:endParaRPr lang="en-US" sz="1700" dirty="0">
+              <a:solidFill>
+                <a:schemeClr val="tx1"/>
+              </a:solidFill>
+              <a:latin typeface="+mn-lt"/>
+              <a:cs typeface="+mn-cs"/>
+            </a:endParaRPr>
+          </a:p>
           <a:p>
             <a:pPr marL="0" indent="0" algn="just">
               <a:buNone/>
             </a:pPr>
             <a:r>
-              <a:rPr lang="en-CH" dirty="0">
+              <a:rPr lang="en-US" sz="1700" dirty="0">
+                <a:solidFill>
+                  <a:schemeClr val="tx1"/>
+                </a:solidFill>
                 <a:latin typeface="+mn-lt"/>
+                <a:cs typeface="+mn-cs"/>
               </a:rPr>
-              <a:t>Dropout randomly turns off a fraction of neurons during the training process, reducing the dependency on the training set by some amount. How many fractions of neurons you want to turn off is decided by a hyperparameter, which can be tuned accordingly. This way, turning off some neurons will not allow the network to memorize the training data since not all the neurons will be active at the same time and the inactive neurons will not be able to learn anything</a:t>
-            </a:r>
-            <a:endParaRPr lang="en-US" dirty="0">
-              <a:latin typeface="+mn-lt"/>
-            </a:endParaRPr>
-          </a:p>
-          <a:p>
-            <a:endParaRPr lang="en-US" dirty="0">
-              <a:latin typeface="+mn-lt"/>
-            </a:endParaRPr>
-          </a:p>
-          <a:p>
-            <a:pPr marL="0" indent="0">
+              <a:t>The model is overfitting.</a:t>
+            </a:r>
+          </a:p>
+          <a:p>
+            <a:pPr marL="0" indent="0" algn="just">
               <a:buNone/>
             </a:pPr>
             <a:r>
-              <a:rPr lang="en-US" dirty="0">
+              <a:rPr lang="en-US" sz="1700" dirty="0">
+                <a:solidFill>
+                  <a:schemeClr val="tx1"/>
+                </a:solidFill>
                 <a:latin typeface="+mn-lt"/>
+                <a:cs typeface="+mn-cs"/>
               </a:rPr>
-              <a:t>Model Evaluation after adding dropout:</a:t>
-            </a:r>
-          </a:p>
-          <a:p>
-            <a:endParaRPr lang="en-US" dirty="0">
+              <a:t>Overfitting gives an intuition that the network has memorized the training data very well but is not guaranteed to work on unseen data, and that is why there is a difference in the training and validation accuracy.</a:t>
+            </a:r>
+          </a:p>
+          <a:p>
+            <a:pPr marL="0"/>
+            <a:endParaRPr lang="en-US" sz="1700" dirty="0">
+              <a:solidFill>
+                <a:schemeClr val="tx1"/>
+              </a:solidFill>
               <a:latin typeface="+mn-lt"/>
+              <a:cs typeface="+mn-cs"/>
             </a:endParaRPr>
           </a:p>
-          <a:p>
-            <a:pPr marL="0" indent="0" eaLnBrk="0" fontAlgn="base" hangingPunct="0">
-              <a:lnSpc>
-                <a:spcPct val="100000"/>
-              </a:lnSpc>
-              <a:spcBef>
-                <a:spcPct val="0"/>
-              </a:spcBef>
-              <a:spcAft>
-                <a:spcPct val="0"/>
-              </a:spcAft>
-              <a:buNone/>
-            </a:pPr>
-            <a:r>
-              <a:rPr lang="en-CH" altLang="en-CH" dirty="0">
-                <a:latin typeface="+mn-lt"/>
-              </a:rPr>
-              <a:t>Test accuracy: 0.6</a:t>
-            </a:r>
-            <a:r>
-              <a:rPr lang="en-US" altLang="en-CH" dirty="0">
-                <a:latin typeface="+mn-lt"/>
-              </a:rPr>
-              <a:t>9</a:t>
-            </a:r>
-            <a:r>
-              <a:rPr lang="en-CH" altLang="en-CH" dirty="0">
-                <a:latin typeface="+mn-lt"/>
-              </a:rPr>
-              <a:t> </a:t>
-            </a:r>
-          </a:p>
-          <a:p>
-            <a:pPr marL="0" lvl="0" indent="0" eaLnBrk="0" fontAlgn="base" hangingPunct="0">
-              <a:lnSpc>
-                <a:spcPct val="100000"/>
-              </a:lnSpc>
-              <a:spcBef>
-                <a:spcPct val="0"/>
-              </a:spcBef>
-              <a:spcAft>
-                <a:spcPct val="0"/>
-              </a:spcAft>
-              <a:buNone/>
-            </a:pPr>
-            <a:r>
-              <a:rPr lang="en-CH" altLang="en-CH" dirty="0">
-                <a:latin typeface="+mn-lt"/>
-              </a:rPr>
-              <a:t>Test loss: 0.8</a:t>
-            </a:r>
-            <a:r>
-              <a:rPr lang="en-US" altLang="en-CH" dirty="0">
-                <a:latin typeface="+mn-lt"/>
-              </a:rPr>
-              <a:t>1</a:t>
-            </a:r>
-          </a:p>
-          <a:p>
-            <a:pPr marL="0" lvl="0" indent="0" eaLnBrk="0" fontAlgn="base" hangingPunct="0">
-              <a:lnSpc>
-                <a:spcPct val="100000"/>
-              </a:lnSpc>
-              <a:spcBef>
-                <a:spcPct val="0"/>
-              </a:spcBef>
-              <a:spcAft>
-                <a:spcPct val="0"/>
-              </a:spcAft>
-              <a:buNone/>
-            </a:pPr>
-            <a:endParaRPr lang="en-US" altLang="en-CH" dirty="0">
-              <a:latin typeface="+mn-lt"/>
-            </a:endParaRPr>
-          </a:p>
-          <a:p>
-            <a:pPr marL="0" lvl="0" indent="0" eaLnBrk="0" fontAlgn="base" hangingPunct="0">
-              <a:lnSpc>
-                <a:spcPct val="100000"/>
-              </a:lnSpc>
-              <a:spcBef>
-                <a:spcPct val="0"/>
-              </a:spcBef>
-              <a:spcAft>
-                <a:spcPct val="0"/>
-              </a:spcAft>
-              <a:buNone/>
-            </a:pPr>
-            <a:endParaRPr lang="en-US" altLang="en-CH" dirty="0">
-              <a:latin typeface="+mn-lt"/>
-            </a:endParaRPr>
-          </a:p>
-          <a:p>
-            <a:pPr marL="0" lvl="0" indent="0" eaLnBrk="0" fontAlgn="base" hangingPunct="0">
-              <a:lnSpc>
-                <a:spcPct val="100000"/>
-              </a:lnSpc>
-              <a:spcBef>
-                <a:spcPct val="0"/>
-              </a:spcBef>
-              <a:spcAft>
-                <a:spcPct val="0"/>
-              </a:spcAft>
-              <a:buNone/>
-            </a:pPr>
-            <a:r>
-              <a:rPr lang="en-CH" altLang="en-CH" dirty="0">
-                <a:latin typeface="+mn-lt"/>
-              </a:rPr>
-              <a:t>Looks like adding Dropout in our model worked, even though the test accuracy did not improve significantly but the test loss decreased compared to the previous results.</a:t>
-            </a:r>
-          </a:p>
-          <a:p>
-            <a:endParaRPr lang="en-CH" dirty="0">
-              <a:latin typeface="+mn-lt"/>
-            </a:endParaRPr>
-          </a:p>
-        </p:txBody>
-      </p:sp>
+        </p:txBody>
+      </p:sp>
+      <p:sp>
+        <p:nvSpPr>
+          <p:cNvPr id="16" name="Rectangle 15">
+            <a:extLst>
+              <a:ext uri="{FF2B5EF4-FFF2-40B4-BE49-F238E27FC236}">
+                <a16:creationId xmlns:a16="http://schemas.microsoft.com/office/drawing/2014/main" id="{5E39A796-BE83-48B1-B33F-35C4A32AAB57}"/>
+              </a:ext>
+              <a:ext uri="{C183D7F6-B498-43B3-948B-1728B52AA6E4}">
+                <adec:decorative xmlns:adec="http://schemas.microsoft.com/office/drawing/2017/decorative" val="1"/>
+              </a:ext>
+            </a:extLst>
+          </p:cNvPr>
+          <p:cNvSpPr>
+            <a:spLocks noGrp="1" noRot="1" noChangeAspect="1" noMove="1" noResize="1" noEditPoints="1" noAdjustHandles="1" noChangeArrowheads="1" noChangeShapeType="1" noTextEdit="1"/>
+          </p:cNvSpPr>
+          <p:nvPr>
+            <p:extLst>
+              <p:ext uri="{386F3935-93C4-4BCD-93E2-E3B085C9AB24}">
+                <p16:designElem xmlns:p16="http://schemas.microsoft.com/office/powerpoint/2015/main" val="1"/>
+              </p:ext>
+            </p:extLst>
+          </p:nvPr>
+        </p:nvSpPr>
+        <p:spPr>
+          <a:xfrm>
+            <a:off x="4639056" y="0"/>
+            <a:ext cx="7552944" cy="6858000"/>
+          </a:xfrm>
+          <a:prstGeom prst="rect">
+            <a:avLst/>
+          </a:prstGeom>
+          <a:solidFill>
+            <a:srgbClr val="C8CACA"/>
+          </a:solidFill>
+          <a:ln>
+            <a:noFill/>
+          </a:ln>
+        </p:spPr>
+        <p:style>
+          <a:lnRef idx="2">
+            <a:schemeClr val="accent1">
+              <a:shade val="50000"/>
+            </a:schemeClr>
+          </a:lnRef>
+          <a:fillRef idx="1">
+            <a:schemeClr val="accent1"/>
+          </a:fillRef>
+          <a:effectRef idx="0">
+            <a:schemeClr val="accent1"/>
+          </a:effectRef>
+          <a:fontRef idx="minor">
+            <a:schemeClr val="lt1"/>
+          </a:fontRef>
+        </p:style>
+        <p:txBody>
+          <a:bodyPr rtlCol="0" anchor="ctr"/>
+          <a:lstStyle/>
+          <a:p>
+            <a:pPr algn="ctr"/>
+            <a:endParaRPr lang="en-US"/>
+          </a:p>
+        </p:txBody>
+      </p:sp>
+      <p:sp>
+        <p:nvSpPr>
+          <p:cNvPr id="18" name="Rounded Rectangle 9">
+            <a:extLst>
+              <a:ext uri="{FF2B5EF4-FFF2-40B4-BE49-F238E27FC236}">
+                <a16:creationId xmlns:a16="http://schemas.microsoft.com/office/drawing/2014/main" id="{72F84B47-E267-4194-8194-831DB7B5547F}"/>
+              </a:ext>
+              <a:ext uri="{C183D7F6-B498-43B3-948B-1728B52AA6E4}">
+                <adec:decorative xmlns:adec="http://schemas.microsoft.com/office/drawing/2017/decorative" val="1"/>
+              </a:ext>
+            </a:extLst>
+          </p:cNvPr>
+          <p:cNvSpPr>
+            <a:spLocks noGrp="1" noRot="1" noChangeAspect="1" noMove="1" noResize="1" noEditPoints="1" noAdjustHandles="1" noChangeArrowheads="1" noChangeShapeType="1" noTextEdit="1"/>
+          </p:cNvSpPr>
+          <p:nvPr>
+            <p:extLst>
+              <p:ext uri="{386F3935-93C4-4BCD-93E2-E3B085C9AB24}">
+                <p16:designElem xmlns:p16="http://schemas.microsoft.com/office/powerpoint/2015/main" val="1"/>
+              </p:ext>
+            </p:extLst>
+          </p:nvPr>
+        </p:nvSpPr>
+        <p:spPr>
+          <a:xfrm>
+            <a:off x="5123688" y="484632"/>
+            <a:ext cx="6584098" cy="5739187"/>
+          </a:xfrm>
+          <a:prstGeom prst="roundRect">
+            <a:avLst>
+              <a:gd name="adj" fmla="val 0"/>
+            </a:avLst>
+          </a:prstGeom>
+          <a:solidFill>
+            <a:srgbClr val="FFFFFF"/>
+          </a:solidFill>
+          <a:ln w="9525">
+            <a:solidFill>
+              <a:srgbClr val="C8CACA"/>
+            </a:solidFill>
+          </a:ln>
+          <a:effectLst>
+            <a:outerShdw blurRad="57150" dist="19050" dir="5400000" algn="t" rotWithShape="0">
+              <a:prstClr val="black">
+                <a:alpha val="63000"/>
+              </a:prstClr>
+            </a:outerShdw>
+          </a:effectLst>
+        </p:spPr>
+        <p:style>
+          <a:lnRef idx="2">
+            <a:schemeClr val="accent1">
+              <a:shade val="50000"/>
+            </a:schemeClr>
+          </a:lnRef>
+          <a:fillRef idx="1">
+            <a:schemeClr val="accent1"/>
+          </a:fillRef>
+          <a:effectRef idx="0">
+            <a:schemeClr val="accent1"/>
+          </a:effectRef>
+          <a:fontRef idx="minor">
+            <a:schemeClr val="lt1"/>
+          </a:fontRef>
+        </p:style>
+        <p:txBody>
+          <a:bodyPr rtlCol="0" anchor="ctr"/>
+          <a:lstStyle/>
+          <a:p>
+            <a:pPr algn="ctr"/>
+            <a:endParaRPr lang="en-US"/>
+          </a:p>
+        </p:txBody>
+      </p:sp>
+      <p:pic>
+        <p:nvPicPr>
+          <p:cNvPr id="4" name="Picture 3">
+            <a:extLst>
+              <a:ext uri="{FF2B5EF4-FFF2-40B4-BE49-F238E27FC236}">
+                <a16:creationId xmlns:a16="http://schemas.microsoft.com/office/drawing/2014/main" id="{57BD3FB7-D959-40BD-BE6C-382D10DC4314}"/>
+              </a:ext>
+            </a:extLst>
+          </p:cNvPr>
+          <p:cNvPicPr/>
+          <p:nvPr/>
+        </p:nvPicPr>
+        <p:blipFill>
+          <a:blip r:embed="rId2"/>
+          <a:stretch>
+            <a:fillRect/>
+          </a:stretch>
+        </p:blipFill>
+        <p:spPr>
+          <a:xfrm>
+            <a:off x="6685310" y="965595"/>
+            <a:ext cx="3460853" cy="4773591"/>
+          </a:xfrm>
+          <a:prstGeom prst="rect">
+            <a:avLst/>
+          </a:prstGeom>
+          <a:effectLst/>
+        </p:spPr>
+      </p:pic>
     </p:spTree>
     <p:extLst>
       <p:ext uri="{BB962C8B-B14F-4D97-AF65-F5344CB8AC3E}">
-        <p14:creationId xmlns:p14="http://schemas.microsoft.com/office/powerpoint/2010/main" val="4147130101"/>
+        <p14:creationId xmlns:p14="http://schemas.microsoft.com/office/powerpoint/2010/main" val="692351223"/>
       </p:ext>
     </p:extLst>
   </p:cSld>
@@ -8514,7 +8575,7 @@
           <p:cNvPr id="2" name="Title 1">
             <a:extLst>
               <a:ext uri="{FF2B5EF4-FFF2-40B4-BE49-F238E27FC236}">
-                <a16:creationId xmlns:a16="http://schemas.microsoft.com/office/drawing/2014/main" id="{0733E7CE-FF8F-4E5B-B07E-C0C94C4ECE3B}"/>
+                <a16:creationId xmlns:a16="http://schemas.microsoft.com/office/drawing/2014/main" id="{8D4E5DDB-4D99-422E-8971-14B54F636B54}"/>
               </a:ext>
             </a:extLst>
           </p:cNvPr>
@@ -8525,19 +8586,13 @@
             <p:ph type="title"/>
           </p:nvPr>
         </p:nvSpPr>
-        <p:spPr>
-          <a:xfrm>
-            <a:off x="834260" y="462455"/>
-            <a:ext cx="11032158" cy="822263"/>
-          </a:xfrm>
-        </p:spPr>
+        <p:spPr/>
         <p:txBody>
           <a:bodyPr>
             <a:noAutofit/>
           </a:bodyPr>
           <a:lstStyle/>
           <a:p>
-            <a:pPr algn="ctr"/>
             <a:r>
               <a:rPr lang="en-CH" sz="2800" dirty="0">
                 <a:solidFill>
@@ -8549,14 +8604,7 @@
               <a:t>Adding</a:t>
             </a:r>
             <a:r>
-              <a:rPr lang="en-CH" sz="2800" dirty="0">
-                <a:solidFill>
-                  <a:schemeClr val="tx1">
-                    <a:lumMod val="65000"/>
-                    <a:lumOff val="35000"/>
-                  </a:schemeClr>
-                </a:solidFill>
-              </a:rPr>
+              <a:rPr lang="en-CH" sz="2800" b="1" dirty="0"/>
               <a:t> </a:t>
             </a:r>
             <a:r>
@@ -8570,14 +8618,7 @@
               <a:t>Dropout</a:t>
             </a:r>
             <a:r>
-              <a:rPr lang="en-CH" sz="2800" dirty="0">
-                <a:solidFill>
-                  <a:schemeClr val="tx1">
-                    <a:lumMod val="65000"/>
-                    <a:lumOff val="35000"/>
-                  </a:schemeClr>
-                </a:solidFill>
-              </a:rPr>
+              <a:rPr lang="en-CH" sz="2800" b="1" dirty="0"/>
               <a:t> </a:t>
             </a:r>
             <a:r>
@@ -8591,14 +8632,7 @@
               <a:t>into</a:t>
             </a:r>
             <a:r>
-              <a:rPr lang="en-CH" sz="2800" dirty="0">
-                <a:solidFill>
-                  <a:schemeClr val="tx1">
-                    <a:lumMod val="65000"/>
-                    <a:lumOff val="35000"/>
-                  </a:schemeClr>
-                </a:solidFill>
-              </a:rPr>
+              <a:rPr lang="en-CH" sz="2800" b="1" dirty="0"/>
               <a:t> </a:t>
             </a:r>
             <a:r>
@@ -8612,14 +8646,7 @@
               <a:t>the</a:t>
             </a:r>
             <a:r>
-              <a:rPr lang="en-CH" sz="2800" dirty="0">
-                <a:solidFill>
-                  <a:schemeClr val="tx1">
-                    <a:lumMod val="65000"/>
-                    <a:lumOff val="35000"/>
-                  </a:schemeClr>
-                </a:solidFill>
-              </a:rPr>
+              <a:rPr lang="en-CH" sz="2800" b="1" dirty="0"/>
               <a:t> </a:t>
             </a:r>
             <a:r>
@@ -8633,107 +8660,55 @@
               <a:t>Network</a:t>
             </a:r>
             <a:r>
-              <a:rPr lang="en-CH" sz="2800" dirty="0">
-                <a:solidFill>
-                  <a:schemeClr val="tx1">
-                    <a:lumMod val="65000"/>
-                    <a:lumOff val="35000"/>
-                  </a:schemeClr>
-                </a:solidFill>
-              </a:rPr>
-              <a:t>, </a:t>
-            </a:r>
-            <a:r>
-              <a:rPr lang="en-CH" sz="2800" dirty="0">
+              <a:rPr lang="en-US" sz="2800" b="1" dirty="0"/>
+              <a:t> </a:t>
+            </a:r>
+            <a:r>
+              <a:rPr lang="en-US" sz="2800" dirty="0">
                 <a:solidFill>
                   <a:schemeClr val="tx1"/>
                 </a:solidFill>
                 <a:latin typeface="+mj-lt"/>
                 <a:cs typeface="+mj-cs"/>
               </a:rPr>
-              <a:t>more</a:t>
-            </a:r>
-            <a:r>
-              <a:rPr lang="en-CH" sz="2800" dirty="0">
-                <a:solidFill>
-                  <a:schemeClr val="tx1">
-                    <a:lumMod val="65000"/>
-                    <a:lumOff val="35000"/>
-                  </a:schemeClr>
-                </a:solidFill>
-              </a:rPr>
+              <a:t>to</a:t>
+            </a:r>
+            <a:r>
+              <a:rPr lang="en-US" sz="2800" b="1" dirty="0"/>
               <a:t> </a:t>
             </a:r>
             <a:r>
-              <a:rPr lang="en-CH" sz="2800" dirty="0" err="1">
+              <a:rPr lang="en-US" sz="2800" dirty="0">
                 <a:solidFill>
                   <a:schemeClr val="tx1"/>
                 </a:solidFill>
                 <a:latin typeface="+mj-lt"/>
                 <a:cs typeface="+mj-cs"/>
               </a:rPr>
-              <a:t>apochs</a:t>
-            </a:r>
-            <a:r>
-              <a:rPr lang="en-CH" sz="2800" dirty="0">
-                <a:solidFill>
-                  <a:schemeClr val="tx1">
-                    <a:lumMod val="65000"/>
-                    <a:lumOff val="35000"/>
-                  </a:schemeClr>
-                </a:solidFill>
-              </a:rPr>
-              <a:t>, </a:t>
-            </a:r>
-            <a:r>
-              <a:rPr lang="en-CH" sz="2800" dirty="0">
+              <a:t>overcome</a:t>
+            </a:r>
+            <a:r>
+              <a:rPr lang="en-US" sz="2800" b="1" dirty="0"/>
+              <a:t> </a:t>
+            </a:r>
+            <a:r>
+              <a:rPr lang="en-US" sz="2800" dirty="0">
                 <a:solidFill>
                   <a:schemeClr val="tx1"/>
                 </a:solidFill>
                 <a:latin typeface="+mj-lt"/>
                 <a:cs typeface="+mj-cs"/>
               </a:rPr>
-              <a:t>smaller</a:t>
-            </a:r>
-            <a:r>
-              <a:rPr lang="en-CH" sz="2800" dirty="0">
-                <a:solidFill>
-                  <a:schemeClr val="tx1">
-                    <a:lumMod val="65000"/>
-                    <a:lumOff val="35000"/>
-                  </a:schemeClr>
-                </a:solidFill>
-              </a:rPr>
+              <a:t>overfitting</a:t>
+            </a:r>
+            <a:r>
+              <a:rPr lang="en-US" sz="2800" b="1" dirty="0"/>
               <a:t> </a:t>
             </a:r>
-            <a:r>
-              <a:rPr lang="en-CH" sz="2800" dirty="0">
-                <a:solidFill>
-                  <a:schemeClr val="tx1"/>
-                </a:solidFill>
-                <a:latin typeface="+mj-lt"/>
-                <a:cs typeface="+mj-cs"/>
-              </a:rPr>
-              <a:t>alpha</a:t>
-            </a:r>
             <a:br>
-              <a:rPr lang="en-CH" sz="2800" dirty="0">
-                <a:solidFill>
-                  <a:schemeClr val="tx1">
-                    <a:lumMod val="65000"/>
-                    <a:lumOff val="35000"/>
-                  </a:schemeClr>
-                </a:solidFill>
-              </a:rPr>
+              <a:rPr lang="en-CH" sz="2800" b="1" dirty="0"/>
             </a:br>
-            <a:endParaRPr lang="en-CH" sz="2800" dirty="0">
-              <a:solidFill>
-                <a:schemeClr val="tx1">
-                  <a:lumMod val="65000"/>
-                  <a:lumOff val="35000"/>
-                </a:schemeClr>
-              </a:solidFill>
-            </a:endParaRPr>
+            <a:endParaRPr lang="en-CH" sz="2800" dirty="0"/>
           </a:p>
         </p:txBody>
       </p:sp>
@@ -8742,7 +8717,7 @@
           <p:cNvPr id="3" name="Content Placeholder 2">
             <a:extLst>
               <a:ext uri="{FF2B5EF4-FFF2-40B4-BE49-F238E27FC236}">
-                <a16:creationId xmlns:a16="http://schemas.microsoft.com/office/drawing/2014/main" id="{289AFE31-CDB4-4E5C-BB9E-0DF2680259A8}"/>
+                <a16:creationId xmlns:a16="http://schemas.microsoft.com/office/drawing/2014/main" id="{362027A7-D313-428C-8B75-F50D2BBE9D37}"/>
               </a:ext>
             </a:extLst>
           </p:cNvPr>
@@ -8753,129 +8728,173 @@
             <p:ph idx="1"/>
           </p:nvPr>
         </p:nvSpPr>
-        <p:spPr/>
+        <p:spPr>
+          <a:xfrm>
+            <a:off x="834260" y="1677890"/>
+            <a:ext cx="10515600" cy="4351338"/>
+          </a:xfrm>
+        </p:spPr>
         <p:txBody>
           <a:bodyPr/>
           <a:lstStyle/>
           <a:p>
-            <a:endParaRPr lang="en-US" dirty="0"/>
-          </a:p>
-          <a:p>
-            <a:endParaRPr lang="en-CH" dirty="0"/>
-          </a:p>
-        </p:txBody>
-      </p:sp>
-      <p:sp>
-        <p:nvSpPr>
-          <p:cNvPr id="4" name="Rectangle 3">
-            <a:extLst>
-              <a:ext uri="{FF2B5EF4-FFF2-40B4-BE49-F238E27FC236}">
-                <a16:creationId xmlns:a16="http://schemas.microsoft.com/office/drawing/2014/main" id="{7357E539-1F5C-4DFE-89A0-4BBC60CACC81}"/>
-              </a:ext>
-            </a:extLst>
-          </p:cNvPr>
-          <p:cNvSpPr/>
-          <p:nvPr/>
-        </p:nvSpPr>
-        <p:spPr>
-          <a:xfrm>
-            <a:off x="834260" y="1651734"/>
-            <a:ext cx="6096000" cy="1200329"/>
-          </a:xfrm>
-          <a:prstGeom prst="rect">
-            <a:avLst/>
-          </a:prstGeom>
-        </p:spPr>
-        <p:txBody>
-          <a:bodyPr>
-            <a:spAutoFit/>
-          </a:bodyPr>
-          <a:lstStyle/>
-          <a:p>
-            <a:r>
-              <a:rPr lang="en-US" dirty="0"/>
-              <a:t>Model Evaluation final results:</a:t>
-            </a:r>
-          </a:p>
-          <a:p>
-            <a:endParaRPr lang="en-US" dirty="0"/>
-          </a:p>
-          <a:p>
-            <a:pPr eaLnBrk="0" fontAlgn="base" hangingPunct="0">
+            <a:pPr marL="0" indent="0" algn="just">
+              <a:buNone/>
+            </a:pPr>
+            <a:r>
+              <a:rPr lang="en-CH" dirty="0">
+                <a:latin typeface="+mn-lt"/>
+              </a:rPr>
+              <a:t>Dropout randomly turns off a fraction of neurons during the training process, reducing the dependency on the training set by some amount. How many fractions of neurons you want to turn off is decided by a hyperparameter, which can be tuned accordingly. This way, turning off some neurons will not allow the network to memorize the training data since not all the neurons will be active at the same time and the inactive neurons will not be able to learn anything</a:t>
+            </a:r>
+            <a:endParaRPr lang="en-US" dirty="0">
+              <a:latin typeface="+mn-lt"/>
+            </a:endParaRPr>
+          </a:p>
+          <a:p>
+            <a:endParaRPr lang="en-US" dirty="0">
+              <a:latin typeface="+mn-lt"/>
+            </a:endParaRPr>
+          </a:p>
+          <a:p>
+            <a:pPr marL="0" indent="0">
+              <a:buNone/>
+            </a:pPr>
+            <a:r>
+              <a:rPr lang="en-US" dirty="0">
+                <a:latin typeface="+mn-lt"/>
+              </a:rPr>
+              <a:t>Model Evaluation after adding dropout:</a:t>
+            </a:r>
+          </a:p>
+          <a:p>
+            <a:endParaRPr lang="en-US" dirty="0">
+              <a:latin typeface="+mn-lt"/>
+            </a:endParaRPr>
+          </a:p>
+          <a:p>
+            <a:pPr marL="0" indent="0" eaLnBrk="0" fontAlgn="base" hangingPunct="0">
+              <a:lnSpc>
+                <a:spcPct val="100000"/>
+              </a:lnSpc>
               <a:spcBef>
                 <a:spcPct val="0"/>
               </a:spcBef>
               <a:spcAft>
                 <a:spcPct val="0"/>
               </a:spcAft>
+              <a:buNone/>
             </a:pPr>
             <a:r>
-              <a:rPr lang="en-CH" altLang="en-CH" dirty="0"/>
-              <a:t>Test accuracy: 0.</a:t>
-            </a:r>
-            <a:r>
-              <a:rPr lang="en-US" altLang="en-CH" dirty="0"/>
-              <a:t>73</a:t>
-            </a:r>
-            <a:r>
-              <a:rPr lang="en-CH" altLang="en-CH" dirty="0"/>
+              <a:rPr lang="en-CH" altLang="en-CH" dirty="0">
+                <a:latin typeface="+mn-lt"/>
+              </a:rPr>
+              <a:t>Test accuracy: 0.6</a:t>
+            </a:r>
+            <a:r>
+              <a:rPr lang="en-US" altLang="en-CH" dirty="0">
+                <a:latin typeface="+mn-lt"/>
+              </a:rPr>
+              <a:t>9</a:t>
+            </a:r>
+            <a:r>
+              <a:rPr lang="en-CH" altLang="en-CH" dirty="0">
+                <a:latin typeface="+mn-lt"/>
+              </a:rPr>
               <a:t> </a:t>
             </a:r>
           </a:p>
           <a:p>
-            <a:pPr lvl="0" eaLnBrk="0" fontAlgn="base" hangingPunct="0">
+            <a:pPr marL="0" lvl="0" indent="0" eaLnBrk="0" fontAlgn="base" hangingPunct="0">
+              <a:lnSpc>
+                <a:spcPct val="100000"/>
+              </a:lnSpc>
               <a:spcBef>
                 <a:spcPct val="0"/>
               </a:spcBef>
               <a:spcAft>
                 <a:spcPct val="0"/>
               </a:spcAft>
+              <a:buNone/>
             </a:pPr>
             <a:r>
-              <a:rPr lang="en-CH" altLang="en-CH" dirty="0"/>
+              <a:rPr lang="en-CH" altLang="en-CH" dirty="0">
+                <a:latin typeface="+mn-lt"/>
+              </a:rPr>
               <a:t>Test loss: 0.8</a:t>
             </a:r>
             <a:r>
-              <a:rPr lang="en-US" altLang="en-CH" dirty="0"/>
-              <a:t>0</a:t>
-            </a:r>
-          </a:p>
-        </p:txBody>
-      </p:sp>
-      <p:pic>
-        <p:nvPicPr>
-          <p:cNvPr id="5" name="Picture 4">
-            <a:extLst>
-              <a:ext uri="{FF2B5EF4-FFF2-40B4-BE49-F238E27FC236}">
-                <a16:creationId xmlns:a16="http://schemas.microsoft.com/office/drawing/2014/main" id="{63CAD304-68B4-4D7E-8C16-906A1B2C918C}"/>
-              </a:ext>
-            </a:extLst>
-          </p:cNvPr>
-          <p:cNvPicPr>
-            <a:picLocks noChangeAspect="1"/>
-          </p:cNvPicPr>
-          <p:nvPr/>
-        </p:nvPicPr>
-        <p:blipFill>
-          <a:blip r:embed="rId2"/>
-          <a:stretch>
-            <a:fillRect/>
-          </a:stretch>
-        </p:blipFill>
-        <p:spPr>
-          <a:xfrm>
-            <a:off x="4019550" y="2228671"/>
-            <a:ext cx="7334250" cy="3933825"/>
-          </a:xfrm>
-          <a:prstGeom prst="rect">
-            <a:avLst/>
-          </a:prstGeom>
-        </p:spPr>
-      </p:pic>
+              <a:rPr lang="en-US" altLang="en-CH" dirty="0">
+                <a:latin typeface="+mn-lt"/>
+              </a:rPr>
+              <a:t>1</a:t>
+            </a:r>
+          </a:p>
+          <a:p>
+            <a:pPr marL="0" lvl="0" indent="0" eaLnBrk="0" fontAlgn="base" hangingPunct="0">
+              <a:lnSpc>
+                <a:spcPct val="100000"/>
+              </a:lnSpc>
+              <a:spcBef>
+                <a:spcPct val="0"/>
+              </a:spcBef>
+              <a:spcAft>
+                <a:spcPct val="0"/>
+              </a:spcAft>
+              <a:buNone/>
+            </a:pPr>
+            <a:endParaRPr lang="en-US" altLang="en-CH" dirty="0">
+              <a:latin typeface="+mn-lt"/>
+            </a:endParaRPr>
+          </a:p>
+          <a:p>
+            <a:pPr marL="0" lvl="0" indent="0" eaLnBrk="0" fontAlgn="base" hangingPunct="0">
+              <a:lnSpc>
+                <a:spcPct val="100000"/>
+              </a:lnSpc>
+              <a:spcBef>
+                <a:spcPct val="0"/>
+              </a:spcBef>
+              <a:spcAft>
+                <a:spcPct val="0"/>
+              </a:spcAft>
+              <a:buNone/>
+            </a:pPr>
+            <a:endParaRPr lang="en-US" altLang="en-CH" dirty="0">
+              <a:latin typeface="+mn-lt"/>
+            </a:endParaRPr>
+          </a:p>
+          <a:p>
+            <a:pPr marL="0" lvl="0" indent="0" eaLnBrk="0" fontAlgn="base" hangingPunct="0">
+              <a:lnSpc>
+                <a:spcPct val="100000"/>
+              </a:lnSpc>
+              <a:spcBef>
+                <a:spcPct val="0"/>
+              </a:spcBef>
+              <a:spcAft>
+                <a:spcPct val="0"/>
+              </a:spcAft>
+              <a:buNone/>
+            </a:pPr>
+            <a:r>
+              <a:rPr lang="en-CH" altLang="en-CH" dirty="0">
+                <a:latin typeface="+mn-lt"/>
+              </a:rPr>
+              <a:t>Looks like adding Dropout in our model worked, even though the test accuracy did not improve significantly but the test loss decreased compared to the previous results.</a:t>
+            </a:r>
+          </a:p>
+          <a:p>
+            <a:endParaRPr lang="en-CH" dirty="0">
+              <a:latin typeface="+mn-lt"/>
+            </a:endParaRPr>
+          </a:p>
+        </p:txBody>
+      </p:sp>
     </p:spTree>
     <p:extLst>
       <p:ext uri="{BB962C8B-B14F-4D97-AF65-F5344CB8AC3E}">
-        <p14:creationId xmlns:p14="http://schemas.microsoft.com/office/powerpoint/2010/main" val="2131079285"/>
+        <p14:creationId xmlns:p14="http://schemas.microsoft.com/office/powerpoint/2010/main" val="4147130101"/>
       </p:ext>
     </p:extLst>
   </p:cSld>
@@ -9151,6 +9170,542 @@
     <p:extLst>
       <p:ext uri="{BB962C8B-B14F-4D97-AF65-F5344CB8AC3E}">
         <p14:creationId xmlns:p14="http://schemas.microsoft.com/office/powerpoint/2010/main" val="3748667521"/>
+      </p:ext>
+    </p:extLst>
+  </p:cSld>
+  <p:clrMapOvr>
+    <a:masterClrMapping/>
+  </p:clrMapOvr>
+</p:sld>
+</file>
+
+<file path=ppt/slides/slide20.xml><?xml version="1.0" encoding="utf-8"?>
+<p:sld xmlns:a="http://schemas.openxmlformats.org/drawingml/2006/main" xmlns:r="http://schemas.openxmlformats.org/officeDocument/2006/relationships" xmlns:p="http://schemas.openxmlformats.org/presentationml/2006/main">
+  <p:cSld>
+    <p:spTree>
+      <p:nvGrpSpPr>
+        <p:cNvPr id="1" name=""/>
+        <p:cNvGrpSpPr/>
+        <p:nvPr/>
+      </p:nvGrpSpPr>
+      <p:grpSpPr>
+        <a:xfrm>
+          <a:off x="0" y="0"/>
+          <a:ext cx="0" cy="0"/>
+          <a:chOff x="0" y="0"/>
+          <a:chExt cx="0" cy="0"/>
+        </a:xfrm>
+      </p:grpSpPr>
+      <p:sp>
+        <p:nvSpPr>
+          <p:cNvPr id="2" name="Title 1">
+            <a:extLst>
+              <a:ext uri="{FF2B5EF4-FFF2-40B4-BE49-F238E27FC236}">
+                <a16:creationId xmlns:a16="http://schemas.microsoft.com/office/drawing/2014/main" id="{0733E7CE-FF8F-4E5B-B07E-C0C94C4ECE3B}"/>
+              </a:ext>
+            </a:extLst>
+          </p:cNvPr>
+          <p:cNvSpPr>
+            <a:spLocks noGrp="1"/>
+          </p:cNvSpPr>
+          <p:nvPr>
+            <p:ph type="title"/>
+          </p:nvPr>
+        </p:nvSpPr>
+        <p:spPr>
+          <a:xfrm>
+            <a:off x="314238" y="672440"/>
+            <a:ext cx="11032158" cy="822263"/>
+          </a:xfrm>
+        </p:spPr>
+        <p:txBody>
+          <a:bodyPr>
+            <a:noAutofit/>
+          </a:bodyPr>
+          <a:lstStyle/>
+          <a:p>
+            <a:pPr algn="ctr"/>
+            <a:r>
+              <a:rPr lang="en-CH" sz="2800" dirty="0">
+                <a:solidFill>
+                  <a:schemeClr val="tx1"/>
+                </a:solidFill>
+                <a:latin typeface="+mj-lt"/>
+                <a:cs typeface="+mj-cs"/>
+              </a:rPr>
+              <a:t>Adding</a:t>
+            </a:r>
+            <a:r>
+              <a:rPr lang="en-CH" sz="2800" dirty="0">
+                <a:solidFill>
+                  <a:schemeClr val="tx1">
+                    <a:lumMod val="65000"/>
+                    <a:lumOff val="35000"/>
+                  </a:schemeClr>
+                </a:solidFill>
+              </a:rPr>
+              <a:t> </a:t>
+            </a:r>
+            <a:r>
+              <a:rPr lang="en-CH" sz="2800" dirty="0">
+                <a:solidFill>
+                  <a:schemeClr val="tx1"/>
+                </a:solidFill>
+                <a:latin typeface="+mj-lt"/>
+                <a:cs typeface="+mj-cs"/>
+              </a:rPr>
+              <a:t>Dropout</a:t>
+            </a:r>
+            <a:r>
+              <a:rPr lang="en-CH" sz="2800" dirty="0">
+                <a:solidFill>
+                  <a:schemeClr val="tx1">
+                    <a:lumMod val="65000"/>
+                    <a:lumOff val="35000"/>
+                  </a:schemeClr>
+                </a:solidFill>
+              </a:rPr>
+              <a:t> </a:t>
+            </a:r>
+            <a:r>
+              <a:rPr lang="en-CH" sz="2800" dirty="0">
+                <a:solidFill>
+                  <a:schemeClr val="tx1"/>
+                </a:solidFill>
+                <a:latin typeface="+mj-lt"/>
+                <a:cs typeface="+mj-cs"/>
+              </a:rPr>
+              <a:t>into</a:t>
+            </a:r>
+            <a:r>
+              <a:rPr lang="en-CH" sz="2800" dirty="0">
+                <a:solidFill>
+                  <a:schemeClr val="tx1">
+                    <a:lumMod val="65000"/>
+                    <a:lumOff val="35000"/>
+                  </a:schemeClr>
+                </a:solidFill>
+              </a:rPr>
+              <a:t> </a:t>
+            </a:r>
+            <a:r>
+              <a:rPr lang="en-CH" sz="2800" dirty="0">
+                <a:solidFill>
+                  <a:schemeClr val="tx1"/>
+                </a:solidFill>
+                <a:latin typeface="+mj-lt"/>
+                <a:cs typeface="+mj-cs"/>
+              </a:rPr>
+              <a:t>the</a:t>
+            </a:r>
+            <a:r>
+              <a:rPr lang="en-CH" sz="2800" dirty="0">
+                <a:solidFill>
+                  <a:schemeClr val="tx1">
+                    <a:lumMod val="65000"/>
+                    <a:lumOff val="35000"/>
+                  </a:schemeClr>
+                </a:solidFill>
+              </a:rPr>
+              <a:t> </a:t>
+            </a:r>
+            <a:r>
+              <a:rPr lang="en-CH" sz="2800" dirty="0">
+                <a:solidFill>
+                  <a:schemeClr val="tx1"/>
+                </a:solidFill>
+                <a:latin typeface="+mj-lt"/>
+                <a:cs typeface="+mj-cs"/>
+              </a:rPr>
+              <a:t>Network</a:t>
+            </a:r>
+            <a:r>
+              <a:rPr lang="en-CH" sz="2800" dirty="0">
+                <a:solidFill>
+                  <a:schemeClr val="tx1">
+                    <a:lumMod val="65000"/>
+                    <a:lumOff val="35000"/>
+                  </a:schemeClr>
+                </a:solidFill>
+              </a:rPr>
+              <a:t>, </a:t>
+            </a:r>
+            <a:r>
+              <a:rPr lang="en-CH" sz="2800" dirty="0">
+                <a:solidFill>
+                  <a:schemeClr val="tx1"/>
+                </a:solidFill>
+                <a:latin typeface="+mj-lt"/>
+                <a:cs typeface="+mj-cs"/>
+              </a:rPr>
+              <a:t>more</a:t>
+            </a:r>
+            <a:r>
+              <a:rPr lang="en-CH" sz="2800" dirty="0">
+                <a:solidFill>
+                  <a:schemeClr val="tx1">
+                    <a:lumMod val="65000"/>
+                    <a:lumOff val="35000"/>
+                  </a:schemeClr>
+                </a:solidFill>
+              </a:rPr>
+              <a:t> </a:t>
+            </a:r>
+            <a:r>
+              <a:rPr lang="en-CH" sz="2800" dirty="0" err="1">
+                <a:solidFill>
+                  <a:schemeClr val="tx1"/>
+                </a:solidFill>
+                <a:latin typeface="+mj-lt"/>
+                <a:cs typeface="+mj-cs"/>
+              </a:rPr>
+              <a:t>apochs</a:t>
+            </a:r>
+            <a:r>
+              <a:rPr lang="en-CH" sz="2800" dirty="0">
+                <a:solidFill>
+                  <a:schemeClr val="tx1">
+                    <a:lumMod val="65000"/>
+                    <a:lumOff val="35000"/>
+                  </a:schemeClr>
+                </a:solidFill>
+              </a:rPr>
+              <a:t>, </a:t>
+            </a:r>
+            <a:r>
+              <a:rPr lang="en-CH" sz="2800" dirty="0">
+                <a:solidFill>
+                  <a:schemeClr val="tx1"/>
+                </a:solidFill>
+                <a:latin typeface="+mj-lt"/>
+                <a:cs typeface="+mj-cs"/>
+              </a:rPr>
+              <a:t>smaller</a:t>
+            </a:r>
+            <a:r>
+              <a:rPr lang="en-CH" sz="2800" dirty="0">
+                <a:solidFill>
+                  <a:schemeClr val="tx1">
+                    <a:lumMod val="65000"/>
+                    <a:lumOff val="35000"/>
+                  </a:schemeClr>
+                </a:solidFill>
+              </a:rPr>
+              <a:t> </a:t>
+            </a:r>
+            <a:r>
+              <a:rPr lang="en-CH" sz="2800" dirty="0">
+                <a:solidFill>
+                  <a:schemeClr val="tx1"/>
+                </a:solidFill>
+                <a:latin typeface="+mj-lt"/>
+                <a:cs typeface="+mj-cs"/>
+              </a:rPr>
+              <a:t>alpha</a:t>
+            </a:r>
+            <a:br>
+              <a:rPr lang="en-CH" sz="2800" dirty="0">
+                <a:solidFill>
+                  <a:schemeClr val="tx1">
+                    <a:lumMod val="65000"/>
+                    <a:lumOff val="35000"/>
+                  </a:schemeClr>
+                </a:solidFill>
+              </a:rPr>
+            </a:br>
+            <a:endParaRPr lang="en-CH" sz="2800" dirty="0">
+              <a:solidFill>
+                <a:schemeClr val="tx1">
+                  <a:lumMod val="65000"/>
+                  <a:lumOff val="35000"/>
+                </a:schemeClr>
+              </a:solidFill>
+            </a:endParaRPr>
+          </a:p>
+        </p:txBody>
+      </p:sp>
+      <p:sp>
+        <p:nvSpPr>
+          <p:cNvPr id="3" name="Content Placeholder 2">
+            <a:extLst>
+              <a:ext uri="{FF2B5EF4-FFF2-40B4-BE49-F238E27FC236}">
+                <a16:creationId xmlns:a16="http://schemas.microsoft.com/office/drawing/2014/main" id="{289AFE31-CDB4-4E5C-BB9E-0DF2680259A8}"/>
+              </a:ext>
+            </a:extLst>
+          </p:cNvPr>
+          <p:cNvSpPr>
+            <a:spLocks noGrp="1"/>
+          </p:cNvSpPr>
+          <p:nvPr>
+            <p:ph idx="1"/>
+          </p:nvPr>
+        </p:nvSpPr>
+        <p:spPr/>
+        <p:txBody>
+          <a:bodyPr/>
+          <a:lstStyle/>
+          <a:p>
+            <a:endParaRPr lang="en-US" dirty="0"/>
+          </a:p>
+          <a:p>
+            <a:endParaRPr lang="en-CH" dirty="0"/>
+          </a:p>
+        </p:txBody>
+      </p:sp>
+      <p:sp>
+        <p:nvSpPr>
+          <p:cNvPr id="4" name="Rectangle 3">
+            <a:extLst>
+              <a:ext uri="{FF2B5EF4-FFF2-40B4-BE49-F238E27FC236}">
+                <a16:creationId xmlns:a16="http://schemas.microsoft.com/office/drawing/2014/main" id="{7357E539-1F5C-4DFE-89A0-4BBC60CACC81}"/>
+              </a:ext>
+            </a:extLst>
+          </p:cNvPr>
+          <p:cNvSpPr/>
+          <p:nvPr/>
+        </p:nvSpPr>
+        <p:spPr>
+          <a:xfrm>
+            <a:off x="834260" y="1651734"/>
+            <a:ext cx="6096000" cy="1200329"/>
+          </a:xfrm>
+          <a:prstGeom prst="rect">
+            <a:avLst/>
+          </a:prstGeom>
+        </p:spPr>
+        <p:txBody>
+          <a:bodyPr>
+            <a:spAutoFit/>
+          </a:bodyPr>
+          <a:lstStyle/>
+          <a:p>
+            <a:r>
+              <a:rPr lang="en-US" dirty="0"/>
+              <a:t>Model Evaluation final results:</a:t>
+            </a:r>
+          </a:p>
+          <a:p>
+            <a:endParaRPr lang="en-US" dirty="0"/>
+          </a:p>
+          <a:p>
+            <a:pPr eaLnBrk="0" fontAlgn="base" hangingPunct="0">
+              <a:spcBef>
+                <a:spcPct val="0"/>
+              </a:spcBef>
+              <a:spcAft>
+                <a:spcPct val="0"/>
+              </a:spcAft>
+            </a:pPr>
+            <a:r>
+              <a:rPr lang="en-CH" altLang="en-CH" dirty="0"/>
+              <a:t>Test accuracy: 0.</a:t>
+            </a:r>
+            <a:r>
+              <a:rPr lang="en-US" altLang="en-CH" dirty="0"/>
+              <a:t>73</a:t>
+            </a:r>
+            <a:r>
+              <a:rPr lang="en-CH" altLang="en-CH" dirty="0"/>
+              <a:t> </a:t>
+            </a:r>
+          </a:p>
+          <a:p>
+            <a:pPr lvl="0" eaLnBrk="0" fontAlgn="base" hangingPunct="0">
+              <a:spcBef>
+                <a:spcPct val="0"/>
+              </a:spcBef>
+              <a:spcAft>
+                <a:spcPct val="0"/>
+              </a:spcAft>
+            </a:pPr>
+            <a:r>
+              <a:rPr lang="en-CH" altLang="en-CH" dirty="0"/>
+              <a:t>Test loss: 0.8</a:t>
+            </a:r>
+            <a:r>
+              <a:rPr lang="en-US" altLang="en-CH" dirty="0"/>
+              <a:t>0</a:t>
+            </a:r>
+          </a:p>
+        </p:txBody>
+      </p:sp>
+      <p:pic>
+        <p:nvPicPr>
+          <p:cNvPr id="5" name="Picture 4">
+            <a:extLst>
+              <a:ext uri="{FF2B5EF4-FFF2-40B4-BE49-F238E27FC236}">
+                <a16:creationId xmlns:a16="http://schemas.microsoft.com/office/drawing/2014/main" id="{63CAD304-68B4-4D7E-8C16-906A1B2C918C}"/>
+              </a:ext>
+            </a:extLst>
+          </p:cNvPr>
+          <p:cNvPicPr>
+            <a:picLocks noChangeAspect="1"/>
+          </p:cNvPicPr>
+          <p:nvPr/>
+        </p:nvPicPr>
+        <p:blipFill>
+          <a:blip r:embed="rId2"/>
+          <a:stretch>
+            <a:fillRect/>
+          </a:stretch>
+        </p:blipFill>
+        <p:spPr>
+          <a:xfrm>
+            <a:off x="4019550" y="2228671"/>
+            <a:ext cx="7334250" cy="3933825"/>
+          </a:xfrm>
+          <a:prstGeom prst="rect">
+            <a:avLst/>
+          </a:prstGeom>
+        </p:spPr>
+      </p:pic>
+    </p:spTree>
+    <p:extLst>
+      <p:ext uri="{BB962C8B-B14F-4D97-AF65-F5344CB8AC3E}">
+        <p14:creationId xmlns:p14="http://schemas.microsoft.com/office/powerpoint/2010/main" val="2131079285"/>
+      </p:ext>
+    </p:extLst>
+  </p:cSld>
+  <p:clrMapOvr>
+    <a:masterClrMapping/>
+  </p:clrMapOvr>
+</p:sld>
+</file>
+
+<file path=ppt/slides/slide21.xml><?xml version="1.0" encoding="utf-8"?>
+<p:sld xmlns:a="http://schemas.openxmlformats.org/drawingml/2006/main" xmlns:r="http://schemas.openxmlformats.org/officeDocument/2006/relationships" xmlns:p="http://schemas.openxmlformats.org/presentationml/2006/main">
+  <p:cSld>
+    <p:spTree>
+      <p:nvGrpSpPr>
+        <p:cNvPr id="1" name=""/>
+        <p:cNvGrpSpPr/>
+        <p:nvPr/>
+      </p:nvGrpSpPr>
+      <p:grpSpPr>
+        <a:xfrm>
+          <a:off x="0" y="0"/>
+          <a:ext cx="0" cy="0"/>
+          <a:chOff x="0" y="0"/>
+          <a:chExt cx="0" cy="0"/>
+        </a:xfrm>
+      </p:grpSpPr>
+      <p:sp>
+        <p:nvSpPr>
+          <p:cNvPr id="2" name="Title 1">
+            <a:extLst>
+              <a:ext uri="{FF2B5EF4-FFF2-40B4-BE49-F238E27FC236}">
+                <a16:creationId xmlns:a16="http://schemas.microsoft.com/office/drawing/2014/main" id="{50F71648-18DD-42E4-A7BD-392CE33C8226}"/>
+              </a:ext>
+            </a:extLst>
+          </p:cNvPr>
+          <p:cNvSpPr>
+            <a:spLocks noGrp="1"/>
+          </p:cNvSpPr>
+          <p:nvPr>
+            <p:ph type="title"/>
+          </p:nvPr>
+        </p:nvSpPr>
+        <p:spPr>
+          <a:xfrm>
+            <a:off x="834260" y="410501"/>
+            <a:ext cx="10515600" cy="822263"/>
+          </a:xfrm>
+        </p:spPr>
+        <p:txBody>
+          <a:bodyPr/>
+          <a:lstStyle/>
+          <a:p>
+            <a:r>
+              <a:rPr lang="en-US" dirty="0"/>
+              <a:t>Issues </a:t>
+            </a:r>
+            <a:endParaRPr lang="en-CH" dirty="0"/>
+          </a:p>
+        </p:txBody>
+      </p:sp>
+      <p:sp>
+        <p:nvSpPr>
+          <p:cNvPr id="3" name="Content Placeholder 2">
+            <a:extLst>
+              <a:ext uri="{FF2B5EF4-FFF2-40B4-BE49-F238E27FC236}">
+                <a16:creationId xmlns:a16="http://schemas.microsoft.com/office/drawing/2014/main" id="{B43422E7-3E5B-4284-B8C5-9E2714737028}"/>
+              </a:ext>
+            </a:extLst>
+          </p:cNvPr>
+          <p:cNvSpPr>
+            <a:spLocks noGrp="1"/>
+          </p:cNvSpPr>
+          <p:nvPr>
+            <p:ph idx="1"/>
+          </p:nvPr>
+        </p:nvSpPr>
+        <p:spPr/>
+        <p:txBody>
+          <a:bodyPr/>
+          <a:lstStyle/>
+          <a:p>
+            <a:endParaRPr lang="en-US" dirty="0"/>
+          </a:p>
+          <a:p>
+            <a:r>
+              <a:rPr lang="en-US" dirty="0"/>
+              <a:t>We are distorting the images when resizing. </a:t>
+            </a:r>
+          </a:p>
+          <a:p>
+            <a:endParaRPr lang="en-US" dirty="0"/>
+          </a:p>
+          <a:p>
+            <a:r>
+              <a:rPr lang="en-US" dirty="0"/>
+              <a:t>We greyscale the images used for the convolution network due to machine limitations (Linux VM machine 8GB RAM 4 core)</a:t>
+            </a:r>
+          </a:p>
+          <a:p>
+            <a:endParaRPr lang="en-US" dirty="0"/>
+          </a:p>
+          <a:p>
+            <a:r>
+              <a:rPr lang="en-US" dirty="0"/>
+              <a:t>The number of images used is limited due to machine limitations.</a:t>
+            </a:r>
+          </a:p>
+          <a:p>
+            <a:endParaRPr lang="en-US" dirty="0"/>
+          </a:p>
+          <a:p>
+            <a:r>
+              <a:rPr lang="en-US" dirty="0"/>
+              <a:t>Some google image searches do not align with the search keywords </a:t>
+            </a:r>
+          </a:p>
+          <a:p>
+            <a:endParaRPr lang="en-US" dirty="0"/>
+          </a:p>
+          <a:p>
+            <a:endParaRPr lang="en-US" dirty="0"/>
+          </a:p>
+          <a:p>
+            <a:endParaRPr lang="en-US" dirty="0"/>
+          </a:p>
+          <a:p>
+            <a:endParaRPr lang="en-US" dirty="0"/>
+          </a:p>
+          <a:p>
+            <a:endParaRPr lang="en-US" dirty="0"/>
+          </a:p>
+          <a:p>
+            <a:endParaRPr lang="en-US" dirty="0"/>
+          </a:p>
+          <a:p>
+            <a:endParaRPr lang="en-CH" dirty="0"/>
+          </a:p>
+        </p:txBody>
+      </p:sp>
+    </p:spTree>
+    <p:extLst>
+      <p:ext uri="{BB962C8B-B14F-4D97-AF65-F5344CB8AC3E}">
+        <p14:creationId xmlns:p14="http://schemas.microsoft.com/office/powerpoint/2010/main" val="347875016"/>
       </p:ext>
     </p:extLst>
   </p:cSld>
@@ -11101,6 +11656,106 @@
 <file path=ppt/slides/slide7.xml><?xml version="1.0" encoding="utf-8"?>
 <p:sld xmlns:a="http://schemas.openxmlformats.org/drawingml/2006/main" xmlns:r="http://schemas.openxmlformats.org/officeDocument/2006/relationships" xmlns:p="http://schemas.openxmlformats.org/presentationml/2006/main">
   <p:cSld>
+    <p:spTree>
+      <p:nvGrpSpPr>
+        <p:cNvPr id="1" name=""/>
+        <p:cNvGrpSpPr/>
+        <p:nvPr/>
+      </p:nvGrpSpPr>
+      <p:grpSpPr>
+        <a:xfrm>
+          <a:off x="0" y="0"/>
+          <a:ext cx="0" cy="0"/>
+          <a:chOff x="0" y="0"/>
+          <a:chExt cx="0" cy="0"/>
+        </a:xfrm>
+      </p:grpSpPr>
+      <p:sp>
+        <p:nvSpPr>
+          <p:cNvPr id="2" name="Title 1">
+            <a:extLst>
+              <a:ext uri="{FF2B5EF4-FFF2-40B4-BE49-F238E27FC236}">
+                <a16:creationId xmlns:a16="http://schemas.microsoft.com/office/drawing/2014/main" id="{067200EF-87DA-4867-A436-94512D97E4E7}"/>
+              </a:ext>
+            </a:extLst>
+          </p:cNvPr>
+          <p:cNvSpPr>
+            <a:spLocks noGrp="1"/>
+          </p:cNvSpPr>
+          <p:nvPr>
+            <p:ph type="title"/>
+          </p:nvPr>
+        </p:nvSpPr>
+        <p:spPr/>
+        <p:txBody>
+          <a:bodyPr>
+            <a:normAutofit fontScale="90000"/>
+          </a:bodyPr>
+          <a:lstStyle/>
+          <a:p>
+            <a:r>
+              <a:rPr lang="en-US" dirty="0"/>
+              <a:t>Limitation: Images are distorted when resizing</a:t>
+            </a:r>
+            <a:br>
+              <a:rPr lang="en-US" dirty="0"/>
+            </a:br>
+            <a:r>
+              <a:rPr lang="en-US" dirty="0"/>
+              <a:t>Aspect ratio varies from 0.3 to 6 </a:t>
+            </a:r>
+            <a:endParaRPr lang="en-CH" dirty="0"/>
+          </a:p>
+        </p:txBody>
+      </p:sp>
+      <p:pic>
+        <p:nvPicPr>
+          <p:cNvPr id="4" name="Content Placeholder 3">
+            <a:extLst>
+              <a:ext uri="{FF2B5EF4-FFF2-40B4-BE49-F238E27FC236}">
+                <a16:creationId xmlns:a16="http://schemas.microsoft.com/office/drawing/2014/main" id="{CDD8B63D-95DF-4D4C-99E7-05E2E48FF74F}"/>
+              </a:ext>
+            </a:extLst>
+          </p:cNvPr>
+          <p:cNvPicPr>
+            <a:picLocks noGrp="1"/>
+          </p:cNvPicPr>
+          <p:nvPr>
+            <p:ph idx="1"/>
+          </p:nvPr>
+        </p:nvPicPr>
+        <p:blipFill>
+          <a:blip r:embed="rId3"/>
+          <a:stretch>
+            <a:fillRect/>
+          </a:stretch>
+        </p:blipFill>
+        <p:spPr>
+          <a:xfrm>
+            <a:off x="1329350" y="1625600"/>
+            <a:ext cx="9533300" cy="4351338"/>
+          </a:xfrm>
+          <a:prstGeom prst="rect">
+            <a:avLst/>
+          </a:prstGeom>
+        </p:spPr>
+      </p:pic>
+    </p:spTree>
+    <p:extLst>
+      <p:ext uri="{BB962C8B-B14F-4D97-AF65-F5344CB8AC3E}">
+        <p14:creationId xmlns:p14="http://schemas.microsoft.com/office/powerpoint/2010/main" val="2213145924"/>
+      </p:ext>
+    </p:extLst>
+  </p:cSld>
+  <p:clrMapOvr>
+    <a:masterClrMapping/>
+  </p:clrMapOvr>
+</p:sld>
+</file>
+
+<file path=ppt/slides/slide8.xml><?xml version="1.0" encoding="utf-8"?>
+<p:sld xmlns:a="http://schemas.openxmlformats.org/drawingml/2006/main" xmlns:r="http://schemas.openxmlformats.org/officeDocument/2006/relationships" xmlns:p="http://schemas.openxmlformats.org/presentationml/2006/main">
+  <p:cSld>
     <p:bg>
       <p:bgPr>
         <a:solidFill>
@@ -11286,7 +11941,7 @@
                 <a:latin typeface="+mn-lt"/>
                 <a:cs typeface="+mn-cs"/>
               </a:rPr>
-              <a:t>Neural Network with hidden layer</a:t>
+              <a:t>Convolution Neural Networks</a:t>
             </a:r>
           </a:p>
         </p:txBody>
@@ -11472,7 +12127,7 @@
 </p:sld>
 </file>
 
-<file path=ppt/slides/slide8.xml><?xml version="1.0" encoding="utf-8"?>
+<file path=ppt/slides/slide9.xml><?xml version="1.0" encoding="utf-8"?>
 <p:sld xmlns:a="http://schemas.openxmlformats.org/drawingml/2006/main" xmlns:r="http://schemas.openxmlformats.org/officeDocument/2006/relationships" xmlns:p="http://schemas.openxmlformats.org/presentationml/2006/main">
   <p:cSld>
     <p:bg>
@@ -11824,252 +12479,6 @@
     <p:extLst>
       <p:ext uri="{BB962C8B-B14F-4D97-AF65-F5344CB8AC3E}">
         <p14:creationId xmlns:p14="http://schemas.microsoft.com/office/powerpoint/2010/main" val="662435499"/>
-      </p:ext>
-    </p:extLst>
-  </p:cSld>
-  <p:clrMapOvr>
-    <a:masterClrMapping/>
-  </p:clrMapOvr>
-</p:sld>
-</file>
-
-<file path=ppt/slides/slide9.xml><?xml version="1.0" encoding="utf-8"?>
-<p:sld xmlns:a="http://schemas.openxmlformats.org/drawingml/2006/main" xmlns:r="http://schemas.openxmlformats.org/officeDocument/2006/relationships" xmlns:p="http://schemas.openxmlformats.org/presentationml/2006/main">
-  <p:cSld>
-    <p:spTree>
-      <p:nvGrpSpPr>
-        <p:cNvPr id="1" name=""/>
-        <p:cNvGrpSpPr/>
-        <p:nvPr/>
-      </p:nvGrpSpPr>
-      <p:grpSpPr>
-        <a:xfrm>
-          <a:off x="0" y="0"/>
-          <a:ext cx="0" cy="0"/>
-          <a:chOff x="0" y="0"/>
-          <a:chExt cx="0" cy="0"/>
-        </a:xfrm>
-      </p:grpSpPr>
-      <p:sp>
-        <p:nvSpPr>
-          <p:cNvPr id="2" name="Title 1">
-            <a:extLst>
-              <a:ext uri="{FF2B5EF4-FFF2-40B4-BE49-F238E27FC236}">
-                <a16:creationId xmlns:a16="http://schemas.microsoft.com/office/drawing/2014/main" id="{19842FE8-F241-4344-948F-DE5FF00A7A0B}"/>
-              </a:ext>
-            </a:extLst>
-          </p:cNvPr>
-          <p:cNvSpPr>
-            <a:spLocks noGrp="1"/>
-          </p:cNvSpPr>
-          <p:nvPr>
-            <p:ph type="title"/>
-          </p:nvPr>
-        </p:nvSpPr>
-        <p:spPr>
-          <a:xfrm>
-            <a:off x="838200" y="680664"/>
-            <a:ext cx="10515600" cy="822263"/>
-          </a:xfrm>
-        </p:spPr>
-        <p:txBody>
-          <a:bodyPr>
-            <a:normAutofit fontScale="90000"/>
-          </a:bodyPr>
-          <a:lstStyle/>
-          <a:p>
-            <a:r>
-              <a:rPr lang="en-CH" sz="3100" dirty="0"/>
-              <a:t>Key steps</a:t>
-            </a:r>
-            <a:br>
-              <a:rPr lang="en-CH" dirty="0"/>
-            </a:br>
-            <a:endParaRPr lang="en-CH" dirty="0"/>
-          </a:p>
-        </p:txBody>
-      </p:sp>
-      <p:sp>
-        <p:nvSpPr>
-          <p:cNvPr id="3" name="Content Placeholder 2">
-            <a:extLst>
-              <a:ext uri="{FF2B5EF4-FFF2-40B4-BE49-F238E27FC236}">
-                <a16:creationId xmlns:a16="http://schemas.microsoft.com/office/drawing/2014/main" id="{67D53DE0-71A7-462D-A2A6-42CC0D7E825F}"/>
-              </a:ext>
-            </a:extLst>
-          </p:cNvPr>
-          <p:cNvSpPr>
-            <a:spLocks noGrp="1"/>
-          </p:cNvSpPr>
-          <p:nvPr>
-            <p:ph idx="1"/>
-          </p:nvPr>
-        </p:nvSpPr>
-        <p:spPr>
-          <a:xfrm>
-            <a:off x="838200" y="1625936"/>
-            <a:ext cx="10515600" cy="4351338"/>
-          </a:xfrm>
-        </p:spPr>
-        <p:txBody>
-          <a:bodyPr/>
-          <a:lstStyle/>
-          <a:p>
-            <a:pPr marL="0" indent="0">
-              <a:buNone/>
-            </a:pPr>
-            <a:r>
-              <a:rPr lang="en-CH" u="sng" dirty="0"/>
-              <a:t>Initialize the parameters of the model</a:t>
-            </a:r>
-            <a:endParaRPr lang="en-US" u="sng" dirty="0"/>
-          </a:p>
-          <a:p>
-            <a:pPr marL="0" indent="0">
-              <a:buNone/>
-            </a:pPr>
-            <a:r>
-              <a:rPr lang="en-CH" dirty="0"/>
-              <a:t>We want to predict the w and p parameters that minimize the cost function. First we initialize the parameters and then try to improve the values the reach minimum value</a:t>
-            </a:r>
-            <a:r>
-              <a:rPr lang="en-US" dirty="0"/>
-              <a:t> (</a:t>
-            </a:r>
-            <a:r>
-              <a:rPr lang="en-CH" dirty="0"/>
-              <a:t>gradient decent </a:t>
-            </a:r>
-            <a:r>
-              <a:rPr lang="en-US" dirty="0"/>
-              <a:t>)</a:t>
-            </a:r>
-          </a:p>
-          <a:p>
-            <a:pPr marL="0" indent="0">
-              <a:buNone/>
-            </a:pPr>
-            <a:endParaRPr lang="en-US" dirty="0"/>
-          </a:p>
-          <a:p>
-            <a:pPr marL="0" indent="0">
-              <a:buNone/>
-            </a:pPr>
-            <a:r>
-              <a:rPr lang="en-CH" u="sng" dirty="0"/>
-              <a:t>Learn the parameters for the model by minimizing the cost </a:t>
-            </a:r>
-            <a:endParaRPr lang="en-US" dirty="0"/>
-          </a:p>
-          <a:p>
-            <a:r>
-              <a:rPr lang="en-CH" u="sng" dirty="0"/>
-              <a:t>Forward propagation </a:t>
-            </a:r>
-            <a:endParaRPr lang="en-CH" dirty="0"/>
-          </a:p>
-          <a:p>
-            <a:pPr marL="0" indent="0">
-              <a:buNone/>
-            </a:pPr>
-            <a:r>
-              <a:rPr lang="en-US" dirty="0"/>
-              <a:t>Generate predictions during training that will need to be corrected through the activation function and cost function </a:t>
-            </a:r>
-          </a:p>
-          <a:p>
-            <a:r>
-              <a:rPr lang="en-US" u="sng" dirty="0"/>
-              <a:t>Backward propagation (Gradient computation)</a:t>
-            </a:r>
-          </a:p>
-          <a:p>
-            <a:pPr marL="0" indent="0">
-              <a:buNone/>
-            </a:pPr>
-            <a:r>
-              <a:rPr lang="en-US" dirty="0"/>
-              <a:t>Calculate the waits by taking </a:t>
-            </a:r>
-            <a:r>
-              <a:rPr lang="en-CH" dirty="0"/>
-              <a:t>the derivative of the loss function </a:t>
-            </a:r>
-            <a:r>
-              <a:rPr lang="en-US" dirty="0"/>
-              <a:t>and compute grads </a:t>
-            </a:r>
-          </a:p>
-          <a:p>
-            <a:pPr marL="0" indent="0">
-              <a:buNone/>
-            </a:pPr>
-            <a:endParaRPr lang="en-US" dirty="0"/>
-          </a:p>
-          <a:p>
-            <a:pPr marL="0" indent="0">
-              <a:buNone/>
-            </a:pPr>
-            <a:r>
-              <a:rPr lang="en-CH" u="sng" dirty="0"/>
-              <a:t>Use the learned parameters to make predictions (on the test set)</a:t>
-            </a:r>
-            <a:endParaRPr lang="en-US" u="sng" dirty="0"/>
-          </a:p>
-          <a:p>
-            <a:pPr marL="0" indent="0">
-              <a:buNone/>
-            </a:pPr>
-            <a:r>
-              <a:rPr lang="en-CH" dirty="0"/>
-              <a:t>Retrieve parameters w and b </a:t>
-            </a:r>
-            <a:r>
-              <a:rPr lang="en-US" dirty="0"/>
-              <a:t>p</a:t>
-            </a:r>
-            <a:r>
-              <a:rPr lang="en-CH" dirty="0" err="1"/>
-              <a:t>redict</a:t>
-            </a:r>
-            <a:r>
-              <a:rPr lang="en-CH" dirty="0"/>
-              <a:t> test/train set examples</a:t>
-            </a:r>
-          </a:p>
-          <a:p>
-            <a:endParaRPr lang="en-CH" dirty="0"/>
-          </a:p>
-          <a:p>
-            <a:pPr marL="0" indent="0">
-              <a:buNone/>
-            </a:pPr>
-            <a:endParaRPr lang="en-US" b="1" u="sng" dirty="0"/>
-          </a:p>
-          <a:p>
-            <a:pPr marL="0" indent="0">
-              <a:buNone/>
-            </a:pPr>
-            <a:endParaRPr lang="en-US" b="1" u="sng" dirty="0"/>
-          </a:p>
-          <a:p>
-            <a:pPr marL="0" indent="0">
-              <a:buNone/>
-            </a:pPr>
-            <a:endParaRPr lang="en-CH" b="1" dirty="0"/>
-          </a:p>
-          <a:p>
-            <a:pPr marL="0" indent="0">
-              <a:buNone/>
-            </a:pPr>
-            <a:endParaRPr lang="en-CH" u="sng" dirty="0"/>
-          </a:p>
-        </p:txBody>
-      </p:sp>
-    </p:spTree>
-    <p:extLst>
-      <p:ext uri="{BB962C8B-B14F-4D97-AF65-F5344CB8AC3E}">
-        <p14:creationId xmlns:p14="http://schemas.microsoft.com/office/powerpoint/2010/main" val="2985016368"/>
       </p:ext>
     </p:extLst>
   </p:cSld>
